--- a/help_source(internal)/ETK_2021R1.pptx
+++ b/help_source(internal)/ETK_2021R1.pptx
@@ -5,33 +5,32 @@
     <p:sldMasterId id="2147483734" r:id="rId1"/>
   </p:sldMasterIdLst>
   <p:notesMasterIdLst>
-    <p:notesMasterId r:id="rId23"/>
+    <p:notesMasterId r:id="rId22"/>
   </p:notesMasterIdLst>
   <p:handoutMasterIdLst>
-    <p:handoutMasterId r:id="rId24"/>
+    <p:handoutMasterId r:id="rId23"/>
   </p:handoutMasterIdLst>
   <p:sldIdLst>
     <p:sldId id="389" r:id="rId2"/>
     <p:sldId id="471" r:id="rId3"/>
     <p:sldId id="391" r:id="rId4"/>
     <p:sldId id="494" r:id="rId5"/>
-    <p:sldId id="473" r:id="rId6"/>
-    <p:sldId id="474" r:id="rId7"/>
-    <p:sldId id="487" r:id="rId8"/>
-    <p:sldId id="489" r:id="rId9"/>
-    <p:sldId id="394" r:id="rId10"/>
-    <p:sldId id="395" r:id="rId11"/>
-    <p:sldId id="396" r:id="rId12"/>
-    <p:sldId id="490" r:id="rId13"/>
-    <p:sldId id="491" r:id="rId14"/>
-    <p:sldId id="398" r:id="rId15"/>
-    <p:sldId id="495" r:id="rId16"/>
-    <p:sldId id="400" r:id="rId17"/>
-    <p:sldId id="403" r:id="rId18"/>
-    <p:sldId id="492" r:id="rId19"/>
-    <p:sldId id="404" r:id="rId20"/>
-    <p:sldId id="405" r:id="rId21"/>
-    <p:sldId id="484" r:id="rId22"/>
+    <p:sldId id="487" r:id="rId6"/>
+    <p:sldId id="489" r:id="rId7"/>
+    <p:sldId id="394" r:id="rId8"/>
+    <p:sldId id="395" r:id="rId9"/>
+    <p:sldId id="396" r:id="rId10"/>
+    <p:sldId id="490" r:id="rId11"/>
+    <p:sldId id="491" r:id="rId12"/>
+    <p:sldId id="398" r:id="rId13"/>
+    <p:sldId id="495" r:id="rId14"/>
+    <p:sldId id="496" r:id="rId15"/>
+    <p:sldId id="400" r:id="rId16"/>
+    <p:sldId id="403" r:id="rId17"/>
+    <p:sldId id="492" r:id="rId18"/>
+    <p:sldId id="404" r:id="rId19"/>
+    <p:sldId id="405" r:id="rId20"/>
+    <p:sldId id="474" r:id="rId21"/>
   </p:sldIdLst>
   <p:sldSz cx="9144000" cy="6858000" type="screen4x3"/>
   <p:notesSz cx="7077075" cy="9028113"/>
@@ -252,7 +251,7 @@
             <a:fld id="{795E59F0-7C00-4294-9FA2-6DDB4AC0CF06}" type="datetimeFigureOut">
               <a:rPr lang="en-US" smtClean="0"/>
               <a:pPr/>
-              <a:t>15-Jan-21</a:t>
+              <a:t>28-Jan-21</a:t>
             </a:fld>
             <a:endParaRPr lang="en-US"/>
           </a:p>
@@ -419,7 +418,7 @@
             <a:fld id="{DC2911DE-17BC-4C28-9A74-6639FB5753ED}" type="datetimeFigureOut">
               <a:rPr lang="en-US" smtClean="0"/>
               <a:pPr/>
-              <a:t>15-Jan-21</a:t>
+              <a:t>28-Jan-21</a:t>
             </a:fld>
             <a:endParaRPr lang="en-US"/>
           </a:p>
@@ -6062,22 +6061,48 @@
             <p:ph type="body" sz="quarter" idx="10"/>
           </p:nvPr>
         </p:nvSpPr>
-        <p:spPr/>
+        <p:spPr>
+          <a:xfrm>
+            <a:off x="451248" y="2501900"/>
+            <a:ext cx="4425552" cy="1765300"/>
+          </a:xfrm>
+        </p:spPr>
         <p:txBody>
-          <a:bodyPr/>
+          <a:bodyPr>
+            <a:normAutofit fontScale="92500" lnSpcReduction="10000"/>
+          </a:bodyPr>
           <a:lstStyle/>
           <a:p>
             <a:r>
-              <a:rPr lang="en-US" dirty="0"/>
-              <a:t>ACT: </a:t>
-            </a:r>
-            <a:br>
-              <a:rPr lang="en-US" dirty="0"/>
-            </a:br>
-            <a:r>
-              <a:rPr lang="en-US" dirty="0"/>
-              <a:t>Electronic Transformer 2021R1</a:t>
-            </a:r>
+              <a:rPr lang="en-US" b="0" dirty="0"/>
+              <a:t>ACT: Electronic Transformer </a:t>
+            </a:r>
+            <a:r>
+              <a:rPr lang="en-US" b="0" dirty="0">
+                <a:solidFill>
+                  <a:srgbClr val="FFFFFF"/>
+                </a:solidFill>
+              </a:rPr>
+              <a:t>v2.0 </a:t>
+            </a:r>
+          </a:p>
+          <a:p>
+            <a:r>
+              <a:rPr lang="en-US" b="0" dirty="0"/>
+              <a:t>for Maxwell 2021R1</a:t>
+            </a:r>
+          </a:p>
+          <a:p>
+            <a:endParaRPr lang="en-US" b="0" dirty="0"/>
+          </a:p>
+          <a:p>
+            <a:r>
+              <a:rPr lang="en-US" b="0" dirty="0"/>
+              <a:t>January 2021</a:t>
+            </a:r>
+          </a:p>
+          <a:p>
+            <a:endParaRPr lang="en-US" dirty="0"/>
           </a:p>
         </p:txBody>
       </p:sp>
@@ -6125,7 +6150,263 @@
       </p:grpSpPr>
       <p:sp>
         <p:nvSpPr>
-          <p:cNvPr id="6" name="Content Placeholder 5"/>
+          <p:cNvPr id="7" name="Rectangle 6">
+            <a:extLst>
+              <a:ext uri="{FF2B5EF4-FFF2-40B4-BE49-F238E27FC236}">
+                <a16:creationId xmlns:a16="http://schemas.microsoft.com/office/drawing/2014/main" id="{244DCC40-DB27-4BE4-BA71-453DDADC543E}"/>
+              </a:ext>
+            </a:extLst>
+          </p:cNvPr>
+          <p:cNvSpPr/>
+          <p:nvPr/>
+        </p:nvSpPr>
+        <p:spPr>
+          <a:xfrm>
+            <a:off x="382738" y="147935"/>
+            <a:ext cx="3101042" cy="523220"/>
+          </a:xfrm>
+          <a:prstGeom prst="rect">
+            <a:avLst/>
+          </a:prstGeom>
+        </p:spPr>
+        <p:txBody>
+          <a:bodyPr wrap="none">
+            <a:spAutoFit/>
+          </a:bodyPr>
+          <a:lstStyle/>
+          <a:p>
+            <a:r>
+              <a:rPr lang="en-US" sz="2800" dirty="0">
+                <a:latin typeface="Calibri" panose="020F0502020204030204" pitchFamily="34" charset="0"/>
+                <a:ea typeface="SimSun" panose="02010600030101010101" pitchFamily="2" charset="-122"/>
+                <a:cs typeface="Times New Roman" panose="02020603050405020304" pitchFamily="18" charset="0"/>
+              </a:rPr>
+              <a:t>Wound Transformer</a:t>
+            </a:r>
+            <a:endParaRPr lang="en-GB" sz="2800" dirty="0"/>
+          </a:p>
+        </p:txBody>
+      </p:sp>
+      <p:pic>
+        <p:nvPicPr>
+          <p:cNvPr id="1026" name="Picture 17">
+            <a:extLst>
+              <a:ext uri="{FF2B5EF4-FFF2-40B4-BE49-F238E27FC236}">
+                <a16:creationId xmlns:a16="http://schemas.microsoft.com/office/drawing/2014/main" id="{1092FCF4-4632-4FB2-876B-7A10026B7BA0}"/>
+              </a:ext>
+            </a:extLst>
+          </p:cNvPr>
+          <p:cNvPicPr>
+            <a:picLocks noChangeAspect="1" noChangeArrowheads="1"/>
+          </p:cNvPicPr>
+          <p:nvPr/>
+        </p:nvPicPr>
+        <p:blipFill>
+          <a:blip r:embed="rId2">
+            <a:extLst>
+              <a:ext uri="{28A0092B-C50C-407E-A947-70E740481C1C}">
+                <a14:useLocalDpi xmlns:a14="http://schemas.microsoft.com/office/drawing/2010/main" val="0"/>
+              </a:ext>
+            </a:extLst>
+          </a:blip>
+          <a:srcRect/>
+          <a:stretch>
+            <a:fillRect/>
+          </a:stretch>
+        </p:blipFill>
+        <p:spPr bwMode="auto">
+          <a:xfrm>
+            <a:off x="609600" y="990600"/>
+            <a:ext cx="7924800" cy="4622800"/>
+          </a:xfrm>
+          <a:prstGeom prst="rect">
+            <a:avLst/>
+          </a:prstGeom>
+          <a:ln>
+            <a:solidFill>
+              <a:schemeClr val="tx1"/>
+            </a:solidFill>
+          </a:ln>
+          <a:extLst>
+            <a:ext uri="{909E8E84-426E-40DD-AFC4-6F175D3DCCD1}">
+              <a14:hiddenFill xmlns:a14="http://schemas.microsoft.com/office/drawing/2010/main">
+                <a:solidFill>
+                  <a:srgbClr val="FFFFFF"/>
+                </a:solidFill>
+              </a14:hiddenFill>
+            </a:ext>
+          </a:extLst>
+        </p:spPr>
+      </p:pic>
+    </p:spTree>
+    <p:extLst>
+      <p:ext uri="{BB962C8B-B14F-4D97-AF65-F5344CB8AC3E}">
+        <p14:creationId xmlns:p14="http://schemas.microsoft.com/office/powerpoint/2010/main" val="248297946"/>
+      </p:ext>
+    </p:extLst>
+  </p:cSld>
+  <p:clrMapOvr>
+    <a:masterClrMapping/>
+  </p:clrMapOvr>
+  <p:transition spd="med"/>
+</p:sld>
+</file>
+
+<file path=ppt/slides/slide11.xml><?xml version="1.0" encoding="utf-8"?>
+<p:sld xmlns:a="http://schemas.openxmlformats.org/drawingml/2006/main" xmlns:r="http://schemas.openxmlformats.org/officeDocument/2006/relationships" xmlns:p="http://schemas.openxmlformats.org/presentationml/2006/main">
+  <p:cSld>
+    <p:spTree>
+      <p:nvGrpSpPr>
+        <p:cNvPr id="1" name=""/>
+        <p:cNvGrpSpPr/>
+        <p:nvPr/>
+      </p:nvGrpSpPr>
+      <p:grpSpPr>
+        <a:xfrm>
+          <a:off x="0" y="0"/>
+          <a:ext cx="0" cy="0"/>
+          <a:chOff x="0" y="0"/>
+          <a:chExt cx="0" cy="0"/>
+        </a:xfrm>
+      </p:grpSpPr>
+      <p:sp>
+        <p:nvSpPr>
+          <p:cNvPr id="7" name="Rectangle 6">
+            <a:extLst>
+              <a:ext uri="{FF2B5EF4-FFF2-40B4-BE49-F238E27FC236}">
+                <a16:creationId xmlns:a16="http://schemas.microsoft.com/office/drawing/2014/main" id="{244DCC40-DB27-4BE4-BA71-453DDADC543E}"/>
+              </a:ext>
+            </a:extLst>
+          </p:cNvPr>
+          <p:cNvSpPr/>
+          <p:nvPr/>
+        </p:nvSpPr>
+        <p:spPr>
+          <a:xfrm>
+            <a:off x="381000" y="152400"/>
+            <a:ext cx="2965427" cy="523220"/>
+          </a:xfrm>
+          <a:prstGeom prst="rect">
+            <a:avLst/>
+          </a:prstGeom>
+        </p:spPr>
+        <p:txBody>
+          <a:bodyPr wrap="none">
+            <a:spAutoFit/>
+          </a:bodyPr>
+          <a:lstStyle/>
+          <a:p>
+            <a:r>
+              <a:rPr lang="en-US" sz="2800" dirty="0">
+                <a:latin typeface="Calibri" panose="020F0502020204030204" pitchFamily="34" charset="0"/>
+                <a:ea typeface="SimSun" panose="02010600030101010101" pitchFamily="2" charset="-122"/>
+                <a:cs typeface="Times New Roman" panose="02020603050405020304" pitchFamily="18" charset="0"/>
+              </a:rPr>
+              <a:t>Planar Transformer</a:t>
+            </a:r>
+            <a:endParaRPr lang="en-GB" sz="2800" dirty="0"/>
+          </a:p>
+        </p:txBody>
+      </p:sp>
+      <p:pic>
+        <p:nvPicPr>
+          <p:cNvPr id="4" name="Picture 3">
+            <a:extLst>
+              <a:ext uri="{FF2B5EF4-FFF2-40B4-BE49-F238E27FC236}">
+                <a16:creationId xmlns:a16="http://schemas.microsoft.com/office/drawing/2014/main" id="{D3B5EAFB-6EC2-4C76-AD73-37E75CFA03FF}"/>
+              </a:ext>
+            </a:extLst>
+          </p:cNvPr>
+          <p:cNvPicPr/>
+          <p:nvPr/>
+        </p:nvPicPr>
+        <p:blipFill rotWithShape="1">
+          <a:blip r:embed="rId2" cstate="print">
+            <a:extLst>
+              <a:ext uri="{28A0092B-C50C-407E-A947-70E740481C1C}">
+                <a14:useLocalDpi xmlns:a14="http://schemas.microsoft.com/office/drawing/2010/main" val="0"/>
+              </a:ext>
+            </a:extLst>
+          </a:blip>
+          <a:srcRect l="511" t="1853" r="558"/>
+          <a:stretch/>
+        </p:blipFill>
+        <p:spPr bwMode="auto">
+          <a:xfrm>
+            <a:off x="413982" y="1409700"/>
+            <a:ext cx="8077200" cy="4038600"/>
+          </a:xfrm>
+          <a:prstGeom prst="rect">
+            <a:avLst/>
+          </a:prstGeom>
+          <a:ln>
+            <a:solidFill>
+              <a:schemeClr val="tx1"/>
+            </a:solidFill>
+          </a:ln>
+          <a:extLst>
+            <a:ext uri="{53640926-AAD7-44D8-BBD7-CCE9431645EC}">
+              <a14:shadowObscured xmlns:a14="http://schemas.microsoft.com/office/drawing/2010/main"/>
+            </a:ext>
+          </a:extLst>
+        </p:spPr>
+      </p:pic>
+    </p:spTree>
+    <p:extLst>
+      <p:ext uri="{BB962C8B-B14F-4D97-AF65-F5344CB8AC3E}">
+        <p14:creationId xmlns:p14="http://schemas.microsoft.com/office/powerpoint/2010/main" val="2194916487"/>
+      </p:ext>
+    </p:extLst>
+  </p:cSld>
+  <p:clrMapOvr>
+    <a:masterClrMapping/>
+  </p:clrMapOvr>
+  <p:transition spd="med"/>
+</p:sld>
+</file>
+
+<file path=ppt/slides/slide12.xml><?xml version="1.0" encoding="utf-8"?>
+<p:sld xmlns:a="http://schemas.openxmlformats.org/drawingml/2006/main" xmlns:r="http://schemas.openxmlformats.org/officeDocument/2006/relationships" xmlns:p="http://schemas.openxmlformats.org/presentationml/2006/main">
+  <p:cSld>
+    <p:spTree>
+      <p:nvGrpSpPr>
+        <p:cNvPr id="1" name=""/>
+        <p:cNvGrpSpPr/>
+        <p:nvPr/>
+      </p:nvGrpSpPr>
+      <p:grpSpPr>
+        <a:xfrm>
+          <a:off x="0" y="0"/>
+          <a:ext cx="0" cy="0"/>
+          <a:chOff x="0" y="0"/>
+          <a:chExt cx="0" cy="0"/>
+        </a:xfrm>
+      </p:grpSpPr>
+      <p:sp>
+        <p:nvSpPr>
+          <p:cNvPr id="3" name="Title 2"/>
+          <p:cNvSpPr>
+            <a:spLocks noGrp="1"/>
+          </p:cNvSpPr>
+          <p:nvPr>
+            <p:ph type="title"/>
+          </p:nvPr>
+        </p:nvSpPr>
+        <p:spPr/>
+        <p:txBody>
+          <a:bodyPr/>
+          <a:lstStyle/>
+          <a:p>
+            <a:r>
+              <a:rPr lang="en-US" sz="2800" dirty="0"/>
+              <a:t>Input panel 3 of 3: Analysis Setup [step 1]</a:t>
+            </a:r>
+          </a:p>
+        </p:txBody>
+      </p:sp>
+      <p:sp>
+        <p:nvSpPr>
+          <p:cNvPr id="9" name="Content Placeholder 5"/>
           <p:cNvSpPr txBox="1">
             <a:spLocks/>
           </p:cNvSpPr>
@@ -6133,8 +6414,8 @@
         </p:nvSpPr>
         <p:spPr>
           <a:xfrm>
-            <a:off x="152400" y="1286434"/>
-            <a:ext cx="5029200" cy="4047565"/>
+            <a:off x="228600" y="865888"/>
+            <a:ext cx="4676282" cy="4724400"/>
           </a:xfrm>
           <a:prstGeom prst="rect">
             <a:avLst/>
@@ -6339,191 +6620,98 @@
           </a:lstStyle>
           <a:p>
             <a:pPr marL="342900" indent="-342900">
+              <a:spcBef>
+                <a:spcPts val="600"/>
+              </a:spcBef>
               <a:buFont typeface="Arial" panose="020B0604020202020204" pitchFamily="34" charset="0"/>
               <a:buChar char="•"/>
             </a:pPr>
             <a:r>
-              <a:rPr lang="en-US" sz="1800" kern="0" dirty="0"/>
-              <a:t>File is automatically recorded and saved in the Maxwell default project folder each time when analysis is setup</a:t>
+              <a:rPr lang="en-US" b="0" kern="0" dirty="0"/>
+              <a:t>Define Core Material and Coil Material</a:t>
             </a:r>
           </a:p>
           <a:p>
             <a:pPr marL="342900" indent="-342900">
+              <a:spcBef>
+                <a:spcPts val="600"/>
+              </a:spcBef>
               <a:buFont typeface="Arial" panose="020B0604020202020204" pitchFamily="34" charset="0"/>
               <a:buChar char="•"/>
             </a:pPr>
             <a:r>
-              <a:rPr lang="en-US" sz="1800" kern="0" dirty="0"/>
-              <a:t>Input file can be re-run by selecting “Read Settings File” on the core definition input step </a:t>
-            </a:r>
-            <a:r>
-              <a:rPr lang="en-US" sz="1800" i="1" kern="0" dirty="0"/>
-              <a:t>(note Core Model box will remain unchanged)</a:t>
+              <a:rPr lang="en-US" b="0" kern="0" dirty="0"/>
+              <a:t>Adaptive Frequency [kHz] for meshing (enable skin layers for mesh, if desired)</a:t>
             </a:r>
           </a:p>
           <a:p>
             <a:pPr marL="342900" indent="-342900">
+              <a:spcBef>
+                <a:spcPts val="600"/>
+              </a:spcBef>
               <a:buFont typeface="Arial" panose="020B0604020202020204" pitchFamily="34" charset="0"/>
               <a:buChar char="•"/>
             </a:pPr>
             <a:r>
-              <a:rPr lang="en-US" sz="1800" kern="0" dirty="0"/>
-              <a:t>File can also be manually modified in text editor to make changes in parameters before re-running</a:t>
+              <a:rPr lang="en-US" b="0" kern="0" dirty="0"/>
+              <a:t>Note: if thickness of the conductor is less than 3 values of skin depth then ACT will automatically generate additional layers for </a:t>
+            </a:r>
+            <a:r>
+              <a:rPr lang="en-US" b="0" kern="0" dirty="0" err="1"/>
+              <a:t>mesher</a:t>
+            </a:r>
+            <a:r>
+              <a:rPr lang="en-US" b="0" kern="0" dirty="0"/>
+              <a:t> to capture eddy effects</a:t>
             </a:r>
           </a:p>
           <a:p>
             <a:pPr marL="342900" indent="-342900">
+              <a:spcBef>
+                <a:spcPts val="600"/>
+              </a:spcBef>
               <a:buFont typeface="Arial" panose="020B0604020202020204" pitchFamily="34" charset="0"/>
               <a:buChar char="•"/>
             </a:pPr>
             <a:r>
-              <a:rPr lang="en-US" sz="1800" kern="0" dirty="0"/>
-              <a:t>In example folder you can find demo files</a:t>
-            </a:r>
-            <a:endParaRPr lang="en-US" sz="1800" kern="0" dirty="0">
-              <a:solidFill>
-                <a:schemeClr val="bg2"/>
-              </a:solidFill>
-            </a:endParaRPr>
-          </a:p>
-        </p:txBody>
-      </p:sp>
-      <p:sp>
-        <p:nvSpPr>
-          <p:cNvPr id="3" name="Title 2"/>
-          <p:cNvSpPr>
-            <a:spLocks noGrp="1"/>
-          </p:cNvSpPr>
-          <p:nvPr>
-            <p:ph type="title"/>
-          </p:nvPr>
-        </p:nvSpPr>
-        <p:spPr/>
-        <p:txBody>
-          <a:bodyPr/>
-          <a:lstStyle/>
-          <a:p>
-            <a:r>
-              <a:rPr lang="en-US" dirty="0"/>
-              <a:t>Recorded input file – used to recreate model in future</a:t>
-            </a:r>
-          </a:p>
-        </p:txBody>
-      </p:sp>
-      <p:sp>
-        <p:nvSpPr>
-          <p:cNvPr id="4" name="Rectangle 3"/>
-          <p:cNvSpPr/>
-          <p:nvPr/>
-        </p:nvSpPr>
-        <p:spPr>
-          <a:xfrm>
-            <a:off x="609600" y="5156067"/>
-            <a:ext cx="3733800" cy="584775"/>
-          </a:xfrm>
-          <a:prstGeom prst="rect">
-            <a:avLst/>
-          </a:prstGeom>
-        </p:spPr>
-        <p:txBody>
-          <a:bodyPr wrap="square">
-            <a:spAutoFit/>
-          </a:bodyPr>
-          <a:lstStyle/>
-          <a:p>
-            <a:r>
-              <a:rPr lang="en-US" sz="1600" i="1" kern="0" dirty="0">
-                <a:solidFill>
-                  <a:srgbClr val="FF0000"/>
-                </a:solidFill>
-              </a:rPr>
-              <a:t>Note: Due to added functionality .tab files from the older versions are not supported</a:t>
+              <a:rPr lang="en-US" b="0" kern="0" dirty="0"/>
+              <a:t>% error and max number of adaptive passes</a:t>
+            </a:r>
+          </a:p>
+          <a:p>
+            <a:pPr marL="342900" indent="-342900">
+              <a:spcBef>
+                <a:spcPts val="600"/>
+              </a:spcBef>
+              <a:buFont typeface="Arial" panose="020B0604020202020204" pitchFamily="34" charset="0"/>
+              <a:buChar char="•"/>
+            </a:pPr>
+            <a:r>
+              <a:rPr lang="en-US" b="0" kern="0" dirty="0"/>
+              <a:t>Define number of transformer sides: 2 (for 1 Primary and 1 Secondary)</a:t>
+            </a:r>
+          </a:p>
+          <a:p>
+            <a:pPr marL="342900" indent="-342900">
+              <a:spcBef>
+                <a:spcPts val="600"/>
+              </a:spcBef>
+              <a:buFont typeface="Arial" panose="020B0604020202020204" pitchFamily="34" charset="0"/>
+              <a:buChar char="•"/>
+            </a:pPr>
+            <a:r>
+              <a:rPr lang="en-US" b="0" kern="0" dirty="0"/>
+              <a:t>Select Excitation strategy for Primary side (Voltage or Current source with magnitude) </a:t>
             </a:r>
           </a:p>
         </p:txBody>
       </p:sp>
       <p:pic>
         <p:nvPicPr>
-          <p:cNvPr id="8" name="Picture 7">
+          <p:cNvPr id="13" name="Picture 12">
             <a:extLst>
               <a:ext uri="{FF2B5EF4-FFF2-40B4-BE49-F238E27FC236}">
-                <a16:creationId xmlns:a16="http://schemas.microsoft.com/office/drawing/2014/main" id="{5C529A24-7FA4-411D-BEFC-7EA1694DC7C9}"/>
-              </a:ext>
-            </a:extLst>
-          </p:cNvPr>
-          <p:cNvPicPr/>
-          <p:nvPr/>
-        </p:nvPicPr>
-        <p:blipFill rotWithShape="1">
-          <a:blip r:embed="rId2"/>
-          <a:srcRect l="1199"/>
-          <a:stretch/>
-        </p:blipFill>
-        <p:spPr bwMode="auto">
-          <a:xfrm>
-            <a:off x="5257800" y="571500"/>
-            <a:ext cx="3116915" cy="3238500"/>
-          </a:xfrm>
-          <a:prstGeom prst="rect">
-            <a:avLst/>
-          </a:prstGeom>
-          <a:ln>
-            <a:solidFill>
-              <a:schemeClr val="tx1"/>
-            </a:solidFill>
-          </a:ln>
-          <a:extLst>
-            <a:ext uri="{53640926-AAD7-44D8-BBD7-CCE9431645EC}">
-              <a14:shadowObscured xmlns:a14="http://schemas.microsoft.com/office/drawing/2010/main"/>
-            </a:ext>
-          </a:extLst>
-        </p:spPr>
-      </p:pic>
-      <p:sp>
-        <p:nvSpPr>
-          <p:cNvPr id="2" name="Rectangle 1"/>
-          <p:cNvSpPr/>
-          <p:nvPr/>
-        </p:nvSpPr>
-        <p:spPr bwMode="auto">
-          <a:xfrm>
-            <a:off x="5334001" y="3234016"/>
-            <a:ext cx="685800" cy="194984"/>
-          </a:xfrm>
-          <a:prstGeom prst="rect">
-            <a:avLst/>
-          </a:prstGeom>
-          <a:noFill/>
-          <a:ln w="25400" cap="sq" algn="ctr">
-            <a:solidFill>
-              <a:srgbClr val="FF0000"/>
-            </a:solidFill>
-            <a:miter lim="800000"/>
-            <a:headEnd/>
-            <a:tailEnd/>
-          </a:ln>
-          <a:effectLst/>
-        </p:spPr>
-        <p:txBody>
-          <a:bodyPr wrap="none" rtlCol="0" anchor="ctr"/>
-          <a:lstStyle/>
-          <a:p>
-            <a:pPr algn="ctr"/>
-            <a:endParaRPr lang="en-US" b="1" dirty="0">
-              <a:solidFill>
-                <a:schemeClr val="bg1"/>
-              </a:solidFill>
-              <a:latin typeface="Arial Narrow" pitchFamily="34" charset="0"/>
-            </a:endParaRPr>
-          </a:p>
-        </p:txBody>
-      </p:sp>
-      <p:pic>
-        <p:nvPicPr>
-          <p:cNvPr id="5" name="Picture 4">
-            <a:extLst>
-              <a:ext uri="{FF2B5EF4-FFF2-40B4-BE49-F238E27FC236}">
-                <a16:creationId xmlns:a16="http://schemas.microsoft.com/office/drawing/2014/main" id="{642E5FC1-BFA1-45B0-BB83-A5D75F84222A}"/>
+                <a16:creationId xmlns:a16="http://schemas.microsoft.com/office/drawing/2014/main" id="{C2547450-7A74-4CA1-B44B-A40E31277F99}"/>
               </a:ext>
             </a:extLst>
           </p:cNvPr>
@@ -6533,15 +6721,15 @@
           <p:nvPr/>
         </p:nvPicPr>
         <p:blipFill>
-          <a:blip r:embed="rId3"/>
+          <a:blip r:embed="rId2"/>
           <a:stretch>
             <a:fillRect/>
           </a:stretch>
         </p:blipFill>
         <p:spPr>
           <a:xfrm>
-            <a:off x="5177957" y="3873437"/>
-            <a:ext cx="3276600" cy="2146363"/>
+            <a:off x="4966568" y="802009"/>
+            <a:ext cx="3887146" cy="5253981"/>
           </a:xfrm>
           <a:prstGeom prst="rect">
             <a:avLst/>
@@ -6556,7 +6744,7 @@
     </p:spTree>
     <p:extLst>
       <p:ext uri="{BB962C8B-B14F-4D97-AF65-F5344CB8AC3E}">
-        <p14:creationId xmlns:p14="http://schemas.microsoft.com/office/powerpoint/2010/main" val="555688235"/>
+        <p14:creationId xmlns:p14="http://schemas.microsoft.com/office/powerpoint/2010/main" val="1344238153"/>
       </p:ext>
     </p:extLst>
   </p:cSld>
@@ -6571,294 +6759,6 @@
       <p:transition/>
     </mc:Fallback>
   </mc:AlternateContent>
-</p:sld>
-</file>
-
-<file path=ppt/slides/slide11.xml><?xml version="1.0" encoding="utf-8"?>
-<p:sld xmlns:a="http://schemas.openxmlformats.org/drawingml/2006/main" xmlns:r="http://schemas.openxmlformats.org/officeDocument/2006/relationships" xmlns:p="http://schemas.openxmlformats.org/presentationml/2006/main">
-  <p:cSld>
-    <p:spTree>
-      <p:nvGrpSpPr>
-        <p:cNvPr id="1" name=""/>
-        <p:cNvGrpSpPr/>
-        <p:nvPr/>
-      </p:nvGrpSpPr>
-      <p:grpSpPr>
-        <a:xfrm>
-          <a:off x="0" y="0"/>
-          <a:ext cx="0" cy="0"/>
-          <a:chOff x="0" y="0"/>
-          <a:chExt cx="0" cy="0"/>
-        </a:xfrm>
-      </p:grpSpPr>
-      <p:sp>
-        <p:nvSpPr>
-          <p:cNvPr id="2" name="Title 1"/>
-          <p:cNvSpPr>
-            <a:spLocks noGrp="1"/>
-          </p:cNvSpPr>
-          <p:nvPr>
-            <p:ph type="title"/>
-          </p:nvPr>
-        </p:nvSpPr>
-        <p:spPr/>
-        <p:txBody>
-          <a:bodyPr/>
-          <a:lstStyle/>
-          <a:p>
-            <a:r>
-              <a:rPr lang="en-US" dirty="0"/>
-              <a:t>Input panel 2 of 3: Winding Definition</a:t>
-            </a:r>
-          </a:p>
-        </p:txBody>
-      </p:sp>
-      <p:sp>
-        <p:nvSpPr>
-          <p:cNvPr id="6" name="Content Placeholder 5"/>
-          <p:cNvSpPr>
-            <a:spLocks noGrp="1"/>
-          </p:cNvSpPr>
-          <p:nvPr>
-            <p:ph idx="1"/>
-          </p:nvPr>
-        </p:nvSpPr>
-        <p:spPr>
-          <a:xfrm>
-            <a:off x="533400" y="1295400"/>
-            <a:ext cx="4114800" cy="5029200"/>
-          </a:xfrm>
-        </p:spPr>
-        <p:txBody>
-          <a:bodyPr/>
-          <a:lstStyle/>
-          <a:p>
-            <a:pPr marL="342900" indent="-342900" algn="just"/>
-            <a:r>
-              <a:rPr lang="en-US" sz="1800" dirty="0"/>
-              <a:t>Transformer type: Wound/Planar </a:t>
-            </a:r>
-          </a:p>
-          <a:p>
-            <a:pPr marL="342900" indent="-342900" algn="just">
-              <a:buFont typeface="Arial" panose="020B0604020202020204" pitchFamily="34" charset="0"/>
-              <a:buChar char="•"/>
-            </a:pPr>
-            <a:r>
-              <a:rPr lang="en-US" sz="1800" dirty="0"/>
-              <a:t>Number of Layers, Layer Spacing, Bobbin/Board Thickness, Top/Bottom Margin size, Side Margin size </a:t>
-            </a:r>
-          </a:p>
-          <a:p>
-            <a:pPr marL="342900" indent="-342900" algn="just">
-              <a:buFont typeface="Arial" panose="020B0604020202020204" pitchFamily="34" charset="0"/>
-              <a:buChar char="•"/>
-            </a:pPr>
-            <a:r>
-              <a:rPr lang="en-US" sz="1800" dirty="0"/>
-              <a:t>Layer Type: Top Down or Concentric</a:t>
-            </a:r>
-          </a:p>
-          <a:p>
-            <a:pPr marL="342900" indent="-342900" algn="just">
-              <a:buFont typeface="Arial" panose="020B0604020202020204" pitchFamily="34" charset="0"/>
-              <a:buChar char="•"/>
-            </a:pPr>
-            <a:r>
-              <a:rPr lang="en-US" sz="1800" dirty="0"/>
-              <a:t>Conductor Type: Rectangular or Circular (only for wound)</a:t>
-            </a:r>
-          </a:p>
-          <a:p>
-            <a:pPr marL="342900" indent="-342900" algn="just">
-              <a:buFont typeface="Arial" panose="020B0604020202020204" pitchFamily="34" charset="0"/>
-              <a:buChar char="•"/>
-            </a:pPr>
-            <a:r>
-              <a:rPr lang="en-US" sz="1800" dirty="0"/>
-              <a:t>For each layer: Conductor Width, Conductor Height, Number of Turns, and Insulation Thickness/Turn Spacing</a:t>
-            </a:r>
-          </a:p>
-        </p:txBody>
-      </p:sp>
-      <p:pic>
-        <p:nvPicPr>
-          <p:cNvPr id="10" name="Picture 9">
-            <a:extLst>
-              <a:ext uri="{FF2B5EF4-FFF2-40B4-BE49-F238E27FC236}">
-                <a16:creationId xmlns:a16="http://schemas.microsoft.com/office/drawing/2014/main" id="{57A2E9BA-8465-4884-ABDF-0C7D4DE67C79}"/>
-              </a:ext>
-            </a:extLst>
-          </p:cNvPr>
-          <p:cNvPicPr/>
-          <p:nvPr/>
-        </p:nvPicPr>
-        <p:blipFill rotWithShape="1">
-          <a:blip r:embed="rId2">
-            <a:extLst>
-              <a:ext uri="{28A0092B-C50C-407E-A947-70E740481C1C}">
-                <a14:useLocalDpi xmlns:a14="http://schemas.microsoft.com/office/drawing/2010/main" val="0"/>
-              </a:ext>
-            </a:extLst>
-          </a:blip>
-          <a:srcRect/>
-          <a:stretch/>
-        </p:blipFill>
-        <p:spPr bwMode="auto">
-          <a:xfrm>
-            <a:off x="5269316" y="865188"/>
-            <a:ext cx="3297529" cy="3554412"/>
-          </a:xfrm>
-          <a:prstGeom prst="rect">
-            <a:avLst/>
-          </a:prstGeom>
-          <a:ln>
-            <a:solidFill>
-              <a:schemeClr val="tx1"/>
-            </a:solidFill>
-          </a:ln>
-          <a:extLst>
-            <a:ext uri="{53640926-AAD7-44D8-BBD7-CCE9431645EC}">
-              <a14:shadowObscured xmlns:a14="http://schemas.microsoft.com/office/drawing/2010/main"/>
-            </a:ext>
-          </a:extLst>
-        </p:spPr>
-      </p:pic>
-    </p:spTree>
-    <p:extLst>
-      <p:ext uri="{BB962C8B-B14F-4D97-AF65-F5344CB8AC3E}">
-        <p14:creationId xmlns:p14="http://schemas.microsoft.com/office/powerpoint/2010/main" val="1211994344"/>
-      </p:ext>
-    </p:extLst>
-  </p:cSld>
-  <p:clrMapOvr>
-    <a:masterClrMapping/>
-  </p:clrMapOvr>
-  <mc:AlternateContent xmlns:mc="http://schemas.openxmlformats.org/markup-compatibility/2006" xmlns:p14="http://schemas.microsoft.com/office/powerpoint/2010/main">
-    <mc:Choice Requires="p14">
-      <p:transition p14:dur="0"/>
-    </mc:Choice>
-    <mc:Fallback xmlns="">
-      <p:transition/>
-    </mc:Fallback>
-  </mc:AlternateContent>
-</p:sld>
-</file>
-
-<file path=ppt/slides/slide12.xml><?xml version="1.0" encoding="utf-8"?>
-<p:sld xmlns:a="http://schemas.openxmlformats.org/drawingml/2006/main" xmlns:r="http://schemas.openxmlformats.org/officeDocument/2006/relationships" xmlns:p="http://schemas.openxmlformats.org/presentationml/2006/main">
-  <p:cSld>
-    <p:spTree>
-      <p:nvGrpSpPr>
-        <p:cNvPr id="1" name=""/>
-        <p:cNvGrpSpPr/>
-        <p:nvPr/>
-      </p:nvGrpSpPr>
-      <p:grpSpPr>
-        <a:xfrm>
-          <a:off x="0" y="0"/>
-          <a:ext cx="0" cy="0"/>
-          <a:chOff x="0" y="0"/>
-          <a:chExt cx="0" cy="0"/>
-        </a:xfrm>
-      </p:grpSpPr>
-      <p:sp>
-        <p:nvSpPr>
-          <p:cNvPr id="7" name="Rectangle 6">
-            <a:extLst>
-              <a:ext uri="{FF2B5EF4-FFF2-40B4-BE49-F238E27FC236}">
-                <a16:creationId xmlns:a16="http://schemas.microsoft.com/office/drawing/2014/main" id="{244DCC40-DB27-4BE4-BA71-453DDADC543E}"/>
-              </a:ext>
-            </a:extLst>
-          </p:cNvPr>
-          <p:cNvSpPr/>
-          <p:nvPr/>
-        </p:nvSpPr>
-        <p:spPr>
-          <a:xfrm>
-            <a:off x="382738" y="147935"/>
-            <a:ext cx="2739724" cy="461665"/>
-          </a:xfrm>
-          <a:prstGeom prst="rect">
-            <a:avLst/>
-          </a:prstGeom>
-        </p:spPr>
-        <p:txBody>
-          <a:bodyPr wrap="none">
-            <a:spAutoFit/>
-          </a:bodyPr>
-          <a:lstStyle/>
-          <a:p>
-            <a:r>
-              <a:rPr lang="en-US" sz="2400" dirty="0">
-                <a:latin typeface="Calibri" panose="020F0502020204030204" pitchFamily="34" charset="0"/>
-                <a:ea typeface="SimSun" panose="02010600030101010101" pitchFamily="2" charset="-122"/>
-                <a:cs typeface="Times New Roman" panose="02020603050405020304" pitchFamily="18" charset="0"/>
-              </a:rPr>
-              <a:t>Wound Transformer</a:t>
-            </a:r>
-            <a:endParaRPr lang="en-GB" sz="2400" dirty="0"/>
-          </a:p>
-        </p:txBody>
-      </p:sp>
-      <p:pic>
-        <p:nvPicPr>
-          <p:cNvPr id="1026" name="Picture 17">
-            <a:extLst>
-              <a:ext uri="{FF2B5EF4-FFF2-40B4-BE49-F238E27FC236}">
-                <a16:creationId xmlns:a16="http://schemas.microsoft.com/office/drawing/2014/main" id="{1092FCF4-4632-4FB2-876B-7A10026B7BA0}"/>
-              </a:ext>
-            </a:extLst>
-          </p:cNvPr>
-          <p:cNvPicPr>
-            <a:picLocks noChangeAspect="1" noChangeArrowheads="1"/>
-          </p:cNvPicPr>
-          <p:nvPr/>
-        </p:nvPicPr>
-        <p:blipFill>
-          <a:blip r:embed="rId2">
-            <a:extLst>
-              <a:ext uri="{28A0092B-C50C-407E-A947-70E740481C1C}">
-                <a14:useLocalDpi xmlns:a14="http://schemas.microsoft.com/office/drawing/2010/main" val="0"/>
-              </a:ext>
-            </a:extLst>
-          </a:blip>
-          <a:srcRect/>
-          <a:stretch>
-            <a:fillRect/>
-          </a:stretch>
-        </p:blipFill>
-        <p:spPr bwMode="auto">
-          <a:xfrm>
-            <a:off x="1295400" y="1628775"/>
-            <a:ext cx="6172200" cy="3600450"/>
-          </a:xfrm>
-          <a:prstGeom prst="rect">
-            <a:avLst/>
-          </a:prstGeom>
-          <a:noFill/>
-          <a:extLst>
-            <a:ext uri="{909E8E84-426E-40DD-AFC4-6F175D3DCCD1}">
-              <a14:hiddenFill xmlns:a14="http://schemas.microsoft.com/office/drawing/2010/main">
-                <a:solidFill>
-                  <a:srgbClr val="FFFFFF"/>
-                </a:solidFill>
-              </a14:hiddenFill>
-            </a:ext>
-          </a:extLst>
-        </p:spPr>
-      </p:pic>
-    </p:spTree>
-    <p:extLst>
-      <p:ext uri="{BB962C8B-B14F-4D97-AF65-F5344CB8AC3E}">
-        <p14:creationId xmlns:p14="http://schemas.microsoft.com/office/powerpoint/2010/main" val="248297946"/>
-      </p:ext>
-    </p:extLst>
-  </p:cSld>
-  <p:clrMapOvr>
-    <a:masterClrMapping/>
-  </p:clrMapOvr>
-  <p:transition spd="med"/>
 </p:sld>
 </file>
 
@@ -6881,96 +6781,458 @@
       </p:grpSpPr>
       <p:sp>
         <p:nvSpPr>
-          <p:cNvPr id="7" name="Rectangle 6">
-            <a:extLst>
-              <a:ext uri="{FF2B5EF4-FFF2-40B4-BE49-F238E27FC236}">
-                <a16:creationId xmlns:a16="http://schemas.microsoft.com/office/drawing/2014/main" id="{244DCC40-DB27-4BE4-BA71-453DDADC543E}"/>
-              </a:ext>
-            </a:extLst>
-          </p:cNvPr>
-          <p:cNvSpPr/>
+          <p:cNvPr id="3" name="Title 2"/>
+          <p:cNvSpPr>
+            <a:spLocks noGrp="1"/>
+          </p:cNvSpPr>
+          <p:nvPr>
+            <p:ph type="title"/>
+          </p:nvPr>
+        </p:nvSpPr>
+        <p:spPr/>
+        <p:txBody>
+          <a:bodyPr/>
+          <a:lstStyle/>
+          <a:p>
+            <a:r>
+              <a:rPr lang="en-US" sz="2800" dirty="0"/>
+              <a:t>Input panel 3 of 3: Analysis Setup [step 2]</a:t>
+            </a:r>
+          </a:p>
+        </p:txBody>
+      </p:sp>
+      <p:sp>
+        <p:nvSpPr>
+          <p:cNvPr id="9" name="Content Placeholder 5"/>
+          <p:cNvSpPr txBox="1">
+            <a:spLocks/>
+          </p:cNvSpPr>
           <p:nvPr/>
         </p:nvSpPr>
         <p:spPr>
           <a:xfrm>
-            <a:off x="381000" y="152400"/>
-            <a:ext cx="2629951" cy="461665"/>
+            <a:off x="152400" y="751152"/>
+            <a:ext cx="4419600" cy="4724400"/>
           </a:xfrm>
           <a:prstGeom prst="rect">
             <a:avLst/>
           </a:prstGeom>
         </p:spPr>
         <p:txBody>
-          <a:bodyPr wrap="none">
-            <a:spAutoFit/>
-          </a:bodyPr>
-          <a:lstStyle/>
-          <a:p>
-            <a:r>
-              <a:rPr lang="en-US" sz="2400" dirty="0">
-                <a:latin typeface="Calibri" panose="020F0502020204030204" pitchFamily="34" charset="0"/>
-                <a:ea typeface="SimSun" panose="02010600030101010101" pitchFamily="2" charset="-122"/>
-                <a:cs typeface="Times New Roman" panose="02020603050405020304" pitchFamily="18" charset="0"/>
-              </a:rPr>
-              <a:t>Planar Transformer</a:t>
-            </a:r>
-            <a:endParaRPr lang="en-GB" sz="2400" dirty="0"/>
+          <a:bodyPr/>
+          <a:lstStyle>
+            <a:lvl1pPr marL="457200" indent="-457200" algn="l" rtl="0" eaLnBrk="1" fontAlgn="base" hangingPunct="1">
+              <a:lnSpc>
+                <a:spcPct val="95000"/>
+              </a:lnSpc>
+              <a:spcBef>
+                <a:spcPts val="1200"/>
+              </a:spcBef>
+              <a:spcAft>
+                <a:spcPct val="0"/>
+              </a:spcAft>
+              <a:buClr>
+                <a:schemeClr val="tx1"/>
+              </a:buClr>
+              <a:defRPr sz="2000" b="1">
+                <a:solidFill>
+                  <a:schemeClr val="tx1"/>
+                </a:solidFill>
+                <a:latin typeface="Calibri" pitchFamily="34" charset="0"/>
+                <a:ea typeface="+mn-ea"/>
+                <a:cs typeface="Calibri" pitchFamily="34" charset="0"/>
+              </a:defRPr>
+            </a:lvl1pPr>
+            <a:lvl2pPr marL="228600" indent="-228600" algn="l" rtl="0" eaLnBrk="1" fontAlgn="base" hangingPunct="1">
+              <a:lnSpc>
+                <a:spcPct val="95000"/>
+              </a:lnSpc>
+              <a:spcBef>
+                <a:spcPct val="25000"/>
+              </a:spcBef>
+              <a:spcAft>
+                <a:spcPct val="0"/>
+              </a:spcAft>
+              <a:buClrTx/>
+              <a:buSzPct val="120000"/>
+              <a:buFont typeface="Arial" charset="0"/>
+              <a:buChar char="•"/>
+              <a:defRPr b="1">
+                <a:solidFill>
+                  <a:schemeClr val="tx1"/>
+                </a:solidFill>
+                <a:latin typeface="Calibri" pitchFamily="34" charset="0"/>
+                <a:cs typeface="Calibri" pitchFamily="34" charset="0"/>
+              </a:defRPr>
+            </a:lvl2pPr>
+            <a:lvl3pPr marL="457200" indent="-228600" algn="l" rtl="0" eaLnBrk="1" fontAlgn="base" hangingPunct="1">
+              <a:lnSpc>
+                <a:spcPct val="95000"/>
+              </a:lnSpc>
+              <a:spcBef>
+                <a:spcPct val="25000"/>
+              </a:spcBef>
+              <a:spcAft>
+                <a:spcPct val="0"/>
+              </a:spcAft>
+              <a:buClrTx/>
+              <a:buFont typeface="Calibri" pitchFamily="34" charset="0"/>
+              <a:buChar char="–"/>
+              <a:defRPr b="1">
+                <a:solidFill>
+                  <a:schemeClr val="tx1"/>
+                </a:solidFill>
+                <a:latin typeface="Calibri" pitchFamily="34" charset="0"/>
+                <a:cs typeface="Calibri" pitchFamily="34" charset="0"/>
+              </a:defRPr>
+            </a:lvl3pPr>
+            <a:lvl4pPr marL="687388" indent="-225425" algn="l" rtl="0" eaLnBrk="1" fontAlgn="base" hangingPunct="1">
+              <a:lnSpc>
+                <a:spcPct val="95000"/>
+              </a:lnSpc>
+              <a:spcBef>
+                <a:spcPct val="25000"/>
+              </a:spcBef>
+              <a:spcAft>
+                <a:spcPct val="0"/>
+              </a:spcAft>
+              <a:buClrTx/>
+              <a:buFont typeface="Arial" pitchFamily="34" charset="0"/>
+              <a:buChar char="•"/>
+              <a:defRPr b="1">
+                <a:solidFill>
+                  <a:schemeClr val="tx1"/>
+                </a:solidFill>
+                <a:latin typeface="Calibri" pitchFamily="34" charset="0"/>
+                <a:cs typeface="Calibri" pitchFamily="34" charset="0"/>
+              </a:defRPr>
+            </a:lvl4pPr>
+            <a:lvl5pPr marL="914400" indent="-227013" algn="l" rtl="0" eaLnBrk="1" fontAlgn="base" hangingPunct="1">
+              <a:lnSpc>
+                <a:spcPct val="95000"/>
+              </a:lnSpc>
+              <a:spcBef>
+                <a:spcPct val="25000"/>
+              </a:spcBef>
+              <a:spcAft>
+                <a:spcPct val="0"/>
+              </a:spcAft>
+              <a:buClr>
+                <a:schemeClr val="accent1"/>
+              </a:buClr>
+              <a:buFont typeface="Calibri" pitchFamily="34" charset="0"/>
+              <a:buChar char="–"/>
+              <a:defRPr sz="1600" b="1">
+                <a:solidFill>
+                  <a:schemeClr val="tx1"/>
+                </a:solidFill>
+                <a:latin typeface="Calibri" pitchFamily="34" charset="0"/>
+                <a:cs typeface="Calibri" pitchFamily="34" charset="0"/>
+              </a:defRPr>
+            </a:lvl5pPr>
+            <a:lvl6pPr marL="2228850" indent="-228600" algn="l" rtl="0" eaLnBrk="1" fontAlgn="base" hangingPunct="1">
+              <a:lnSpc>
+                <a:spcPct val="95000"/>
+              </a:lnSpc>
+              <a:spcBef>
+                <a:spcPct val="25000"/>
+              </a:spcBef>
+              <a:spcAft>
+                <a:spcPct val="0"/>
+              </a:spcAft>
+              <a:buClr>
+                <a:schemeClr val="accent1"/>
+              </a:buClr>
+              <a:buChar char="•"/>
+              <a:defRPr sz="1600">
+                <a:solidFill>
+                  <a:schemeClr val="tx1"/>
+                </a:solidFill>
+                <a:latin typeface="+mn-lt"/>
+              </a:defRPr>
+            </a:lvl6pPr>
+            <a:lvl7pPr marL="2686050" indent="-228600" algn="l" rtl="0" eaLnBrk="1" fontAlgn="base" hangingPunct="1">
+              <a:lnSpc>
+                <a:spcPct val="95000"/>
+              </a:lnSpc>
+              <a:spcBef>
+                <a:spcPct val="25000"/>
+              </a:spcBef>
+              <a:spcAft>
+                <a:spcPct val="0"/>
+              </a:spcAft>
+              <a:buClr>
+                <a:schemeClr val="accent1"/>
+              </a:buClr>
+              <a:buChar char="•"/>
+              <a:defRPr sz="1600">
+                <a:solidFill>
+                  <a:schemeClr val="tx1"/>
+                </a:solidFill>
+                <a:latin typeface="+mn-lt"/>
+              </a:defRPr>
+            </a:lvl7pPr>
+            <a:lvl8pPr marL="3143250" indent="-228600" algn="l" rtl="0" eaLnBrk="1" fontAlgn="base" hangingPunct="1">
+              <a:lnSpc>
+                <a:spcPct val="95000"/>
+              </a:lnSpc>
+              <a:spcBef>
+                <a:spcPct val="25000"/>
+              </a:spcBef>
+              <a:spcAft>
+                <a:spcPct val="0"/>
+              </a:spcAft>
+              <a:buClr>
+                <a:schemeClr val="accent1"/>
+              </a:buClr>
+              <a:buChar char="•"/>
+              <a:defRPr sz="1600">
+                <a:solidFill>
+                  <a:schemeClr val="tx1"/>
+                </a:solidFill>
+                <a:latin typeface="+mn-lt"/>
+              </a:defRPr>
+            </a:lvl8pPr>
+            <a:lvl9pPr marL="3600450" indent="-228600" algn="l" rtl="0" eaLnBrk="1" fontAlgn="base" hangingPunct="1">
+              <a:lnSpc>
+                <a:spcPct val="95000"/>
+              </a:lnSpc>
+              <a:spcBef>
+                <a:spcPct val="25000"/>
+              </a:spcBef>
+              <a:spcAft>
+                <a:spcPct val="0"/>
+              </a:spcAft>
+              <a:buClr>
+                <a:schemeClr val="accent1"/>
+              </a:buClr>
+              <a:buChar char="•"/>
+              <a:defRPr sz="1600">
+                <a:solidFill>
+                  <a:schemeClr val="tx1"/>
+                </a:solidFill>
+                <a:latin typeface="+mn-lt"/>
+              </a:defRPr>
+            </a:lvl9pPr>
+          </a:lstStyle>
+          <a:p>
+            <a:pPr marL="342900" indent="-342900">
+              <a:spcBef>
+                <a:spcPts val="600"/>
+              </a:spcBef>
+              <a:buFont typeface="Arial" panose="020B0604020202020204" pitchFamily="34" charset="0"/>
+              <a:buChar char="•"/>
+            </a:pPr>
+            <a:r>
+              <a:rPr lang="en-US" b="0" kern="0" dirty="0"/>
+              <a:t>Side loads sets the load resistance for each secondary (table)</a:t>
+            </a:r>
+          </a:p>
+          <a:p>
+            <a:pPr marL="342900" indent="-342900">
+              <a:spcBef>
+                <a:spcPts val="600"/>
+              </a:spcBef>
+              <a:buFont typeface="Arial" panose="020B0604020202020204" pitchFamily="34" charset="0"/>
+              <a:buChar char="•"/>
+            </a:pPr>
+            <a:endParaRPr lang="en-US" b="0" kern="0" dirty="0"/>
+          </a:p>
+          <a:p>
+            <a:pPr marL="342900" indent="-342900">
+              <a:spcBef>
+                <a:spcPts val="600"/>
+              </a:spcBef>
+              <a:buFont typeface="Arial" panose="020B0604020202020204" pitchFamily="34" charset="0"/>
+              <a:buChar char="•"/>
+            </a:pPr>
+            <a:endParaRPr lang="en-US" b="0" kern="0" dirty="0"/>
+          </a:p>
+          <a:p>
+            <a:pPr marL="342900" indent="-342900">
+              <a:spcBef>
+                <a:spcPts val="600"/>
+              </a:spcBef>
+              <a:buFont typeface="Arial" panose="020B0604020202020204" pitchFamily="34" charset="0"/>
+              <a:buChar char="•"/>
+            </a:pPr>
+            <a:endParaRPr lang="en-US" b="0" kern="0" dirty="0"/>
+          </a:p>
+          <a:p>
+            <a:pPr marL="342900" indent="-342900">
+              <a:spcBef>
+                <a:spcPts val="600"/>
+              </a:spcBef>
+              <a:buFont typeface="Arial" panose="020B0604020202020204" pitchFamily="34" charset="0"/>
+              <a:buChar char="•"/>
+            </a:pPr>
+            <a:r>
+              <a:rPr lang="en-US" b="0" kern="0" dirty="0"/>
+              <a:t>Set value of Regions offset </a:t>
+            </a:r>
+          </a:p>
+          <a:p>
+            <a:pPr marL="342900" indent="-342900">
+              <a:spcBef>
+                <a:spcPts val="600"/>
+              </a:spcBef>
+              <a:buFont typeface="Arial" panose="020B0604020202020204" pitchFamily="34" charset="0"/>
+              <a:buChar char="•"/>
+            </a:pPr>
+            <a:r>
+              <a:rPr lang="en-US" b="0" kern="0" dirty="0"/>
+              <a:t>Check Make Full Model to generate full model (default is a half model)</a:t>
+            </a:r>
+          </a:p>
+          <a:p>
+            <a:pPr marL="342900" indent="-342900">
+              <a:spcBef>
+                <a:spcPts val="600"/>
+              </a:spcBef>
+              <a:buFont typeface="Arial" panose="020B0604020202020204" pitchFamily="34" charset="0"/>
+              <a:buChar char="•"/>
+            </a:pPr>
+            <a:r>
+              <a:rPr lang="en-US" b="0" kern="0" dirty="0"/>
+              <a:t>Select Path where to Save the project</a:t>
+            </a:r>
+          </a:p>
+          <a:p>
+            <a:pPr marL="342900" indent="-342900">
+              <a:spcBef>
+                <a:spcPts val="600"/>
+              </a:spcBef>
+              <a:buFont typeface="Arial" panose="020B0604020202020204" pitchFamily="34" charset="0"/>
+              <a:buChar char="•"/>
+            </a:pPr>
+            <a:r>
+              <a:rPr lang="en-US" b="0" kern="0" dirty="0"/>
+              <a:t>Define frequency sweep (if desired) for start, stop and number samples</a:t>
+            </a:r>
+          </a:p>
+          <a:p>
+            <a:pPr marL="342900" indent="-342900">
+              <a:spcBef>
+                <a:spcPts val="600"/>
+              </a:spcBef>
+              <a:buFont typeface="Arial" panose="020B0604020202020204" pitchFamily="34" charset="0"/>
+              <a:buChar char="•"/>
+            </a:pPr>
+            <a:r>
+              <a:rPr lang="en-US" b="0" kern="0" dirty="0"/>
+              <a:t>Click Define Windings to assign each layer to the appropriate Winding (Side: 1,2,3…)</a:t>
+            </a:r>
+          </a:p>
+          <a:p>
+            <a:pPr marL="342900" indent="-342900">
+              <a:spcBef>
+                <a:spcPts val="600"/>
+              </a:spcBef>
+              <a:buFont typeface="Arial" panose="020B0604020202020204" pitchFamily="34" charset="0"/>
+              <a:buChar char="•"/>
+            </a:pPr>
+            <a:endParaRPr lang="en-US" b="0" kern="0" dirty="0"/>
+          </a:p>
+          <a:p>
+            <a:pPr marL="342900" indent="-342900">
+              <a:spcBef>
+                <a:spcPts val="600"/>
+              </a:spcBef>
+              <a:buFont typeface="Arial" panose="020B0604020202020204" pitchFamily="34" charset="0"/>
+              <a:buChar char="•"/>
+            </a:pPr>
+            <a:endParaRPr lang="en-US" b="0" kern="0" dirty="0"/>
           </a:p>
         </p:txBody>
       </p:sp>
       <p:pic>
         <p:nvPicPr>
-          <p:cNvPr id="4" name="Picture 3">
+          <p:cNvPr id="5" name="Picture 4">
             <a:extLst>
               <a:ext uri="{FF2B5EF4-FFF2-40B4-BE49-F238E27FC236}">
-                <a16:creationId xmlns:a16="http://schemas.microsoft.com/office/drawing/2014/main" id="{D3B5EAFB-6EC2-4C76-AD73-37E75CFA03FF}"/>
+                <a16:creationId xmlns:a16="http://schemas.microsoft.com/office/drawing/2014/main" id="{F2B5C77E-BBAF-4518-98C8-97B3E339142C}"/>
               </a:ext>
             </a:extLst>
           </p:cNvPr>
-          <p:cNvPicPr/>
+          <p:cNvPicPr>
+            <a:picLocks noChangeAspect="1"/>
+          </p:cNvPicPr>
           <p:nvPr/>
         </p:nvPicPr>
-        <p:blipFill rotWithShape="1">
-          <a:blip r:embed="rId2" cstate="print">
-            <a:extLst>
-              <a:ext uri="{28A0092B-C50C-407E-A947-70E740481C1C}">
-                <a14:useLocalDpi xmlns:a14="http://schemas.microsoft.com/office/drawing/2010/main" val="0"/>
-              </a:ext>
-            </a:extLst>
-          </a:blip>
-          <a:srcRect l="511" t="1853" r="558"/>
-          <a:stretch/>
+        <p:blipFill>
+          <a:blip r:embed="rId2"/>
+          <a:stretch>
+            <a:fillRect/>
+          </a:stretch>
         </p:blipFill>
-        <p:spPr bwMode="auto">
+        <p:spPr>
           <a:xfrm>
-            <a:off x="914400" y="1524000"/>
-            <a:ext cx="7362825" cy="3532505"/>
+            <a:off x="4876801" y="751152"/>
+            <a:ext cx="3887146" cy="5253981"/>
           </a:xfrm>
           <a:prstGeom prst="rect">
             <a:avLst/>
           </a:prstGeom>
-          <a:noFill/>
           <a:ln>
-            <a:noFill/>
+            <a:solidFill>
+              <a:schemeClr val="tx1"/>
+            </a:solidFill>
           </a:ln>
-          <a:extLst>
-            <a:ext uri="{53640926-AAD7-44D8-BBD7-CCE9431645EC}">
-              <a14:shadowObscured xmlns:a14="http://schemas.microsoft.com/office/drawing/2010/main"/>
-            </a:ext>
-          </a:extLst>
+        </p:spPr>
+      </p:pic>
+      <p:pic>
+        <p:nvPicPr>
+          <p:cNvPr id="8" name="Picture 7">
+            <a:extLst>
+              <a:ext uri="{FF2B5EF4-FFF2-40B4-BE49-F238E27FC236}">
+                <a16:creationId xmlns:a16="http://schemas.microsoft.com/office/drawing/2014/main" id="{2808102E-47A0-4808-A658-0D792726A812}"/>
+              </a:ext>
+            </a:extLst>
+          </p:cNvPr>
+          <p:cNvPicPr>
+            <a:picLocks noChangeAspect="1"/>
+          </p:cNvPicPr>
+          <p:nvPr/>
+        </p:nvPicPr>
+        <p:blipFill>
+          <a:blip r:embed="rId3"/>
+          <a:stretch>
+            <a:fillRect/>
+          </a:stretch>
+        </p:blipFill>
+        <p:spPr>
+          <a:xfrm>
+            <a:off x="1190778" y="1487108"/>
+            <a:ext cx="2199595" cy="921569"/>
+          </a:xfrm>
+          <a:prstGeom prst="rect">
+            <a:avLst/>
+          </a:prstGeom>
+          <a:ln>
+            <a:solidFill>
+              <a:schemeClr val="tx1"/>
+            </a:solidFill>
+          </a:ln>
         </p:spPr>
       </p:pic>
     </p:spTree>
     <p:extLst>
       <p:ext uri="{BB962C8B-B14F-4D97-AF65-F5344CB8AC3E}">
-        <p14:creationId xmlns:p14="http://schemas.microsoft.com/office/powerpoint/2010/main" val="2194916487"/>
+        <p14:creationId xmlns:p14="http://schemas.microsoft.com/office/powerpoint/2010/main" val="3646578858"/>
       </p:ext>
     </p:extLst>
   </p:cSld>
   <p:clrMapOvr>
     <a:masterClrMapping/>
   </p:clrMapOvr>
-  <p:transition spd="med"/>
+  <mc:AlternateContent xmlns:mc="http://schemas.openxmlformats.org/markup-compatibility/2006" xmlns:p14="http://schemas.microsoft.com/office/powerpoint/2010/main">
+    <mc:Choice Requires="p14">
+      <p:transition p14:dur="0"/>
+    </mc:Choice>
+    <mc:Fallback xmlns="">
+      <p:transition/>
+    </mc:Fallback>
+  </mc:AlternateContent>
 </p:sld>
 </file>
 
@@ -7007,8 +7269,8 @@
           <a:lstStyle/>
           <a:p>
             <a:r>
-              <a:rPr lang="en-US" dirty="0"/>
-              <a:t>Input panel 3 of 3: Analysis Setup [Part 1]</a:t>
+              <a:rPr lang="en-US" sz="2800" dirty="0"/>
+              <a:t>Input panel 3 of 3: Analysis Setup [step 3]</a:t>
             </a:r>
           </a:p>
         </p:txBody>
@@ -7023,7 +7285,7 @@
         </p:nvSpPr>
         <p:spPr>
           <a:xfrm>
-            <a:off x="152400" y="1066800"/>
+            <a:off x="248402" y="685800"/>
             <a:ext cx="5029200" cy="4724400"/>
           </a:xfrm>
           <a:prstGeom prst="rect">
@@ -7236,8 +7498,8 @@
               <a:buChar char="•"/>
             </a:pPr>
             <a:r>
-              <a:rPr lang="en-US" sz="1800" kern="0" dirty="0"/>
-              <a:t>Define Core Material and Coil Material</a:t>
+              <a:rPr lang="en-US" b="0" kern="0" dirty="0"/>
+              <a:t>Move each layer to the appropriate side</a:t>
             </a:r>
           </a:p>
           <a:p>
@@ -7249,8 +7511,8 @@
               <a:buChar char="•"/>
             </a:pPr>
             <a:r>
-              <a:rPr lang="en-US" sz="1800" kern="0" dirty="0"/>
-              <a:t>Define Primary and Secondary Windings</a:t>
+              <a:rPr lang="en-US" b="0" kern="0" dirty="0"/>
+              <a:t>Click Define Connections to set  connections within each side: Parallel or Serial</a:t>
             </a:r>
           </a:p>
           <a:p>
@@ -7262,16 +7524,32 @@
               <a:buChar char="•"/>
             </a:pPr>
             <a:r>
-              <a:rPr lang="en-US" sz="1800" kern="0" dirty="0"/>
-              <a:t>Define number of transformer sides (</a:t>
-            </a:r>
-            <a:r>
-              <a:rPr lang="en-US" sz="1800" kern="0" dirty="0" err="1"/>
-              <a:t>eg</a:t>
-            </a:r>
-            <a:r>
-              <a:rPr lang="en-US" sz="1800" kern="0" dirty="0"/>
-              <a:t> 2 for Primary, Secondary)</a:t>
+              <a:rPr lang="en-US" b="0" kern="0" dirty="0"/>
+              <a:t>In the Maxwell Circuit below, you can see Layers 1 and 2 are connected in </a:t>
+            </a:r>
+            <a:r>
+              <a:rPr lang="en-US" b="0" kern="0" dirty="0">
+                <a:solidFill>
+                  <a:srgbClr val="317FCB"/>
+                </a:solidFill>
+              </a:rPr>
+              <a:t>S</a:t>
+            </a:r>
+            <a:r>
+              <a:rPr lang="en-US" b="0" kern="0" dirty="0"/>
+              <a:t>eries and then connected in </a:t>
+            </a:r>
+            <a:r>
+              <a:rPr lang="en-US" b="0" kern="0" dirty="0">
+                <a:solidFill>
+                  <a:srgbClr val="317FCB"/>
+                </a:solidFill>
+              </a:rPr>
+              <a:t>P</a:t>
+            </a:r>
+            <a:r>
+              <a:rPr lang="en-US" b="0" kern="0" dirty="0"/>
+              <a:t>arallel to Layer 3</a:t>
             </a:r>
           </a:p>
           <a:p>
@@ -7282,18 +7560,7 @@
               <a:buFont typeface="Arial" panose="020B0604020202020204" pitchFamily="34" charset="0"/>
               <a:buChar char="•"/>
             </a:pPr>
-            <a:r>
-              <a:rPr lang="en-US" sz="1800" kern="0" dirty="0"/>
-              <a:t>Select Excitations strategy for Primary side (Voltage or Current source) and set value of resistance for 2, 3, </a:t>
-            </a:r>
-            <a:r>
-              <a:rPr lang="en-US" sz="1800" kern="0" dirty="0" err="1"/>
-              <a:t>etc</a:t>
-            </a:r>
-            <a:r>
-              <a:rPr lang="en-US" sz="1800" kern="0" dirty="0"/>
-              <a:t> sides which would be defined as voltage winding</a:t>
-            </a:r>
+            <a:endParaRPr lang="en-US" b="0" kern="0" dirty="0"/>
           </a:p>
           <a:p>
             <a:pPr marL="342900" indent="-342900">
@@ -7303,52 +7570,126 @@
               <a:buFont typeface="Arial" panose="020B0604020202020204" pitchFamily="34" charset="0"/>
               <a:buChar char="•"/>
             </a:pPr>
-            <a:r>
-              <a:rPr lang="en-US" sz="1800" kern="0" dirty="0"/>
-              <a:t>Click </a:t>
-            </a:r>
-            <a:r>
-              <a:rPr lang="en-US" sz="1800" kern="0" dirty="0">
-                <a:solidFill>
-                  <a:srgbClr val="317FCB"/>
-                </a:solidFill>
-              </a:rPr>
-              <a:t>Define Windings </a:t>
-            </a:r>
-            <a:r>
-              <a:rPr lang="en-US" sz="1800" kern="0" dirty="0"/>
-              <a:t>to assign each layer to the Winding</a:t>
-            </a:r>
+            <a:endParaRPr lang="en-US" b="0" kern="0" dirty="0"/>
+          </a:p>
+          <a:p>
+            <a:pPr marL="342900" indent="-342900">
+              <a:spcBef>
+                <a:spcPts val="600"/>
+              </a:spcBef>
+              <a:buFont typeface="Arial" panose="020B0604020202020204" pitchFamily="34" charset="0"/>
+              <a:buChar char="•"/>
+            </a:pPr>
+            <a:endParaRPr lang="en-US" b="0" kern="0" dirty="0"/>
+          </a:p>
+          <a:p>
+            <a:pPr marL="342900" indent="-342900">
+              <a:spcBef>
+                <a:spcPts val="600"/>
+              </a:spcBef>
+              <a:buFont typeface="Arial" panose="020B0604020202020204" pitchFamily="34" charset="0"/>
+              <a:buChar char="•"/>
+            </a:pPr>
+            <a:endParaRPr lang="en-US" b="0" kern="0" dirty="0"/>
+          </a:p>
+          <a:p>
+            <a:pPr marL="342900" indent="-342900">
+              <a:spcBef>
+                <a:spcPts val="600"/>
+              </a:spcBef>
+              <a:buFont typeface="Arial" panose="020B0604020202020204" pitchFamily="34" charset="0"/>
+              <a:buChar char="•"/>
+            </a:pPr>
+            <a:endParaRPr lang="en-US" b="0" kern="0" dirty="0"/>
+          </a:p>
+          <a:p>
+            <a:pPr marL="342900" indent="-342900">
+              <a:spcBef>
+                <a:spcPts val="600"/>
+              </a:spcBef>
+              <a:buFont typeface="Arial" panose="020B0604020202020204" pitchFamily="34" charset="0"/>
+              <a:buChar char="•"/>
+            </a:pPr>
+            <a:r>
+              <a:rPr lang="en-US" b="0" kern="0" dirty="0"/>
+              <a:t>Return to Analysis Setup [3/3 panel] </a:t>
+            </a:r>
+          </a:p>
+          <a:p>
+            <a:pPr marL="573088" lvl="3" indent="-342900">
+              <a:spcBef>
+                <a:spcPts val="600"/>
+              </a:spcBef>
+              <a:buFont typeface="Calibri" panose="020F0502020204030204" pitchFamily="34" charset="0"/>
+              <a:buChar char="-"/>
+            </a:pPr>
+            <a:r>
+              <a:rPr lang="en-US" b="0" kern="0" dirty="0"/>
+              <a:t>Setup Analysis to create design and stop</a:t>
+            </a:r>
+          </a:p>
+          <a:p>
+            <a:pPr marL="573088" lvl="3" indent="-342900">
+              <a:spcBef>
+                <a:spcPts val="600"/>
+              </a:spcBef>
+              <a:buFont typeface="Calibri" panose="020F0502020204030204" pitchFamily="34" charset="0"/>
+              <a:buChar char="-"/>
+            </a:pPr>
+            <a:r>
+              <a:rPr lang="en-US" b="0" kern="0" dirty="0"/>
+              <a:t>OR Analyze to setup and solve design</a:t>
+            </a:r>
+          </a:p>
+          <a:p>
+            <a:pPr marL="342900" indent="-342900">
+              <a:spcBef>
+                <a:spcPts val="600"/>
+              </a:spcBef>
+              <a:buFont typeface="Arial" panose="020B0604020202020204" pitchFamily="34" charset="0"/>
+              <a:buChar char="•"/>
+            </a:pPr>
+            <a:r>
+              <a:rPr lang="en-US" b="0" kern="0" dirty="0"/>
+              <a:t>Finish and Exit Wizard to close ETK</a:t>
+            </a:r>
+          </a:p>
+          <a:p>
+            <a:pPr marL="342900" indent="-342900">
+              <a:spcBef>
+                <a:spcPts val="600"/>
+              </a:spcBef>
+              <a:buFont typeface="Arial" panose="020B0604020202020204" pitchFamily="34" charset="0"/>
+              <a:buChar char="•"/>
+            </a:pPr>
+            <a:endParaRPr lang="en-US" b="0" kern="0" dirty="0"/>
           </a:p>
         </p:txBody>
       </p:sp>
       <p:pic>
         <p:nvPicPr>
-          <p:cNvPr id="8" name="Picture 7">
+          <p:cNvPr id="2" name="Picture 1">
             <a:extLst>
               <a:ext uri="{FF2B5EF4-FFF2-40B4-BE49-F238E27FC236}">
-                <a16:creationId xmlns:a16="http://schemas.microsoft.com/office/drawing/2014/main" id="{BC4B897D-4DAA-4F17-A386-36F9C215E308}"/>
+                <a16:creationId xmlns:a16="http://schemas.microsoft.com/office/drawing/2014/main" id="{34A64830-7410-4215-B80C-E235CFD8680C}"/>
               </a:ext>
             </a:extLst>
           </p:cNvPr>
-          <p:cNvPicPr/>
+          <p:cNvPicPr>
+            <a:picLocks noChangeAspect="1"/>
+          </p:cNvPicPr>
           <p:nvPr/>
         </p:nvPicPr>
-        <p:blipFill rotWithShape="1">
-          <a:blip r:embed="rId2" cstate="print">
-            <a:extLst>
-              <a:ext uri="{28A0092B-C50C-407E-A947-70E740481C1C}">
-                <a14:useLocalDpi xmlns:a14="http://schemas.microsoft.com/office/drawing/2010/main" val="0"/>
-              </a:ext>
-            </a:extLst>
-          </a:blip>
-          <a:srcRect/>
-          <a:stretch/>
+        <p:blipFill>
+          <a:blip r:embed="rId2"/>
+          <a:stretch>
+            <a:fillRect/>
+          </a:stretch>
         </p:blipFill>
-        <p:spPr bwMode="auto">
+        <p:spPr>
           <a:xfrm>
-            <a:off x="5867400" y="685800"/>
-            <a:ext cx="2670384" cy="3235423"/>
+            <a:off x="5724098" y="923488"/>
+            <a:ext cx="2733696" cy="1959505"/>
           </a:xfrm>
           <a:prstGeom prst="rect">
             <a:avLst/>
@@ -7358,19 +7699,14 @@
               <a:schemeClr val="tx1"/>
             </a:solidFill>
           </a:ln>
-          <a:extLst>
-            <a:ext uri="{53640926-AAD7-44D8-BBD7-CCE9431645EC}">
-              <a14:shadowObscured xmlns:a14="http://schemas.microsoft.com/office/drawing/2010/main"/>
-            </a:ext>
-          </a:extLst>
         </p:spPr>
       </p:pic>
       <p:pic>
         <p:nvPicPr>
-          <p:cNvPr id="2" name="Picture 1">
+          <p:cNvPr id="6" name="Picture 5">
             <a:extLst>
               <a:ext uri="{FF2B5EF4-FFF2-40B4-BE49-F238E27FC236}">
-                <a16:creationId xmlns:a16="http://schemas.microsoft.com/office/drawing/2014/main" id="{34A64830-7410-4215-B80C-E235CFD8680C}"/>
+                <a16:creationId xmlns:a16="http://schemas.microsoft.com/office/drawing/2014/main" id="{0CC601D3-57E7-4052-A5F4-B0C19E60E8BF}"/>
               </a:ext>
             </a:extLst>
           </p:cNvPr>
@@ -7387,8 +7723,43 @@
         </p:blipFill>
         <p:spPr>
           <a:xfrm>
-            <a:off x="5867400" y="4038600"/>
-            <a:ext cx="2733696" cy="1959505"/>
+            <a:off x="5733197" y="3228811"/>
+            <a:ext cx="2733696" cy="2513081"/>
+          </a:xfrm>
+          <a:prstGeom prst="rect">
+            <a:avLst/>
+          </a:prstGeom>
+          <a:ln>
+            <a:solidFill>
+              <a:schemeClr val="tx1"/>
+            </a:solidFill>
+          </a:ln>
+        </p:spPr>
+      </p:pic>
+      <p:pic>
+        <p:nvPicPr>
+          <p:cNvPr id="8" name="Picture 7">
+            <a:extLst>
+              <a:ext uri="{FF2B5EF4-FFF2-40B4-BE49-F238E27FC236}">
+                <a16:creationId xmlns:a16="http://schemas.microsoft.com/office/drawing/2014/main" id="{5F68AF74-8585-4492-BD48-F2A17B0CCE7F}"/>
+              </a:ext>
+            </a:extLst>
+          </p:cNvPr>
+          <p:cNvPicPr>
+            <a:picLocks noChangeAspect="1"/>
+          </p:cNvPicPr>
+          <p:nvPr/>
+        </p:nvPicPr>
+        <p:blipFill>
+          <a:blip r:embed="rId4"/>
+          <a:stretch>
+            <a:fillRect/>
+          </a:stretch>
+        </p:blipFill>
+        <p:spPr>
+          <a:xfrm>
+            <a:off x="1447800" y="3078765"/>
+            <a:ext cx="2847247" cy="1500441"/>
           </a:xfrm>
           <a:prstGeom prst="rect">
             <a:avLst/>
@@ -7403,7 +7774,7 @@
     </p:spTree>
     <p:extLst>
       <p:ext uri="{BB962C8B-B14F-4D97-AF65-F5344CB8AC3E}">
-        <p14:creationId xmlns:p14="http://schemas.microsoft.com/office/powerpoint/2010/main" val="1344238153"/>
+        <p14:creationId xmlns:p14="http://schemas.microsoft.com/office/powerpoint/2010/main" val="580951577"/>
       </p:ext>
     </p:extLst>
   </p:cSld>
@@ -7454,468 +7825,8 @@
           <a:lstStyle/>
           <a:p>
             <a:r>
-              <a:rPr lang="en-US" dirty="0"/>
-              <a:t>Input panel 3 of 3: Analysis Setup [Part 2]</a:t>
-            </a:r>
-          </a:p>
-        </p:txBody>
-      </p:sp>
-      <p:sp>
-        <p:nvSpPr>
-          <p:cNvPr id="9" name="Content Placeholder 5"/>
-          <p:cNvSpPr txBox="1">
-            <a:spLocks/>
-          </p:cNvSpPr>
-          <p:nvPr/>
-        </p:nvSpPr>
-        <p:spPr>
-          <a:xfrm>
-            <a:off x="152400" y="751152"/>
-            <a:ext cx="5029200" cy="4724400"/>
-          </a:xfrm>
-          <a:prstGeom prst="rect">
-            <a:avLst/>
-          </a:prstGeom>
-        </p:spPr>
-        <p:txBody>
-          <a:bodyPr/>
-          <a:lstStyle>
-            <a:lvl1pPr marL="457200" indent="-457200" algn="l" rtl="0" eaLnBrk="1" fontAlgn="base" hangingPunct="1">
-              <a:lnSpc>
-                <a:spcPct val="95000"/>
-              </a:lnSpc>
-              <a:spcBef>
-                <a:spcPts val="1200"/>
-              </a:spcBef>
-              <a:spcAft>
-                <a:spcPct val="0"/>
-              </a:spcAft>
-              <a:buClr>
-                <a:schemeClr val="tx1"/>
-              </a:buClr>
-              <a:defRPr sz="2000" b="1">
-                <a:solidFill>
-                  <a:schemeClr val="tx1"/>
-                </a:solidFill>
-                <a:latin typeface="Calibri" pitchFamily="34" charset="0"/>
-                <a:ea typeface="+mn-ea"/>
-                <a:cs typeface="Calibri" pitchFamily="34" charset="0"/>
-              </a:defRPr>
-            </a:lvl1pPr>
-            <a:lvl2pPr marL="228600" indent="-228600" algn="l" rtl="0" eaLnBrk="1" fontAlgn="base" hangingPunct="1">
-              <a:lnSpc>
-                <a:spcPct val="95000"/>
-              </a:lnSpc>
-              <a:spcBef>
-                <a:spcPct val="25000"/>
-              </a:spcBef>
-              <a:spcAft>
-                <a:spcPct val="0"/>
-              </a:spcAft>
-              <a:buClrTx/>
-              <a:buSzPct val="120000"/>
-              <a:buFont typeface="Arial" charset="0"/>
-              <a:buChar char="•"/>
-              <a:defRPr b="1">
-                <a:solidFill>
-                  <a:schemeClr val="tx1"/>
-                </a:solidFill>
-                <a:latin typeface="Calibri" pitchFamily="34" charset="0"/>
-                <a:cs typeface="Calibri" pitchFamily="34" charset="0"/>
-              </a:defRPr>
-            </a:lvl2pPr>
-            <a:lvl3pPr marL="457200" indent="-228600" algn="l" rtl="0" eaLnBrk="1" fontAlgn="base" hangingPunct="1">
-              <a:lnSpc>
-                <a:spcPct val="95000"/>
-              </a:lnSpc>
-              <a:spcBef>
-                <a:spcPct val="25000"/>
-              </a:spcBef>
-              <a:spcAft>
-                <a:spcPct val="0"/>
-              </a:spcAft>
-              <a:buClrTx/>
-              <a:buFont typeface="Calibri" pitchFamily="34" charset="0"/>
-              <a:buChar char="–"/>
-              <a:defRPr b="1">
-                <a:solidFill>
-                  <a:schemeClr val="tx1"/>
-                </a:solidFill>
-                <a:latin typeface="Calibri" pitchFamily="34" charset="0"/>
-                <a:cs typeface="Calibri" pitchFamily="34" charset="0"/>
-              </a:defRPr>
-            </a:lvl3pPr>
-            <a:lvl4pPr marL="687388" indent="-225425" algn="l" rtl="0" eaLnBrk="1" fontAlgn="base" hangingPunct="1">
-              <a:lnSpc>
-                <a:spcPct val="95000"/>
-              </a:lnSpc>
-              <a:spcBef>
-                <a:spcPct val="25000"/>
-              </a:spcBef>
-              <a:spcAft>
-                <a:spcPct val="0"/>
-              </a:spcAft>
-              <a:buClrTx/>
-              <a:buFont typeface="Arial" pitchFamily="34" charset="0"/>
-              <a:buChar char="•"/>
-              <a:defRPr b="1">
-                <a:solidFill>
-                  <a:schemeClr val="tx1"/>
-                </a:solidFill>
-                <a:latin typeface="Calibri" pitchFamily="34" charset="0"/>
-                <a:cs typeface="Calibri" pitchFamily="34" charset="0"/>
-              </a:defRPr>
-            </a:lvl4pPr>
-            <a:lvl5pPr marL="914400" indent="-227013" algn="l" rtl="0" eaLnBrk="1" fontAlgn="base" hangingPunct="1">
-              <a:lnSpc>
-                <a:spcPct val="95000"/>
-              </a:lnSpc>
-              <a:spcBef>
-                <a:spcPct val="25000"/>
-              </a:spcBef>
-              <a:spcAft>
-                <a:spcPct val="0"/>
-              </a:spcAft>
-              <a:buClr>
-                <a:schemeClr val="accent1"/>
-              </a:buClr>
-              <a:buFont typeface="Calibri" pitchFamily="34" charset="0"/>
-              <a:buChar char="–"/>
-              <a:defRPr sz="1600" b="1">
-                <a:solidFill>
-                  <a:schemeClr val="tx1"/>
-                </a:solidFill>
-                <a:latin typeface="Calibri" pitchFamily="34" charset="0"/>
-                <a:cs typeface="Calibri" pitchFamily="34" charset="0"/>
-              </a:defRPr>
-            </a:lvl5pPr>
-            <a:lvl6pPr marL="2228850" indent="-228600" algn="l" rtl="0" eaLnBrk="1" fontAlgn="base" hangingPunct="1">
-              <a:lnSpc>
-                <a:spcPct val="95000"/>
-              </a:lnSpc>
-              <a:spcBef>
-                <a:spcPct val="25000"/>
-              </a:spcBef>
-              <a:spcAft>
-                <a:spcPct val="0"/>
-              </a:spcAft>
-              <a:buClr>
-                <a:schemeClr val="accent1"/>
-              </a:buClr>
-              <a:buChar char="•"/>
-              <a:defRPr sz="1600">
-                <a:solidFill>
-                  <a:schemeClr val="tx1"/>
-                </a:solidFill>
-                <a:latin typeface="+mn-lt"/>
-              </a:defRPr>
-            </a:lvl6pPr>
-            <a:lvl7pPr marL="2686050" indent="-228600" algn="l" rtl="0" eaLnBrk="1" fontAlgn="base" hangingPunct="1">
-              <a:lnSpc>
-                <a:spcPct val="95000"/>
-              </a:lnSpc>
-              <a:spcBef>
-                <a:spcPct val="25000"/>
-              </a:spcBef>
-              <a:spcAft>
-                <a:spcPct val="0"/>
-              </a:spcAft>
-              <a:buClr>
-                <a:schemeClr val="accent1"/>
-              </a:buClr>
-              <a:buChar char="•"/>
-              <a:defRPr sz="1600">
-                <a:solidFill>
-                  <a:schemeClr val="tx1"/>
-                </a:solidFill>
-                <a:latin typeface="+mn-lt"/>
-              </a:defRPr>
-            </a:lvl7pPr>
-            <a:lvl8pPr marL="3143250" indent="-228600" algn="l" rtl="0" eaLnBrk="1" fontAlgn="base" hangingPunct="1">
-              <a:lnSpc>
-                <a:spcPct val="95000"/>
-              </a:lnSpc>
-              <a:spcBef>
-                <a:spcPct val="25000"/>
-              </a:spcBef>
-              <a:spcAft>
-                <a:spcPct val="0"/>
-              </a:spcAft>
-              <a:buClr>
-                <a:schemeClr val="accent1"/>
-              </a:buClr>
-              <a:buChar char="•"/>
-              <a:defRPr sz="1600">
-                <a:solidFill>
-                  <a:schemeClr val="tx1"/>
-                </a:solidFill>
-                <a:latin typeface="+mn-lt"/>
-              </a:defRPr>
-            </a:lvl8pPr>
-            <a:lvl9pPr marL="3600450" indent="-228600" algn="l" rtl="0" eaLnBrk="1" fontAlgn="base" hangingPunct="1">
-              <a:lnSpc>
-                <a:spcPct val="95000"/>
-              </a:lnSpc>
-              <a:spcBef>
-                <a:spcPct val="25000"/>
-              </a:spcBef>
-              <a:spcAft>
-                <a:spcPct val="0"/>
-              </a:spcAft>
-              <a:buClr>
-                <a:schemeClr val="accent1"/>
-              </a:buClr>
-              <a:buChar char="•"/>
-              <a:defRPr sz="1600">
-                <a:solidFill>
-                  <a:schemeClr val="tx1"/>
-                </a:solidFill>
-                <a:latin typeface="+mn-lt"/>
-              </a:defRPr>
-            </a:lvl9pPr>
-          </a:lstStyle>
-          <a:p>
-            <a:pPr marL="342900" indent="-342900">
-              <a:spcBef>
-                <a:spcPts val="600"/>
-              </a:spcBef>
-              <a:buFont typeface="Arial" panose="020B0604020202020204" pitchFamily="34" charset="0"/>
-              <a:buChar char="•"/>
-            </a:pPr>
-            <a:r>
-              <a:rPr lang="en-US" sz="1800" kern="0" dirty="0"/>
-              <a:t>Define adaptive frequency, frequency sweep, % error and max number of passes</a:t>
-            </a:r>
-          </a:p>
-          <a:p>
-            <a:pPr marL="342900" indent="-342900">
-              <a:spcBef>
-                <a:spcPts val="600"/>
-              </a:spcBef>
-              <a:buFont typeface="Arial" panose="020B0604020202020204" pitchFamily="34" charset="0"/>
-              <a:buChar char="•"/>
-            </a:pPr>
-            <a:r>
-              <a:rPr lang="en-US" sz="1800" kern="0" dirty="0"/>
-              <a:t>Set value of regions offset </a:t>
-            </a:r>
-          </a:p>
-          <a:p>
-            <a:pPr marL="342900" indent="-342900">
-              <a:spcBef>
-                <a:spcPts val="600"/>
-              </a:spcBef>
-              <a:buFont typeface="Arial" panose="020B0604020202020204" pitchFamily="34" charset="0"/>
-              <a:buChar char="•"/>
-            </a:pPr>
-            <a:r>
-              <a:rPr lang="en-US" sz="1800" kern="0" dirty="0"/>
-              <a:t>Select Path where to Save the project</a:t>
-            </a:r>
-          </a:p>
-          <a:p>
-            <a:pPr marL="342900" indent="-342900">
-              <a:spcBef>
-                <a:spcPts val="600"/>
-              </a:spcBef>
-              <a:buFont typeface="Arial" panose="020B0604020202020204" pitchFamily="34" charset="0"/>
-              <a:buChar char="•"/>
-            </a:pPr>
-            <a:r>
-              <a:rPr lang="en-US" sz="1800" kern="0" dirty="0"/>
-              <a:t>Check Make Full Model to generate full model (default is half of the model)</a:t>
-            </a:r>
-          </a:p>
-          <a:p>
-            <a:pPr marL="342900" indent="-342900">
-              <a:spcBef>
-                <a:spcPts val="600"/>
-              </a:spcBef>
-              <a:buFont typeface="Arial" panose="020B0604020202020204" pitchFamily="34" charset="0"/>
-              <a:buChar char="•"/>
-            </a:pPr>
-            <a:r>
-              <a:rPr lang="en-US" sz="1800" kern="0" dirty="0"/>
-              <a:t>Setup Analysis to create design OR Analyze to setup and solve design</a:t>
-            </a:r>
-          </a:p>
-        </p:txBody>
-      </p:sp>
-      <p:pic>
-        <p:nvPicPr>
-          <p:cNvPr id="8" name="Picture 7">
-            <a:extLst>
-              <a:ext uri="{FF2B5EF4-FFF2-40B4-BE49-F238E27FC236}">
-                <a16:creationId xmlns:a16="http://schemas.microsoft.com/office/drawing/2014/main" id="{BC4B897D-4DAA-4F17-A386-36F9C215E308}"/>
-              </a:ext>
-            </a:extLst>
-          </p:cNvPr>
-          <p:cNvPicPr/>
-          <p:nvPr/>
-        </p:nvPicPr>
-        <p:blipFill rotWithShape="1">
-          <a:blip r:embed="rId2" cstate="print">
-            <a:extLst>
-              <a:ext uri="{28A0092B-C50C-407E-A947-70E740481C1C}">
-                <a14:useLocalDpi xmlns:a14="http://schemas.microsoft.com/office/drawing/2010/main" val="0"/>
-              </a:ext>
-            </a:extLst>
-          </a:blip>
-          <a:srcRect/>
-          <a:stretch/>
-        </p:blipFill>
-        <p:spPr bwMode="auto">
-          <a:xfrm>
-            <a:off x="5867400" y="685800"/>
-            <a:ext cx="2670384" cy="3235423"/>
-          </a:xfrm>
-          <a:prstGeom prst="rect">
-            <a:avLst/>
-          </a:prstGeom>
-          <a:ln>
-            <a:solidFill>
-              <a:schemeClr val="tx1"/>
-            </a:solidFill>
-          </a:ln>
-          <a:extLst>
-            <a:ext uri="{53640926-AAD7-44D8-BBD7-CCE9431645EC}">
-              <a14:shadowObscured xmlns:a14="http://schemas.microsoft.com/office/drawing/2010/main"/>
-            </a:ext>
-          </a:extLst>
-        </p:spPr>
-      </p:pic>
-      <p:sp>
-        <p:nvSpPr>
-          <p:cNvPr id="4" name="TextBox 3">
-            <a:extLst>
-              <a:ext uri="{FF2B5EF4-FFF2-40B4-BE49-F238E27FC236}">
-                <a16:creationId xmlns:a16="http://schemas.microsoft.com/office/drawing/2014/main" id="{8CACEDCA-16FA-468B-A8B4-59F988EF7154}"/>
-              </a:ext>
-            </a:extLst>
-          </p:cNvPr>
-          <p:cNvSpPr txBox="1"/>
-          <p:nvPr/>
-        </p:nvSpPr>
-        <p:spPr bwMode="auto">
-          <a:xfrm>
-            <a:off x="152400" y="4419600"/>
-            <a:ext cx="5405305" cy="923330"/>
-          </a:xfrm>
-          <a:prstGeom prst="rect">
-            <a:avLst/>
-          </a:prstGeom>
-          <a:noFill/>
-          <a:ln w="12700" cap="sq" algn="ctr">
-            <a:noFill/>
-            <a:miter lim="800000"/>
-            <a:headEnd/>
-            <a:tailEnd/>
-          </a:ln>
-          <a:effectLst/>
-        </p:spPr>
-        <p:txBody>
-          <a:bodyPr wrap="square" rtlCol="0">
-            <a:spAutoFit/>
-          </a:bodyPr>
-          <a:lstStyle/>
-          <a:p>
-            <a:r>
-              <a:rPr lang="en-US" b="1" dirty="0">
-                <a:solidFill>
-                  <a:srgbClr val="317FCB"/>
-                </a:solidFill>
-                <a:latin typeface="Calibri" pitchFamily="34" charset="0"/>
-                <a:cs typeface="Calibri" pitchFamily="34" charset="0"/>
-              </a:rPr>
-              <a:t>Note: if thickness of the conductor is less than 3 values of skin depth then ACT will automatically generate additional layers for </a:t>
-            </a:r>
-            <a:r>
-              <a:rPr lang="en-US" b="1" dirty="0" err="1">
-                <a:solidFill>
-                  <a:srgbClr val="317FCB"/>
-                </a:solidFill>
-                <a:latin typeface="Calibri" pitchFamily="34" charset="0"/>
-                <a:cs typeface="Calibri" pitchFamily="34" charset="0"/>
-              </a:rPr>
-              <a:t>mesher</a:t>
-            </a:r>
-            <a:r>
-              <a:rPr lang="en-US" b="1" dirty="0">
-                <a:solidFill>
-                  <a:srgbClr val="317FCB"/>
-                </a:solidFill>
-                <a:latin typeface="Calibri" pitchFamily="34" charset="0"/>
-                <a:cs typeface="Calibri" pitchFamily="34" charset="0"/>
-              </a:rPr>
-              <a:t> to capture eddy effects</a:t>
-            </a:r>
-          </a:p>
-        </p:txBody>
-      </p:sp>
-    </p:spTree>
-    <p:extLst>
-      <p:ext uri="{BB962C8B-B14F-4D97-AF65-F5344CB8AC3E}">
-        <p14:creationId xmlns:p14="http://schemas.microsoft.com/office/powerpoint/2010/main" val="3646578858"/>
-      </p:ext>
-    </p:extLst>
-  </p:cSld>
-  <p:clrMapOvr>
-    <a:masterClrMapping/>
-  </p:clrMapOvr>
-  <mc:AlternateContent xmlns:mc="http://schemas.openxmlformats.org/markup-compatibility/2006" xmlns:p14="http://schemas.microsoft.com/office/powerpoint/2010/main">
-    <mc:Choice Requires="p14">
-      <p:transition p14:dur="0"/>
-    </mc:Choice>
-    <mc:Fallback xmlns="">
-      <p:transition/>
-    </mc:Fallback>
-  </mc:AlternateContent>
-</p:sld>
-</file>
-
-<file path=ppt/slides/slide16.xml><?xml version="1.0" encoding="utf-8"?>
-<p:sld xmlns:a="http://schemas.openxmlformats.org/drawingml/2006/main" xmlns:r="http://schemas.openxmlformats.org/officeDocument/2006/relationships" xmlns:p="http://schemas.openxmlformats.org/presentationml/2006/main">
-  <p:cSld>
-    <p:spTree>
-      <p:nvGrpSpPr>
-        <p:cNvPr id="1" name=""/>
-        <p:cNvGrpSpPr/>
-        <p:nvPr/>
-      </p:nvGrpSpPr>
-      <p:grpSpPr>
-        <a:xfrm>
-          <a:off x="0" y="0"/>
-          <a:ext cx="0" cy="0"/>
-          <a:chOff x="0" y="0"/>
-          <a:chExt cx="0" cy="0"/>
-        </a:xfrm>
-      </p:grpSpPr>
-      <p:sp>
-        <p:nvSpPr>
-          <p:cNvPr id="3" name="Title 2"/>
-          <p:cNvSpPr>
-            <a:spLocks noGrp="1"/>
-          </p:cNvSpPr>
-          <p:nvPr>
-            <p:ph type="title"/>
-          </p:nvPr>
-        </p:nvSpPr>
-        <p:spPr/>
-        <p:txBody>
-          <a:bodyPr/>
-          <a:lstStyle/>
-          <a:p>
-            <a:r>
-              <a:rPr lang="en-US" dirty="0"/>
-              <a:t>Adding </a:t>
-            </a:r>
-            <a:r>
-              <a:rPr lang="en-US"/>
-              <a:t>a New Core </a:t>
-            </a:r>
-            <a:r>
-              <a:rPr lang="en-US" dirty="0"/>
-              <a:t>Material</a:t>
+              <a:rPr lang="en-US" sz="2800" dirty="0"/>
+              <a:t>Adding a New Core Material</a:t>
             </a:r>
           </a:p>
         </p:txBody>
@@ -7930,7 +7841,7 @@
         </p:nvSpPr>
         <p:spPr>
           <a:xfrm>
-            <a:off x="439024" y="882625"/>
+            <a:off x="457200" y="877276"/>
             <a:ext cx="9525000" cy="2590800"/>
           </a:xfrm>
           <a:prstGeom prst="rect">
@@ -7939,7 +7850,7 @@
         </p:spPr>
         <p:txBody>
           <a:bodyPr>
-            <a:normAutofit fontScale="70000" lnSpcReduction="20000"/>
+            <a:normAutofit/>
           </a:bodyPr>
           <a:lstStyle>
             <a:lvl1pPr marL="457200" indent="-457200" algn="l" rtl="0" eaLnBrk="1" fontAlgn="base" hangingPunct="1">
@@ -8137,7 +8048,7 @@
             </a:lvl9pPr>
           </a:lstStyle>
           <a:p>
-            <a:pPr marL="540385" marR="1244600" indent="228600">
+            <a:pPr marL="0" marR="1244600" lvl="0" indent="0">
               <a:lnSpc>
                 <a:spcPct val="120000"/>
               </a:lnSpc>
@@ -8149,16 +8060,12 @@
               </a:spcAft>
             </a:pPr>
             <a:r>
-              <a:rPr lang="en-US" dirty="0">
+              <a:rPr lang="en-US" b="0" dirty="0">
                 <a:ea typeface="SimSun" panose="02010600030101010101" pitchFamily="2" charset="-122"/>
                 <a:cs typeface="Times New Roman" panose="02020603050405020304" pitchFamily="18" charset="0"/>
               </a:rPr>
-              <a:t>In order to add a new core material, users can follow below steps</a:t>
-            </a:r>
-            <a:endParaRPr lang="de-DE" dirty="0">
-              <a:ea typeface="SimSun" panose="02010600030101010101" pitchFamily="2" charset="-122"/>
-              <a:cs typeface="Times New Roman" panose="02020603050405020304" pitchFamily="18" charset="0"/>
-            </a:endParaRPr>
+              <a:t>In order to add a new core material, users can follow below steps:</a:t>
+            </a:r>
           </a:p>
           <a:p>
             <a:pPr marL="342900" marR="1244600" lvl="0" indent="-342900">
@@ -8175,65 +8082,26 @@
               <a:buAutoNum type="arabicPeriod"/>
             </a:pPr>
             <a:r>
-              <a:rPr lang="en-US" dirty="0">
+              <a:rPr lang="en-US" b="0" dirty="0">
                 <a:ea typeface="SimSun" panose="02010600030101010101" pitchFamily="2" charset="-122"/>
                 <a:cs typeface="Times New Roman" panose="02020603050405020304" pitchFamily="18" charset="0"/>
               </a:rPr>
-              <a:t>Make test run of the ACT to create geometry, this will create file folder </a:t>
-            </a:r>
-            <a:r>
-              <a:rPr lang="en-US" i="1" dirty="0">
+              <a:t>Open ACT and click Custom Library button. It will open folder where you can modify </a:t>
+            </a:r>
+            <a:r>
+              <a:rPr lang="en-US" b="0" dirty="0" err="1">
                 <a:ea typeface="SimSun" panose="02010600030101010101" pitchFamily="2" charset="-122"/>
                 <a:cs typeface="Times New Roman" panose="02020603050405020304" pitchFamily="18" charset="0"/>
               </a:rPr>
-              <a:t>Materials</a:t>
-            </a:r>
-            <a:r>
-              <a:rPr lang="en-US" dirty="0">
+              <a:t>material_properties.json</a:t>
+            </a:r>
+            <a:r>
+              <a:rPr lang="en-US" b="0" dirty="0">
                 <a:ea typeface="SimSun" panose="02010600030101010101" pitchFamily="2" charset="-122"/>
                 <a:cs typeface="Times New Roman" panose="02020603050405020304" pitchFamily="18" charset="0"/>
               </a:rPr>
-              <a:t> and file </a:t>
-            </a:r>
-            <a:r>
-              <a:rPr lang="en-US" i="1" dirty="0" err="1">
-                <a:ea typeface="SimSun" panose="02010600030101010101" pitchFamily="2" charset="-122"/>
-                <a:cs typeface="Times New Roman" panose="02020603050405020304" pitchFamily="18" charset="0"/>
-              </a:rPr>
-              <a:t>matdata.tab</a:t>
-            </a:r>
-            <a:r>
-              <a:rPr lang="en-US" i="1" dirty="0">
-                <a:ea typeface="SimSun" panose="02010600030101010101" pitchFamily="2" charset="-122"/>
-                <a:cs typeface="Times New Roman" panose="02020603050405020304" pitchFamily="18" charset="0"/>
-              </a:rPr>
-              <a:t> </a:t>
-            </a:r>
-            <a:r>
-              <a:rPr lang="en-US" dirty="0">
-                <a:ea typeface="SimSun" panose="02010600030101010101" pitchFamily="2" charset="-122"/>
-                <a:cs typeface="Times New Roman" panose="02020603050405020304" pitchFamily="18" charset="0"/>
-              </a:rPr>
-              <a:t>in </a:t>
-            </a:r>
-            <a:r>
-              <a:rPr lang="en-US" dirty="0" err="1">
-                <a:ea typeface="SimSun" panose="02010600030101010101" pitchFamily="2" charset="-122"/>
-                <a:cs typeface="Times New Roman" panose="02020603050405020304" pitchFamily="18" charset="0"/>
-              </a:rPr>
-              <a:t>personalLib</a:t>
-            </a:r>
-            <a:r>
-              <a:rPr lang="en-US" dirty="0">
-                <a:ea typeface="SimSun" panose="02010600030101010101" pitchFamily="2" charset="-122"/>
-                <a:cs typeface="Times New Roman" panose="02020603050405020304" pitchFamily="18" charset="0"/>
-              </a:rPr>
-              <a:t> folder defined in Electronics Desktop</a:t>
-            </a:r>
-            <a:endParaRPr lang="de-DE" dirty="0">
-              <a:ea typeface="SimSun" panose="02010600030101010101" pitchFamily="2" charset="-122"/>
-              <a:cs typeface="Times New Roman" panose="02020603050405020304" pitchFamily="18" charset="0"/>
-            </a:endParaRPr>
+              <a:t> file to add new materials</a:t>
+            </a:r>
           </a:p>
           <a:p>
             <a:pPr marL="342900" marR="1244600" lvl="0" indent="-342900">
@@ -8250,202 +8118,13 @@
               <a:buAutoNum type="arabicPeriod"/>
             </a:pPr>
             <a:r>
-              <a:rPr lang="en-US" dirty="0">
+              <a:rPr lang="en-US" b="0" dirty="0">
                 <a:ea typeface="SimSun" panose="02010600030101010101" pitchFamily="2" charset="-122"/>
                 <a:cs typeface="Times New Roman" panose="02020603050405020304" pitchFamily="18" charset="0"/>
               </a:rPr>
-              <a:t>Create a tab file for frequency versus permeability for the required core. Sheet Scan option available in Maxwell can help for creation of the tab fil. </a:t>
-            </a:r>
-            <a:endParaRPr lang="de-DE" dirty="0">
-              <a:ea typeface="SimSun" panose="02010600030101010101" pitchFamily="2" charset="-122"/>
-              <a:cs typeface="Times New Roman" panose="02020603050405020304" pitchFamily="18" charset="0"/>
-            </a:endParaRPr>
-          </a:p>
-          <a:p>
-            <a:pPr marL="342900" marR="1244600" lvl="0" indent="-342900">
-              <a:lnSpc>
-                <a:spcPct val="120000"/>
-              </a:lnSpc>
-              <a:spcBef>
-                <a:spcPts val="0"/>
-              </a:spcBef>
-              <a:spcAft>
-                <a:spcPts val="0"/>
-              </a:spcAft>
-              <a:buFont typeface="+mj-lt"/>
-              <a:buAutoNum type="arabicPeriod"/>
-            </a:pPr>
-            <a:r>
-              <a:rPr lang="en-US" dirty="0">
-                <a:ea typeface="SimSun" panose="02010600030101010101" pitchFamily="2" charset="-122"/>
-                <a:cs typeface="Times New Roman" panose="02020603050405020304" pitchFamily="18" charset="0"/>
-              </a:rPr>
-              <a:t>Name the tab file same as the name of the material to be added</a:t>
-            </a:r>
-            <a:endParaRPr lang="de-DE" dirty="0">
-              <a:ea typeface="SimSun" panose="02010600030101010101" pitchFamily="2" charset="-122"/>
-              <a:cs typeface="Times New Roman" panose="02020603050405020304" pitchFamily="18" charset="0"/>
-            </a:endParaRPr>
-          </a:p>
-          <a:p>
-            <a:pPr marL="342900" marR="1244600" lvl="0" indent="-342900">
-              <a:lnSpc>
-                <a:spcPct val="120000"/>
-              </a:lnSpc>
-              <a:spcBef>
-                <a:spcPts val="0"/>
-              </a:spcBef>
-              <a:spcAft>
-                <a:spcPts val="0"/>
-              </a:spcAft>
-              <a:buFont typeface="+mj-lt"/>
-              <a:buAutoNum type="arabicPeriod"/>
-            </a:pPr>
-            <a:r>
-              <a:rPr lang="en-US" dirty="0">
-                <a:ea typeface="SimSun" panose="02010600030101010101" pitchFamily="2" charset="-122"/>
-                <a:cs typeface="Times New Roman" panose="02020603050405020304" pitchFamily="18" charset="0"/>
-              </a:rPr>
-              <a:t>Place the tab file in that folder </a:t>
-            </a:r>
-            <a:r>
-              <a:rPr lang="en-US" i="1" dirty="0">
-                <a:ea typeface="SimSun" panose="02010600030101010101" pitchFamily="2" charset="-122"/>
-                <a:cs typeface="Times New Roman" panose="02020603050405020304" pitchFamily="18" charset="0"/>
-              </a:rPr>
-              <a:t>…\</a:t>
-            </a:r>
-            <a:r>
-              <a:rPr lang="en-US" i="1" dirty="0" err="1">
-                <a:ea typeface="SimSun" panose="02010600030101010101" pitchFamily="2" charset="-122"/>
-                <a:cs typeface="Times New Roman" panose="02020603050405020304" pitchFamily="18" charset="0"/>
-              </a:rPr>
-              <a:t>PersonalLib</a:t>
-            </a:r>
-            <a:r>
-              <a:rPr lang="en-US" i="1" dirty="0">
-                <a:ea typeface="SimSun" panose="02010600030101010101" pitchFamily="2" charset="-122"/>
-                <a:cs typeface="Times New Roman" panose="02020603050405020304" pitchFamily="18" charset="0"/>
-              </a:rPr>
-              <a:t>\Materials</a:t>
-            </a:r>
-            <a:endParaRPr lang="de-DE" dirty="0">
-              <a:ea typeface="SimSun" panose="02010600030101010101" pitchFamily="2" charset="-122"/>
-              <a:cs typeface="Times New Roman" panose="02020603050405020304" pitchFamily="18" charset="0"/>
-            </a:endParaRPr>
-          </a:p>
-          <a:p>
-            <a:pPr marL="342900" marR="1244600" lvl="0" indent="-342900">
-              <a:lnSpc>
-                <a:spcPct val="120000"/>
-              </a:lnSpc>
-              <a:spcBef>
-                <a:spcPts val="0"/>
-              </a:spcBef>
-              <a:spcAft>
-                <a:spcPts val="0"/>
-              </a:spcAft>
-              <a:buFont typeface="+mj-lt"/>
-              <a:buAutoNum type="arabicPeriod"/>
-            </a:pPr>
-            <a:r>
-              <a:rPr lang="en-US" dirty="0">
-                <a:ea typeface="SimSun" panose="02010600030101010101" pitchFamily="2" charset="-122"/>
-                <a:cs typeface="Times New Roman" panose="02020603050405020304" pitchFamily="18" charset="0"/>
-              </a:rPr>
-              <a:t>Open “</a:t>
-            </a:r>
-            <a:r>
-              <a:rPr lang="en-US" dirty="0" err="1">
-                <a:ea typeface="SimSun" panose="02010600030101010101" pitchFamily="2" charset="-122"/>
-                <a:cs typeface="Times New Roman" panose="02020603050405020304" pitchFamily="18" charset="0"/>
-              </a:rPr>
-              <a:t>matdata.tab</a:t>
-            </a:r>
-            <a:r>
-              <a:rPr lang="en-US" dirty="0">
-                <a:ea typeface="SimSun" panose="02010600030101010101" pitchFamily="2" charset="-122"/>
-                <a:cs typeface="Times New Roman" panose="02020603050405020304" pitchFamily="18" charset="0"/>
-              </a:rPr>
-              <a:t>” file in Excel</a:t>
-            </a:r>
-            <a:endParaRPr lang="de-DE" dirty="0">
-              <a:ea typeface="SimSun" panose="02010600030101010101" pitchFamily="2" charset="-122"/>
-              <a:cs typeface="Times New Roman" panose="02020603050405020304" pitchFamily="18" charset="0"/>
-            </a:endParaRPr>
-          </a:p>
-          <a:p>
-            <a:pPr marL="342900" marR="1244600" lvl="0" indent="-342900">
-              <a:lnSpc>
-                <a:spcPct val="120000"/>
-              </a:lnSpc>
-              <a:spcBef>
-                <a:spcPts val="0"/>
-              </a:spcBef>
-              <a:spcAft>
-                <a:spcPts val="0"/>
-              </a:spcAft>
-              <a:buFont typeface="+mj-lt"/>
-              <a:buAutoNum type="arabicPeriod"/>
-            </a:pPr>
-            <a:r>
-              <a:rPr lang="en-US" dirty="0">
-                <a:ea typeface="SimSun" panose="02010600030101010101" pitchFamily="2" charset="-122"/>
-                <a:cs typeface="Times New Roman" panose="02020603050405020304" pitchFamily="18" charset="0"/>
-              </a:rPr>
-              <a:t>Add a row for the material to be added and specify name and other material properties </a:t>
-            </a:r>
-            <a:endParaRPr lang="de-DE" dirty="0">
-              <a:ea typeface="SimSun" panose="02010600030101010101" pitchFamily="2" charset="-122"/>
-              <a:cs typeface="Times New Roman" panose="02020603050405020304" pitchFamily="18" charset="0"/>
-            </a:endParaRPr>
-          </a:p>
-          <a:p>
-            <a:pPr marL="342900" marR="1244600" lvl="0" indent="-342900">
-              <a:lnSpc>
-                <a:spcPct val="120000"/>
-              </a:lnSpc>
-              <a:spcBef>
-                <a:spcPts val="0"/>
-              </a:spcBef>
-              <a:spcAft>
-                <a:spcPts val="0"/>
-              </a:spcAft>
-              <a:buFont typeface="+mj-lt"/>
-              <a:buAutoNum type="arabicPeriod"/>
-            </a:pPr>
-            <a:r>
-              <a:rPr lang="en-US" dirty="0">
-                <a:ea typeface="SimSun" panose="02010600030101010101" pitchFamily="2" charset="-122"/>
-                <a:cs typeface="Times New Roman" panose="02020603050405020304" pitchFamily="18" charset="0"/>
-              </a:rPr>
-              <a:t>Save the file with same name.</a:t>
-            </a:r>
-            <a:endParaRPr lang="de-DE" dirty="0">
-              <a:ea typeface="SimSun" panose="02010600030101010101" pitchFamily="2" charset="-122"/>
-              <a:cs typeface="Times New Roman" panose="02020603050405020304" pitchFamily="18" charset="0"/>
-            </a:endParaRPr>
-          </a:p>
-          <a:p>
-            <a:pPr marL="540385" marR="1244600" indent="228600">
-              <a:lnSpc>
-                <a:spcPct val="120000"/>
-              </a:lnSpc>
-              <a:spcBef>
-                <a:spcPts val="0"/>
-              </a:spcBef>
-              <a:spcAft>
-                <a:spcPts val="0"/>
-              </a:spcAft>
-            </a:pPr>
-            <a:r>
-              <a:rPr lang="en-US" dirty="0">
-                <a:ea typeface="SimSun" panose="02010600030101010101" pitchFamily="2" charset="-122"/>
-                <a:cs typeface="Times New Roman" panose="02020603050405020304" pitchFamily="18" charset="0"/>
-              </a:rPr>
-              <a:t>Once this is done, the material should be available for selection for next run of the ACT</a:t>
-            </a:r>
-            <a:endParaRPr lang="de-DE" dirty="0">
+              <a:t>Add new material respecting JSON syntax. For each material you need to add Conductivity, Steinmetz coefficients (Cm, X, Y), density and permeability versus frequency</a:t>
+            </a:r>
+            <a:endParaRPr lang="de-DE" b="0" dirty="0">
               <a:ea typeface="SimSun" panose="02010600030101010101" pitchFamily="2" charset="-122"/>
               <a:cs typeface="Times New Roman" panose="02020603050405020304" pitchFamily="18" charset="0"/>
             </a:endParaRPr>
@@ -8459,15 +8138,120 @@
           </a:p>
         </p:txBody>
       </p:sp>
+    </p:spTree>
+    <p:extLst>
+      <p:ext uri="{BB962C8B-B14F-4D97-AF65-F5344CB8AC3E}">
+        <p14:creationId xmlns:p14="http://schemas.microsoft.com/office/powerpoint/2010/main" val="705005457"/>
+      </p:ext>
+    </p:extLst>
+  </p:cSld>
+  <p:clrMapOvr>
+    <a:masterClrMapping/>
+  </p:clrMapOvr>
+  <mc:AlternateContent xmlns:mc="http://schemas.openxmlformats.org/markup-compatibility/2006" xmlns:p14="http://schemas.microsoft.com/office/powerpoint/2010/main">
+    <mc:Choice Requires="p14">
+      <p:transition p14:dur="0"/>
+    </mc:Choice>
+    <mc:Fallback xmlns="">
+      <p:transition/>
+    </mc:Fallback>
+  </mc:AlternateContent>
+</p:sld>
+</file>
+
+<file path=ppt/slides/slide16.xml><?xml version="1.0" encoding="utf-8"?>
+<p:sld xmlns:a="http://schemas.openxmlformats.org/drawingml/2006/main" xmlns:r="http://schemas.openxmlformats.org/officeDocument/2006/relationships" xmlns:p="http://schemas.openxmlformats.org/presentationml/2006/main">
+  <p:cSld>
+    <p:spTree>
+      <p:nvGrpSpPr>
+        <p:cNvPr id="1" name=""/>
+        <p:cNvGrpSpPr/>
+        <p:nvPr/>
+      </p:nvGrpSpPr>
+      <p:grpSpPr>
+        <a:xfrm>
+          <a:off x="0" y="0"/>
+          <a:ext cx="0" cy="0"/>
+          <a:chOff x="0" y="0"/>
+          <a:chExt cx="0" cy="0"/>
+        </a:xfrm>
+      </p:grpSpPr>
+      <p:sp>
+        <p:nvSpPr>
+          <p:cNvPr id="3" name="Title 2"/>
+          <p:cNvSpPr>
+            <a:spLocks noGrp="1"/>
+          </p:cNvSpPr>
+          <p:nvPr>
+            <p:ph type="title"/>
+          </p:nvPr>
+        </p:nvSpPr>
+        <p:spPr/>
+        <p:txBody>
+          <a:bodyPr/>
+          <a:lstStyle/>
+          <a:p>
+            <a:r>
+              <a:rPr lang="en-US" sz="2800" dirty="0"/>
+              <a:t>Maxwell Results – Leakage Inductance</a:t>
+            </a:r>
+          </a:p>
+        </p:txBody>
+      </p:sp>
+      <p:sp>
+        <p:nvSpPr>
+          <p:cNvPr id="4" name="Text Placeholder 1"/>
+          <p:cNvSpPr>
+            <a:spLocks noGrp="1"/>
+          </p:cNvSpPr>
+          <p:nvPr>
+            <p:ph type="body" sz="quarter" idx="13"/>
+          </p:nvPr>
+        </p:nvSpPr>
+        <p:spPr>
+          <a:xfrm>
+            <a:off x="434454" y="800099"/>
+            <a:ext cx="8229599" cy="4572000"/>
+          </a:xfrm>
+        </p:spPr>
+        <p:txBody>
+          <a:bodyPr>
+            <a:normAutofit/>
+          </a:bodyPr>
+          <a:lstStyle/>
+          <a:p>
+            <a:pPr>
+              <a:buFont typeface="Arial" panose="020B0604020202020204" pitchFamily="34" charset="0"/>
+              <a:buChar char="•"/>
+            </a:pPr>
+            <a:r>
+              <a:rPr lang="en-US" sz="2000" dirty="0"/>
+              <a:t>ACT will automatically generate Leakage Inductance report for you. It will calculate values between all sides. </a:t>
+            </a:r>
+          </a:p>
+          <a:p>
+            <a:r>
+              <a:rPr lang="en-US" sz="2000" dirty="0"/>
+              <a:t>For example, for 3 sides (primary, secondary, tertiary) you will get a report frequency vs all Leakage values:</a:t>
+            </a:r>
+          </a:p>
+        </p:txBody>
+      </p:sp>
       <p:pic>
         <p:nvPicPr>
-          <p:cNvPr id="10242" name="Picture 2"/>
+          <p:cNvPr id="2" name="Picture 1">
+            <a:extLst>
+              <a:ext uri="{FF2B5EF4-FFF2-40B4-BE49-F238E27FC236}">
+                <a16:creationId xmlns:a16="http://schemas.microsoft.com/office/drawing/2014/main" id="{D91C6053-3FF8-4856-9DB3-ED48BB716EB5}"/>
+              </a:ext>
+            </a:extLst>
+          </p:cNvPr>
           <p:cNvPicPr>
-            <a:picLocks noChangeAspect="1" noChangeArrowheads="1"/>
+            <a:picLocks noChangeAspect="1"/>
           </p:cNvPicPr>
           <p:nvPr/>
         </p:nvPicPr>
-        <p:blipFill rotWithShape="1">
+        <p:blipFill>
           <a:blip r:embed="rId2">
             <a:extLst>
               <a:ext uri="{28A0092B-C50C-407E-A947-70E740481C1C}">
@@ -8475,75 +8259,35 @@
               </a:ext>
             </a:extLst>
           </a:blip>
-          <a:srcRect r="63466" b="53876"/>
+          <a:srcRect/>
           <a:stretch/>
         </p:blipFill>
-        <p:spPr bwMode="auto">
+        <p:spPr>
           <a:xfrm>
-            <a:off x="685800" y="3429000"/>
-            <a:ext cx="3686442" cy="2237144"/>
+            <a:off x="763928" y="4076700"/>
+            <a:ext cx="7570649" cy="1295399"/>
           </a:xfrm>
           <a:prstGeom prst="rect">
             <a:avLst/>
           </a:prstGeom>
-          <a:noFill/>
           <a:ln>
-            <a:noFill/>
+            <a:solidFill>
+              <a:schemeClr val="tx1"/>
+            </a:solidFill>
           </a:ln>
-          <a:extLst>
-            <a:ext uri="{909E8E84-426E-40DD-AFC4-6F175D3DCCD1}">
-              <a14:hiddenFill xmlns:a14="http://schemas.microsoft.com/office/drawing/2010/main">
-                <a:solidFill>
-                  <a:schemeClr val="accent1"/>
-                </a:solidFill>
-              </a14:hiddenFill>
-            </a:ext>
-            <a:ext uri="{91240B29-F687-4F45-9708-019B960494DF}">
-              <a14:hiddenLine xmlns:a14="http://schemas.microsoft.com/office/drawing/2010/main" w="9525">
-                <a:solidFill>
-                  <a:schemeClr val="tx1"/>
-                </a:solidFill>
-                <a:miter lim="800000"/>
-                <a:headEnd/>
-                <a:tailEnd/>
-              </a14:hiddenLine>
-            </a:ext>
-          </a:extLst>
         </p:spPr>
       </p:pic>
-      <p:sp>
-        <p:nvSpPr>
-          <p:cNvPr id="5" name="Rectangle 4"/>
-          <p:cNvSpPr/>
-          <p:nvPr/>
-        </p:nvSpPr>
-        <p:spPr>
-          <a:xfrm>
-            <a:off x="1198831" y="5719050"/>
-            <a:ext cx="2479140" cy="307777"/>
-          </a:xfrm>
-          <a:prstGeom prst="rect">
-            <a:avLst/>
-          </a:prstGeom>
-        </p:spPr>
-        <p:txBody>
-          <a:bodyPr wrap="none">
-            <a:spAutoFit/>
-          </a:bodyPr>
-          <a:lstStyle/>
-          <a:p>
-            <a:r>
-              <a:rPr lang="en-US" sz="1400" b="1" dirty="0"/>
-              <a:t>frequency versus permeability </a:t>
-            </a:r>
-          </a:p>
-        </p:txBody>
-      </p:sp>
       <p:pic>
         <p:nvPicPr>
-          <p:cNvPr id="10243" name="Picture 3"/>
+          <p:cNvPr id="5" name="Picture 4">
+            <a:extLst>
+              <a:ext uri="{FF2B5EF4-FFF2-40B4-BE49-F238E27FC236}">
+                <a16:creationId xmlns:a16="http://schemas.microsoft.com/office/drawing/2014/main" id="{6C6445FD-1BD9-4B5A-8382-1C781A3AE74E}"/>
+              </a:ext>
+            </a:extLst>
+          </p:cNvPr>
           <p:cNvPicPr>
-            <a:picLocks noChangeAspect="1" noChangeArrowheads="1"/>
+            <a:picLocks noChangeAspect="1"/>
           </p:cNvPicPr>
           <p:nvPr/>
         </p:nvPicPr>
@@ -8556,76 +8300,27 @@
             </a:extLst>
           </a:blip>
           <a:srcRect/>
-          <a:stretch>
-            <a:fillRect/>
-          </a:stretch>
+          <a:stretch/>
         </p:blipFill>
-        <p:spPr bwMode="auto">
+        <p:spPr>
           <a:xfrm>
-            <a:off x="5334000" y="3429000"/>
-            <a:ext cx="3558540" cy="2199670"/>
+            <a:off x="786675" y="2438399"/>
+            <a:ext cx="3524984" cy="1295399"/>
           </a:xfrm>
           <a:prstGeom prst="rect">
             <a:avLst/>
           </a:prstGeom>
-          <a:noFill/>
           <a:ln>
-            <a:noFill/>
+            <a:solidFill>
+              <a:schemeClr val="tx1"/>
+            </a:solidFill>
           </a:ln>
-          <a:extLst>
-            <a:ext uri="{909E8E84-426E-40DD-AFC4-6F175D3DCCD1}">
-              <a14:hiddenFill xmlns:a14="http://schemas.microsoft.com/office/drawing/2010/main">
-                <a:solidFill>
-                  <a:schemeClr val="accent1"/>
-                </a:solidFill>
-              </a14:hiddenFill>
-            </a:ext>
-            <a:ext uri="{91240B29-F687-4F45-9708-019B960494DF}">
-              <a14:hiddenLine xmlns:a14="http://schemas.microsoft.com/office/drawing/2010/main" w="9525">
-                <a:solidFill>
-                  <a:schemeClr val="tx1"/>
-                </a:solidFill>
-                <a:miter lim="800000"/>
-                <a:headEnd/>
-                <a:tailEnd/>
-              </a14:hiddenLine>
-            </a:ext>
-          </a:extLst>
         </p:spPr>
       </p:pic>
-      <p:sp>
-        <p:nvSpPr>
-          <p:cNvPr id="8" name="Rectangle 7"/>
-          <p:cNvSpPr/>
-          <p:nvPr/>
-        </p:nvSpPr>
-        <p:spPr>
-          <a:xfrm>
-            <a:off x="6705600" y="5667598"/>
-            <a:ext cx="1098058" cy="307777"/>
-          </a:xfrm>
-          <a:prstGeom prst="rect">
-            <a:avLst/>
-          </a:prstGeom>
-        </p:spPr>
-        <p:txBody>
-          <a:bodyPr wrap="none">
-            <a:spAutoFit/>
-          </a:bodyPr>
-          <a:lstStyle/>
-          <a:p>
-            <a:r>
-              <a:rPr lang="en-US" sz="1400" b="1" dirty="0" err="1"/>
-              <a:t>matdata.tab</a:t>
-            </a:r>
-            <a:endParaRPr lang="en-US" sz="1400" b="1" dirty="0"/>
-          </a:p>
-        </p:txBody>
-      </p:sp>
     </p:spTree>
     <p:extLst>
       <p:ext uri="{BB962C8B-B14F-4D97-AF65-F5344CB8AC3E}">
-        <p14:creationId xmlns:p14="http://schemas.microsoft.com/office/powerpoint/2010/main" val="705005457"/>
+        <p14:creationId xmlns:p14="http://schemas.microsoft.com/office/powerpoint/2010/main" val="123820836"/>
       </p:ext>
     </p:extLst>
   </p:cSld>
@@ -8676,184 +8371,7 @@
           <a:lstStyle/>
           <a:p>
             <a:r>
-              <a:rPr lang="en-US" dirty="0"/>
-              <a:t>Maxwell Results – Leakage Inductance</a:t>
-            </a:r>
-          </a:p>
-        </p:txBody>
-      </p:sp>
-      <p:sp>
-        <p:nvSpPr>
-          <p:cNvPr id="4" name="Text Placeholder 1"/>
-          <p:cNvSpPr>
-            <a:spLocks noGrp="1"/>
-          </p:cNvSpPr>
-          <p:nvPr>
-            <p:ph type="body" sz="quarter" idx="13"/>
-          </p:nvPr>
-        </p:nvSpPr>
-        <p:spPr>
-          <a:xfrm>
-            <a:off x="457199" y="1066800"/>
-            <a:ext cx="8229599" cy="4572000"/>
-          </a:xfrm>
-        </p:spPr>
-        <p:txBody>
-          <a:bodyPr/>
-          <a:lstStyle/>
-          <a:p>
-            <a:pPr>
-              <a:buFont typeface="Arial" panose="020B0604020202020204" pitchFamily="34" charset="0"/>
-              <a:buChar char="•"/>
-            </a:pPr>
-            <a:r>
-              <a:rPr lang="en-US" dirty="0"/>
-              <a:t>ACT will automatically generate Leakage Inductance report for you. It will calculate values between all sides. </a:t>
-            </a:r>
-          </a:p>
-          <a:p>
-            <a:r>
-              <a:rPr lang="en-US" dirty="0"/>
-              <a:t>For example for 3 sides (primary, secondary, tertiary) you will get a report frequency vs all Leakage values:</a:t>
-            </a:r>
-          </a:p>
-        </p:txBody>
-      </p:sp>
-      <p:pic>
-        <p:nvPicPr>
-          <p:cNvPr id="2" name="Picture 1">
-            <a:extLst>
-              <a:ext uri="{FF2B5EF4-FFF2-40B4-BE49-F238E27FC236}">
-                <a16:creationId xmlns:a16="http://schemas.microsoft.com/office/drawing/2014/main" id="{D91C6053-3FF8-4856-9DB3-ED48BB716EB5}"/>
-              </a:ext>
-            </a:extLst>
-          </p:cNvPr>
-          <p:cNvPicPr>
-            <a:picLocks noChangeAspect="1"/>
-          </p:cNvPicPr>
-          <p:nvPr/>
-        </p:nvPicPr>
-        <p:blipFill>
-          <a:blip r:embed="rId2">
-            <a:extLst>
-              <a:ext uri="{28A0092B-C50C-407E-A947-70E740481C1C}">
-                <a14:useLocalDpi xmlns:a14="http://schemas.microsoft.com/office/drawing/2010/main" val="0"/>
-              </a:ext>
-            </a:extLst>
-          </a:blip>
-          <a:srcRect/>
-          <a:stretch/>
-        </p:blipFill>
-        <p:spPr>
-          <a:xfrm>
-            <a:off x="1312413" y="4038600"/>
-            <a:ext cx="6519173" cy="1115483"/>
-          </a:xfrm>
-          <a:prstGeom prst="rect">
-            <a:avLst/>
-          </a:prstGeom>
-          <a:ln>
-            <a:solidFill>
-              <a:schemeClr val="tx1"/>
-            </a:solidFill>
-          </a:ln>
-        </p:spPr>
-      </p:pic>
-      <p:pic>
-        <p:nvPicPr>
-          <p:cNvPr id="5" name="Picture 4">
-            <a:extLst>
-              <a:ext uri="{FF2B5EF4-FFF2-40B4-BE49-F238E27FC236}">
-                <a16:creationId xmlns:a16="http://schemas.microsoft.com/office/drawing/2014/main" id="{6C6445FD-1BD9-4B5A-8382-1C781A3AE74E}"/>
-              </a:ext>
-            </a:extLst>
-          </p:cNvPr>
-          <p:cNvPicPr>
-            <a:picLocks noChangeAspect="1"/>
-          </p:cNvPicPr>
-          <p:nvPr/>
-        </p:nvPicPr>
-        <p:blipFill>
-          <a:blip r:embed="rId3">
-            <a:extLst>
-              <a:ext uri="{28A0092B-C50C-407E-A947-70E740481C1C}">
-                <a14:useLocalDpi xmlns:a14="http://schemas.microsoft.com/office/drawing/2010/main" val="0"/>
-              </a:ext>
-            </a:extLst>
-          </a:blip>
-          <a:srcRect/>
-          <a:stretch/>
-        </p:blipFill>
-        <p:spPr>
-          <a:xfrm>
-            <a:off x="990600" y="2590800"/>
-            <a:ext cx="2695575" cy="990599"/>
-          </a:xfrm>
-          <a:prstGeom prst="rect">
-            <a:avLst/>
-          </a:prstGeom>
-          <a:ln>
-            <a:solidFill>
-              <a:schemeClr val="tx1"/>
-            </a:solidFill>
-          </a:ln>
-        </p:spPr>
-      </p:pic>
-    </p:spTree>
-    <p:extLst>
-      <p:ext uri="{BB962C8B-B14F-4D97-AF65-F5344CB8AC3E}">
-        <p14:creationId xmlns:p14="http://schemas.microsoft.com/office/powerpoint/2010/main" val="123820836"/>
-      </p:ext>
-    </p:extLst>
-  </p:cSld>
-  <p:clrMapOvr>
-    <a:masterClrMapping/>
-  </p:clrMapOvr>
-  <mc:AlternateContent xmlns:mc="http://schemas.openxmlformats.org/markup-compatibility/2006" xmlns:p14="http://schemas.microsoft.com/office/powerpoint/2010/main">
-    <mc:Choice Requires="p14">
-      <p:transition p14:dur="0"/>
-    </mc:Choice>
-    <mc:Fallback xmlns="">
-      <p:transition/>
-    </mc:Fallback>
-  </mc:AlternateContent>
-</p:sld>
-</file>
-
-<file path=ppt/slides/slide18.xml><?xml version="1.0" encoding="utf-8"?>
-<p:sld xmlns:a="http://schemas.openxmlformats.org/drawingml/2006/main" xmlns:r="http://schemas.openxmlformats.org/officeDocument/2006/relationships" xmlns:p="http://schemas.openxmlformats.org/presentationml/2006/main">
-  <p:cSld>
-    <p:spTree>
-      <p:nvGrpSpPr>
-        <p:cNvPr id="1" name=""/>
-        <p:cNvGrpSpPr/>
-        <p:nvPr/>
-      </p:nvGrpSpPr>
-      <p:grpSpPr>
-        <a:xfrm>
-          <a:off x="0" y="0"/>
-          <a:ext cx="0" cy="0"/>
-          <a:chOff x="0" y="0"/>
-          <a:chExt cx="0" cy="0"/>
-        </a:xfrm>
-      </p:grpSpPr>
-      <p:sp>
-        <p:nvSpPr>
-          <p:cNvPr id="3" name="Title 2"/>
-          <p:cNvSpPr>
-            <a:spLocks noGrp="1"/>
-          </p:cNvSpPr>
-          <p:nvPr>
-            <p:ph type="title"/>
-          </p:nvPr>
-        </p:nvSpPr>
-        <p:spPr/>
-        <p:txBody>
-          <a:bodyPr/>
-          <a:lstStyle/>
-          <a:p>
-            <a:r>
-              <a:rPr lang="en-US" dirty="0"/>
+              <a:rPr lang="en-US" sz="2800" dirty="0"/>
               <a:t>Maxwell Results - Plots</a:t>
             </a:r>
           </a:p>
@@ -8885,7 +8403,7 @@
               <a:buNone/>
             </a:pPr>
             <a:r>
-              <a:rPr lang="en-US" sz="1800" b="0" dirty="0"/>
+              <a:rPr lang="en-US" sz="2000" b="0" dirty="0"/>
               <a:t>ACT will automatically create plots </a:t>
             </a:r>
           </a:p>
@@ -8895,15 +8413,15 @@
               <a:buAutoNum type="arabicPeriod"/>
             </a:pPr>
             <a:r>
-              <a:rPr lang="en-US" sz="1800" b="0" dirty="0" err="1"/>
+              <a:rPr lang="en-US" sz="2000" b="0" dirty="0" err="1"/>
               <a:t>MagJ</a:t>
             </a:r>
             <a:r>
-              <a:rPr lang="en-US" dirty="0"/>
+              <a:rPr lang="en-US" sz="2000" dirty="0"/>
               <a:t>, Ohmic Losses</a:t>
             </a:r>
             <a:r>
-              <a:rPr lang="en-US" sz="1800" b="0" dirty="0"/>
+              <a:rPr lang="en-US" sz="2000" b="0" dirty="0"/>
               <a:t> for Windings </a:t>
             </a:r>
           </a:p>
@@ -8913,11 +8431,11 @@
               <a:buAutoNum type="arabicPeriod"/>
             </a:pPr>
             <a:r>
-              <a:rPr lang="en-US" sz="1800" b="0" dirty="0" err="1"/>
+              <a:rPr lang="en-US" sz="2000" b="0" dirty="0" err="1"/>
               <a:t>MagB</a:t>
             </a:r>
             <a:r>
-              <a:rPr lang="en-US" sz="1800" b="0" dirty="0"/>
+              <a:rPr lang="en-US" sz="2000" b="0" dirty="0"/>
               <a:t>, Core Losses for the Core</a:t>
             </a:r>
           </a:p>
@@ -8972,8 +8490,8 @@
         </p:blipFill>
         <p:spPr>
           <a:xfrm>
-            <a:off x="5410200" y="629126"/>
-            <a:ext cx="1676400" cy="1332548"/>
+            <a:off x="5638800" y="304800"/>
+            <a:ext cx="2057400" cy="1635400"/>
           </a:xfrm>
           <a:prstGeom prst="rect">
             <a:avLst/>
@@ -9006,7 +8524,7 @@
 </p:sld>
 </file>
 
-<file path=ppt/slides/slide19.xml><?xml version="1.0" encoding="utf-8"?>
+<file path=ppt/slides/slide18.xml><?xml version="1.0" encoding="utf-8"?>
 <p:sld xmlns:a="http://schemas.openxmlformats.org/drawingml/2006/main" xmlns:r="http://schemas.openxmlformats.org/officeDocument/2006/relationships" xmlns:p="http://schemas.openxmlformats.org/presentationml/2006/main">
   <p:cSld>
     <p:spTree>
@@ -9039,49 +8557,9 @@
           <a:lstStyle/>
           <a:p>
             <a:r>
-              <a:rPr lang="en-US" dirty="0"/>
+              <a:rPr lang="en-US" sz="2800" dirty="0"/>
               <a:t>Maxwell Results – Matrix and Netlist</a:t>
             </a:r>
-          </a:p>
-        </p:txBody>
-      </p:sp>
-      <p:sp>
-        <p:nvSpPr>
-          <p:cNvPr id="2" name="Text Placeholder 1"/>
-          <p:cNvSpPr>
-            <a:spLocks noGrp="1"/>
-          </p:cNvSpPr>
-          <p:nvPr>
-            <p:ph type="body" sz="quarter" idx="13"/>
-          </p:nvPr>
-        </p:nvSpPr>
-        <p:spPr>
-          <a:xfrm>
-            <a:off x="533400" y="715485"/>
-            <a:ext cx="4838373" cy="413831"/>
-          </a:xfrm>
-        </p:spPr>
-        <p:txBody>
-          <a:bodyPr>
-            <a:normAutofit/>
-          </a:bodyPr>
-          <a:lstStyle/>
-          <a:p>
-            <a:pPr>
-              <a:buFont typeface="Arial" panose="020B0604020202020204" pitchFamily="34" charset="0"/>
-              <a:buChar char="•"/>
-            </a:pPr>
-            <a:r>
-              <a:rPr lang="en-US" sz="1800" dirty="0"/>
-              <a:t>Impedance Matrix results at solved frequencies</a:t>
-            </a:r>
-          </a:p>
-          <a:p>
-            <a:pPr>
-              <a:buFont typeface="Arial" panose="020B0604020202020204" pitchFamily="34" charset="0"/>
-              <a:buChar char="•"/>
-            </a:pPr>
-            <a:endParaRPr lang="en-US" sz="1800" dirty="0"/>
           </a:p>
         </p:txBody>
       </p:sp>
@@ -9112,9 +8590,10 @@
           <a:prstGeom prst="rect">
             <a:avLst/>
           </a:prstGeom>
-          <a:noFill/>
           <a:ln>
-            <a:noFill/>
+            <a:solidFill>
+              <a:schemeClr val="tx1"/>
+            </a:solidFill>
           </a:ln>
           <a:extLst>
             <a:ext uri="{909E8E84-426E-40DD-AFC4-6F175D3DCCD1}">
@@ -9166,9 +8645,10 @@
           <a:prstGeom prst="rect">
             <a:avLst/>
           </a:prstGeom>
-          <a:noFill/>
           <a:ln>
-            <a:noFill/>
+            <a:solidFill>
+              <a:schemeClr val="tx1"/>
+            </a:solidFill>
           </a:ln>
           <a:extLst>
             <a:ext uri="{909E8E84-426E-40DD-AFC4-6F175D3DCCD1}">
@@ -9213,14 +8693,14 @@
           <a:lstStyle/>
           <a:p>
             <a:r>
-              <a:rPr lang="en-US" b="1" u="sng" dirty="0"/>
+              <a:rPr lang="en-US" u="sng" dirty="0"/>
               <a:t>Maxwell to </a:t>
             </a:r>
             <a:r>
-              <a:rPr lang="en-US" b="1" u="sng" dirty="0" err="1"/>
+              <a:rPr lang="en-US" u="sng" dirty="0" err="1"/>
               <a:t>Simplorer</a:t>
             </a:r>
-            <a:endParaRPr lang="en-US" b="1" u="sng" dirty="0"/>
+            <a:endParaRPr lang="en-US" u="sng" dirty="0"/>
           </a:p>
         </p:txBody>
       </p:sp>
@@ -9251,9 +8731,10 @@
           <a:prstGeom prst="rect">
             <a:avLst/>
           </a:prstGeom>
-          <a:noFill/>
           <a:ln>
-            <a:noFill/>
+            <a:solidFill>
+              <a:schemeClr val="tx1"/>
+            </a:solidFill>
           </a:ln>
           <a:extLst>
             <a:ext uri="{909E8E84-426E-40DD-AFC4-6F175D3DCCD1}">
@@ -9298,14 +8779,14 @@
           <a:lstStyle/>
           <a:p>
             <a:r>
-              <a:rPr lang="en-US" b="1" u="sng" dirty="0"/>
+              <a:rPr lang="en-US" u="sng" dirty="0"/>
               <a:t>Maxwell to </a:t>
             </a:r>
             <a:r>
-              <a:rPr lang="en-US" b="1" u="sng" dirty="0" err="1"/>
+              <a:rPr lang="en-US" u="sng" dirty="0" err="1"/>
               <a:t>PSpice</a:t>
             </a:r>
-            <a:endParaRPr lang="en-US" b="1" u="sng" dirty="0"/>
+            <a:endParaRPr lang="en-US" u="sng" dirty="0"/>
           </a:p>
         </p:txBody>
       </p:sp>
@@ -9323,8 +8804,8 @@
         </p:nvSpPr>
         <p:spPr>
           <a:xfrm>
-            <a:off x="190325" y="3590165"/>
-            <a:ext cx="5410200" cy="2308324"/>
+            <a:off x="191859" y="660559"/>
+            <a:ext cx="5410200" cy="5078313"/>
           </a:xfrm>
           <a:prstGeom prst="rect">
             <a:avLst/>
@@ -9342,6 +8823,79 @@
             </a:pPr>
             <a:r>
               <a:rPr lang="en-US" dirty="0"/>
+              <a:t>Impedance Matrix results at solved frequencies</a:t>
+            </a:r>
+          </a:p>
+          <a:p>
+            <a:pPr marL="285750" indent="-285750" algn="just">
+              <a:buFont typeface="Arial" panose="020B0604020202020204" pitchFamily="34" charset="0"/>
+              <a:buChar char="•"/>
+            </a:pPr>
+            <a:endParaRPr lang="en-US" dirty="0"/>
+          </a:p>
+          <a:p>
+            <a:pPr marL="285750" indent="-285750" algn="just">
+              <a:buFont typeface="Arial" panose="020B0604020202020204" pitchFamily="34" charset="0"/>
+              <a:buChar char="•"/>
+            </a:pPr>
+            <a:endParaRPr lang="en-US" dirty="0"/>
+          </a:p>
+          <a:p>
+            <a:pPr marL="285750" indent="-285750" algn="just">
+              <a:buFont typeface="Arial" panose="020B0604020202020204" pitchFamily="34" charset="0"/>
+              <a:buChar char="•"/>
+            </a:pPr>
+            <a:endParaRPr lang="en-US" dirty="0"/>
+          </a:p>
+          <a:p>
+            <a:pPr marL="285750" indent="-285750" algn="just">
+              <a:buFont typeface="Arial" panose="020B0604020202020204" pitchFamily="34" charset="0"/>
+              <a:buChar char="•"/>
+            </a:pPr>
+            <a:endParaRPr lang="en-US" dirty="0"/>
+          </a:p>
+          <a:p>
+            <a:pPr marL="285750" indent="-285750" algn="just">
+              <a:buFont typeface="Arial" panose="020B0604020202020204" pitchFamily="34" charset="0"/>
+              <a:buChar char="•"/>
+            </a:pPr>
+            <a:endParaRPr lang="en-US" dirty="0"/>
+          </a:p>
+          <a:p>
+            <a:pPr marL="285750" indent="-285750" algn="just">
+              <a:buFont typeface="Arial" panose="020B0604020202020204" pitchFamily="34" charset="0"/>
+              <a:buChar char="•"/>
+            </a:pPr>
+            <a:endParaRPr lang="en-US" dirty="0"/>
+          </a:p>
+          <a:p>
+            <a:pPr marL="285750" indent="-285750" algn="just">
+              <a:buFont typeface="Arial" panose="020B0604020202020204" pitchFamily="34" charset="0"/>
+              <a:buChar char="•"/>
+            </a:pPr>
+            <a:endParaRPr lang="en-US" dirty="0"/>
+          </a:p>
+          <a:p>
+            <a:pPr marL="285750" indent="-285750" algn="just">
+              <a:buFont typeface="Arial" panose="020B0604020202020204" pitchFamily="34" charset="0"/>
+              <a:buChar char="•"/>
+            </a:pPr>
+            <a:endParaRPr lang="en-US" dirty="0"/>
+          </a:p>
+          <a:p>
+            <a:pPr marL="285750" indent="-285750" algn="just">
+              <a:buFont typeface="Arial" panose="020B0604020202020204" pitchFamily="34" charset="0"/>
+              <a:buChar char="•"/>
+            </a:pPr>
+            <a:endParaRPr lang="en-US" dirty="0"/>
+          </a:p>
+          <a:p>
+            <a:pPr marL="285750" indent="-285750" algn="just">
+              <a:buFont typeface="Arial" panose="020B0604020202020204" pitchFamily="34" charset="0"/>
+              <a:buChar char="•"/>
+            </a:pPr>
+            <a:r>
+              <a:rPr lang="en-US" dirty="0"/>
               <a:t>Frequency dependent State Space model can be imported into </a:t>
             </a:r>
             <a:r>
@@ -9399,6 +8953,244 @@
     <p:extLst>
       <p:ext uri="{BB962C8B-B14F-4D97-AF65-F5344CB8AC3E}">
         <p14:creationId xmlns:p14="http://schemas.microsoft.com/office/powerpoint/2010/main" val="1844526236"/>
+      </p:ext>
+    </p:extLst>
+  </p:cSld>
+  <p:clrMapOvr>
+    <a:masterClrMapping/>
+  </p:clrMapOvr>
+  <mc:AlternateContent xmlns:mc="http://schemas.openxmlformats.org/markup-compatibility/2006" xmlns:p14="http://schemas.microsoft.com/office/powerpoint/2010/main">
+    <mc:Choice Requires="p14">
+      <p:transition p14:dur="0"/>
+    </mc:Choice>
+    <mc:Fallback xmlns="">
+      <p:transition/>
+    </mc:Fallback>
+  </mc:AlternateContent>
+</p:sld>
+</file>
+
+<file path=ppt/slides/slide19.xml><?xml version="1.0" encoding="utf-8"?>
+<p:sld xmlns:a="http://schemas.openxmlformats.org/drawingml/2006/main" xmlns:r="http://schemas.openxmlformats.org/officeDocument/2006/relationships" xmlns:p="http://schemas.openxmlformats.org/presentationml/2006/main">
+  <p:cSld>
+    <p:spTree>
+      <p:nvGrpSpPr>
+        <p:cNvPr id="1" name=""/>
+        <p:cNvGrpSpPr/>
+        <p:nvPr/>
+      </p:nvGrpSpPr>
+      <p:grpSpPr>
+        <a:xfrm>
+          <a:off x="0" y="0"/>
+          <a:ext cx="0" cy="0"/>
+          <a:chOff x="0" y="0"/>
+          <a:chExt cx="0" cy="0"/>
+        </a:xfrm>
+      </p:grpSpPr>
+      <p:sp>
+        <p:nvSpPr>
+          <p:cNvPr id="3" name="Title 2"/>
+          <p:cNvSpPr>
+            <a:spLocks noGrp="1"/>
+          </p:cNvSpPr>
+          <p:nvPr>
+            <p:ph type="title"/>
+          </p:nvPr>
+        </p:nvSpPr>
+        <p:spPr/>
+        <p:txBody>
+          <a:bodyPr/>
+          <a:lstStyle/>
+          <a:p>
+            <a:r>
+              <a:rPr lang="en-US" sz="2800" dirty="0"/>
+              <a:t>Help</a:t>
+            </a:r>
+          </a:p>
+        </p:txBody>
+      </p:sp>
+      <p:sp>
+        <p:nvSpPr>
+          <p:cNvPr id="2" name="Text Placeholder 1"/>
+          <p:cNvSpPr>
+            <a:spLocks noGrp="1"/>
+          </p:cNvSpPr>
+          <p:nvPr>
+            <p:ph type="body" sz="quarter" idx="13"/>
+          </p:nvPr>
+        </p:nvSpPr>
+        <p:spPr>
+          <a:xfrm>
+            <a:off x="322330" y="859339"/>
+            <a:ext cx="2147447" cy="4572000"/>
+          </a:xfrm>
+        </p:spPr>
+        <p:txBody>
+          <a:bodyPr>
+            <a:normAutofit fontScale="92500"/>
+          </a:bodyPr>
+          <a:lstStyle/>
+          <a:p>
+            <a:pPr>
+              <a:buFont typeface="Arial" panose="020B0604020202020204" pitchFamily="34" charset="0"/>
+              <a:buChar char="•"/>
+            </a:pPr>
+            <a:r>
+              <a:rPr lang="en-US" sz="2200" dirty="0"/>
+              <a:t>Help contains information about settings for each step</a:t>
+            </a:r>
+          </a:p>
+          <a:p>
+            <a:r>
+              <a:rPr lang="en-US" sz="2200" dirty="0"/>
+              <a:t>Access with “Help” button on any ACT panel</a:t>
+            </a:r>
+          </a:p>
+          <a:p>
+            <a:pPr>
+              <a:buFont typeface="Arial" panose="020B0604020202020204" pitchFamily="34" charset="0"/>
+              <a:buChar char="•"/>
+            </a:pPr>
+            <a:r>
+              <a:rPr lang="en-US" sz="2200" dirty="0"/>
+              <a:t>It is suggested to read help before starting to work with ACT since this presentation is giving only a short overview of ACT</a:t>
+            </a:r>
+          </a:p>
+          <a:p>
+            <a:pPr>
+              <a:buFont typeface="Arial" panose="020B0604020202020204" pitchFamily="34" charset="0"/>
+              <a:buChar char="•"/>
+            </a:pPr>
+            <a:endParaRPr lang="en-US" sz="1600" dirty="0"/>
+          </a:p>
+        </p:txBody>
+      </p:sp>
+      <p:pic>
+        <p:nvPicPr>
+          <p:cNvPr id="5" name="Picture 4">
+            <a:extLst>
+              <a:ext uri="{FF2B5EF4-FFF2-40B4-BE49-F238E27FC236}">
+                <a16:creationId xmlns:a16="http://schemas.microsoft.com/office/drawing/2014/main" id="{F1D0C4F7-469D-411D-85E1-1DCDAFE637F4}"/>
+              </a:ext>
+            </a:extLst>
+          </p:cNvPr>
+          <p:cNvPicPr>
+            <a:picLocks noChangeAspect="1"/>
+          </p:cNvPicPr>
+          <p:nvPr/>
+        </p:nvPicPr>
+        <p:blipFill>
+          <a:blip r:embed="rId2"/>
+          <a:stretch>
+            <a:fillRect/>
+          </a:stretch>
+        </p:blipFill>
+        <p:spPr>
+          <a:xfrm>
+            <a:off x="6706345" y="381000"/>
+            <a:ext cx="2042808" cy="5715000"/>
+          </a:xfrm>
+          <a:prstGeom prst="rect">
+            <a:avLst/>
+          </a:prstGeom>
+          <a:ln>
+            <a:solidFill>
+              <a:schemeClr val="tx1"/>
+            </a:solidFill>
+          </a:ln>
+        </p:spPr>
+      </p:pic>
+      <p:pic>
+        <p:nvPicPr>
+          <p:cNvPr id="7" name="Picture 6">
+            <a:extLst>
+              <a:ext uri="{FF2B5EF4-FFF2-40B4-BE49-F238E27FC236}">
+                <a16:creationId xmlns:a16="http://schemas.microsoft.com/office/drawing/2014/main" id="{83102059-9F50-43C1-B6BC-34EBB832B676}"/>
+              </a:ext>
+            </a:extLst>
+          </p:cNvPr>
+          <p:cNvPicPr>
+            <a:picLocks noChangeAspect="1"/>
+          </p:cNvPicPr>
+          <p:nvPr/>
+        </p:nvPicPr>
+        <p:blipFill>
+          <a:blip r:embed="rId3"/>
+          <a:stretch>
+            <a:fillRect/>
+          </a:stretch>
+        </p:blipFill>
+        <p:spPr>
+          <a:xfrm>
+            <a:off x="2880708" y="685800"/>
+            <a:ext cx="3382584" cy="4572000"/>
+          </a:xfrm>
+          <a:prstGeom prst="rect">
+            <a:avLst/>
+          </a:prstGeom>
+          <a:ln>
+            <a:solidFill>
+              <a:schemeClr val="tx1"/>
+            </a:solidFill>
+          </a:ln>
+        </p:spPr>
+      </p:pic>
+      <p:sp>
+        <p:nvSpPr>
+          <p:cNvPr id="8" name="Rectangle 7">
+            <a:extLst>
+              <a:ext uri="{FF2B5EF4-FFF2-40B4-BE49-F238E27FC236}">
+                <a16:creationId xmlns:a16="http://schemas.microsoft.com/office/drawing/2014/main" id="{71447813-2B28-4554-BC6D-0B8CEF6EE08B}"/>
+              </a:ext>
+            </a:extLst>
+          </p:cNvPr>
+          <p:cNvSpPr/>
+          <p:nvPr/>
+        </p:nvSpPr>
+        <p:spPr>
+          <a:xfrm>
+            <a:off x="5489916" y="4613312"/>
+            <a:ext cx="437159" cy="234110"/>
+          </a:xfrm>
+          <a:prstGeom prst="rect">
+            <a:avLst/>
+          </a:prstGeom>
+          <a:noFill/>
+          <a:ln w="25400">
+            <a:solidFill>
+              <a:schemeClr val="accent1"/>
+            </a:solidFill>
+          </a:ln>
+        </p:spPr>
+        <p:style>
+          <a:lnRef idx="2">
+            <a:schemeClr val="accent1">
+              <a:shade val="50000"/>
+            </a:schemeClr>
+          </a:lnRef>
+          <a:fillRef idx="1">
+            <a:schemeClr val="accent1"/>
+          </a:fillRef>
+          <a:effectRef idx="0">
+            <a:schemeClr val="accent1"/>
+          </a:effectRef>
+          <a:fontRef idx="minor">
+            <a:schemeClr val="lt1"/>
+          </a:fontRef>
+        </p:style>
+        <p:txBody>
+          <a:bodyPr rtlCol="0" anchor="ctr"/>
+          <a:lstStyle/>
+          <a:p>
+            <a:pPr algn="ctr"/>
+            <a:endParaRPr lang="en-US"/>
+          </a:p>
+        </p:txBody>
+      </p:sp>
+    </p:spTree>
+    <p:extLst>
+      <p:ext uri="{BB962C8B-B14F-4D97-AF65-F5344CB8AC3E}">
+        <p14:creationId xmlns:p14="http://schemas.microsoft.com/office/powerpoint/2010/main" val="3932302574"/>
       </p:ext>
     </p:extLst>
   </p:cSld>
@@ -9467,18 +9259,18 @@
           <a:lstStyle/>
           <a:p>
             <a:r>
-              <a:rPr lang="fr-FR" b="1" dirty="0"/>
+              <a:rPr lang="fr-FR" dirty="0"/>
               <a:t>Copyright and </a:t>
             </a:r>
             <a:r>
-              <a:rPr lang="fr-FR" b="1" dirty="0" err="1"/>
+              <a:rPr lang="fr-FR" dirty="0" err="1"/>
               <a:t>Trademark</a:t>
             </a:r>
             <a:r>
-              <a:rPr lang="fr-FR" b="1" dirty="0"/>
+              <a:rPr lang="fr-FR" dirty="0"/>
               <a:t> Information </a:t>
             </a:r>
-            <a:endParaRPr lang="en-US" b="1" dirty="0"/>
+            <a:endParaRPr lang="en-US" dirty="0"/>
           </a:p>
           <a:p>
             <a:endParaRPr lang="en-US" sz="1600" dirty="0"/>
@@ -9486,7 +9278,7 @@
           <a:p>
             <a:r>
               <a:rPr lang="en-US" sz="1400" dirty="0"/>
-              <a:t>© 2018 ANSYS, Inc. All rights reserved. Unauthorized use, distribution or duplication is prohibited. </a:t>
+              <a:t>© 2020 ANSYS, Inc. All rights reserved. Unauthorized use, distribution or duplication is prohibited. </a:t>
             </a:r>
             <a:endParaRPr lang="fr-FR" sz="1400" dirty="0"/>
           </a:p>
@@ -9505,7 +9297,7 @@
           </a:p>
           <a:p>
             <a:r>
-              <a:rPr lang="en-US" b="1" dirty="0"/>
+              <a:rPr lang="en-US" dirty="0"/>
               <a:t>Disclaimer Notice </a:t>
             </a:r>
           </a:p>
@@ -9552,7 +9344,7 @@
         </p:nvSpPr>
         <p:spPr bwMode="auto">
           <a:xfrm>
-            <a:off x="457200" y="304800"/>
+            <a:off x="609600" y="228600"/>
             <a:ext cx="7126287" cy="412394"/>
           </a:xfrm>
           <a:prstGeom prst="rect">
@@ -9721,10 +9513,10 @@
           <a:p>
             <a:pPr lvl="0"/>
             <a:r>
-              <a:rPr lang="en-US" dirty="0"/>
+              <a:rPr lang="en-US" b="0" dirty="0"/>
               <a:t>Copyright and Trademark Information</a:t>
             </a:r>
-            <a:endParaRPr kumimoji="0" lang="en-US" sz="2800" b="1" i="0" u="none" strike="noStrike" kern="1200" cap="none" spc="0" normalizeH="0" baseline="0" dirty="0">
+            <a:endParaRPr kumimoji="0" lang="en-US" sz="2800" b="0" i="0" u="none" strike="noStrike" kern="1200" cap="none" spc="0" normalizeH="0" baseline="0" dirty="0">
               <a:ln>
                 <a:noFill/>
               </a:ln>
@@ -9782,192 +9574,19 @@
             <p:ph type="title"/>
           </p:nvPr>
         </p:nvSpPr>
-        <p:spPr/>
-        <p:txBody>
-          <a:bodyPr/>
-          <a:lstStyle/>
-          <a:p>
-            <a:r>
-              <a:rPr lang="en-US" dirty="0"/>
-              <a:t>Help</a:t>
-            </a:r>
-          </a:p>
-        </p:txBody>
-      </p:sp>
-      <p:sp>
-        <p:nvSpPr>
-          <p:cNvPr id="2" name="Text Placeholder 1"/>
-          <p:cNvSpPr>
-            <a:spLocks noGrp="1"/>
-          </p:cNvSpPr>
-          <p:nvPr>
-            <p:ph type="body" sz="quarter" idx="13"/>
-          </p:nvPr>
-        </p:nvSpPr>
         <p:spPr>
           <a:xfrm>
-            <a:off x="228601" y="952500"/>
-            <a:ext cx="6248400" cy="4572000"/>
+            <a:off x="381000" y="155753"/>
+            <a:ext cx="7126287" cy="412394"/>
           </a:xfrm>
         </p:spPr>
         <p:txBody>
           <a:bodyPr/>
           <a:lstStyle/>
           <a:p>
-            <a:pPr>
-              <a:buFont typeface="Arial" panose="020B0604020202020204" pitchFamily="34" charset="0"/>
-              <a:buChar char="•"/>
-            </a:pPr>
-            <a:r>
-              <a:rPr lang="en-US" sz="1600" dirty="0"/>
-              <a:t>Help contained exhaustive information about settings on each step. It is recommended to read help before starting to work with ACT since this presentation is giving only a short overview of ACT</a:t>
-            </a:r>
-          </a:p>
-          <a:p>
-            <a:pPr>
-              <a:buFont typeface="Arial" panose="020B0604020202020204" pitchFamily="34" charset="0"/>
-              <a:buChar char="•"/>
-            </a:pPr>
-            <a:r>
-              <a:rPr lang="en-US" sz="1600" dirty="0"/>
-              <a:t>Accessed with “Help” button on any ACT panel</a:t>
-            </a:r>
-          </a:p>
-          <a:p>
-            <a:pPr>
-              <a:buFont typeface="Arial" panose="020B0604020202020204" pitchFamily="34" charset="0"/>
-              <a:buChar char="•"/>
-            </a:pPr>
-            <a:endParaRPr lang="en-US" sz="1600" dirty="0"/>
-          </a:p>
-        </p:txBody>
-      </p:sp>
-      <p:pic>
-        <p:nvPicPr>
-          <p:cNvPr id="4" name="Picture 3">
-            <a:extLst>
-              <a:ext uri="{FF2B5EF4-FFF2-40B4-BE49-F238E27FC236}">
-                <a16:creationId xmlns:a16="http://schemas.microsoft.com/office/drawing/2014/main" id="{73F64A20-BC37-4801-81B9-6B458BB5B65C}"/>
-              </a:ext>
-            </a:extLst>
-          </p:cNvPr>
-          <p:cNvPicPr>
-            <a:picLocks noChangeAspect="1"/>
-          </p:cNvPicPr>
-          <p:nvPr/>
-        </p:nvPicPr>
-        <p:blipFill>
-          <a:blip r:embed="rId2"/>
-          <a:stretch>
-            <a:fillRect/>
-          </a:stretch>
-        </p:blipFill>
-        <p:spPr>
-          <a:xfrm>
-            <a:off x="1828800" y="2057400"/>
-            <a:ext cx="2882900" cy="3834399"/>
-          </a:xfrm>
-          <a:prstGeom prst="rect">
-            <a:avLst/>
-          </a:prstGeom>
-          <a:ln>
-            <a:solidFill>
-              <a:schemeClr val="tx1"/>
-            </a:solidFill>
-          </a:ln>
-        </p:spPr>
-      </p:pic>
-      <p:pic>
-        <p:nvPicPr>
-          <p:cNvPr id="5" name="Picture 4">
-            <a:extLst>
-              <a:ext uri="{FF2B5EF4-FFF2-40B4-BE49-F238E27FC236}">
-                <a16:creationId xmlns:a16="http://schemas.microsoft.com/office/drawing/2014/main" id="{F1D0C4F7-469D-411D-85E1-1DCDAFE637F4}"/>
-              </a:ext>
-            </a:extLst>
-          </p:cNvPr>
-          <p:cNvPicPr>
-            <a:picLocks noChangeAspect="1"/>
-          </p:cNvPicPr>
-          <p:nvPr/>
-        </p:nvPicPr>
-        <p:blipFill>
-          <a:blip r:embed="rId3"/>
-          <a:stretch>
-            <a:fillRect/>
-          </a:stretch>
-        </p:blipFill>
-        <p:spPr>
-          <a:xfrm>
-            <a:off x="6706345" y="381000"/>
-            <a:ext cx="2042808" cy="5715000"/>
-          </a:xfrm>
-          <a:prstGeom prst="rect">
-            <a:avLst/>
-          </a:prstGeom>
-          <a:ln>
-            <a:solidFill>
-              <a:schemeClr val="tx1"/>
-            </a:solidFill>
-          </a:ln>
-        </p:spPr>
-      </p:pic>
-    </p:spTree>
-    <p:extLst>
-      <p:ext uri="{BB962C8B-B14F-4D97-AF65-F5344CB8AC3E}">
-        <p14:creationId xmlns:p14="http://schemas.microsoft.com/office/powerpoint/2010/main" val="3932302574"/>
-      </p:ext>
-    </p:extLst>
-  </p:cSld>
-  <p:clrMapOvr>
-    <a:masterClrMapping/>
-  </p:clrMapOvr>
-  <mc:AlternateContent xmlns:mc="http://schemas.openxmlformats.org/markup-compatibility/2006" xmlns:p14="http://schemas.microsoft.com/office/powerpoint/2010/main">
-    <mc:Choice Requires="p14">
-      <p:transition p14:dur="0"/>
-    </mc:Choice>
-    <mc:Fallback xmlns="">
-      <p:transition/>
-    </mc:Fallback>
-  </mc:AlternateContent>
-</p:sld>
-</file>
-
-<file path=ppt/slides/slide21.xml><?xml version="1.0" encoding="utf-8"?>
-<p:sld xmlns:a="http://schemas.openxmlformats.org/drawingml/2006/main" xmlns:r="http://schemas.openxmlformats.org/officeDocument/2006/relationships" xmlns:p="http://schemas.openxmlformats.org/presentationml/2006/main">
-  <p:cSld>
-    <p:spTree>
-      <p:nvGrpSpPr>
-        <p:cNvPr id="1" name=""/>
-        <p:cNvGrpSpPr/>
-        <p:nvPr/>
-      </p:nvGrpSpPr>
-      <p:grpSpPr>
-        <a:xfrm>
-          <a:off x="0" y="0"/>
-          <a:ext cx="0" cy="0"/>
-          <a:chOff x="0" y="0"/>
-          <a:chExt cx="0" cy="0"/>
-        </a:xfrm>
-      </p:grpSpPr>
-      <p:sp>
-        <p:nvSpPr>
-          <p:cNvPr id="3" name="Title 2"/>
-          <p:cNvSpPr>
-            <a:spLocks noGrp="1"/>
-          </p:cNvSpPr>
-          <p:nvPr>
-            <p:ph type="title"/>
-          </p:nvPr>
-        </p:nvSpPr>
-        <p:spPr/>
-        <p:txBody>
-          <a:bodyPr/>
-          <a:lstStyle/>
-          <a:p>
             <a:r>
               <a:rPr lang="en-US" dirty="0"/>
-              <a:t>Thank you</a:t>
+              <a:t>Issues and Contributions</a:t>
             </a:r>
           </a:p>
         </p:txBody>
@@ -9984,208 +9603,107 @@
         </p:nvSpPr>
         <p:spPr>
           <a:xfrm>
-            <a:off x="609600" y="1905000"/>
-            <a:ext cx="6477000" cy="1143000"/>
+            <a:off x="531564" y="902206"/>
+            <a:ext cx="8001000" cy="4648200"/>
           </a:xfrm>
         </p:spPr>
         <p:txBody>
           <a:bodyPr/>
           <a:lstStyle/>
           <a:p>
+            <a:pPr marL="0" indent="0">
+              <a:buSzPct val="100000"/>
+              <a:buNone/>
+            </a:pPr>
+            <a:r>
+              <a:rPr lang="en-US" dirty="0"/>
+              <a:t>We are glad to see contributors to this project. If you want to add transformer shapes, new materials or any other enhancement please join us on </a:t>
+            </a:r>
+            <a:r>
+              <a:rPr lang="en-US" dirty="0">
+                <a:hlinkClick r:id="rId2"/>
+              </a:rPr>
+              <a:t>GitHub</a:t>
+            </a:r>
+            <a:endParaRPr lang="en-US" dirty="0"/>
+          </a:p>
+          <a:p>
+            <a:pPr marL="0" indent="0">
+              <a:buSzPct val="100000"/>
+              <a:buNone/>
+            </a:pPr>
+            <a:endParaRPr lang="en-US" dirty="0"/>
+          </a:p>
+          <a:p>
+            <a:pPr marL="0" indent="0">
+              <a:buSzPct val="100000"/>
+              <a:buNone/>
+            </a:pPr>
+            <a:r>
+              <a:rPr lang="en-US" dirty="0"/>
+              <a:t>Report any issue or provide feedback related to this app please</a:t>
+            </a:r>
+          </a:p>
+          <a:p>
             <a:pPr>
               <a:buSzPct val="100000"/>
             </a:pPr>
             <a:r>
               <a:rPr lang="en-US" dirty="0"/>
-              <a:t>Maksim </a:t>
-            </a:r>
-            <a:r>
-              <a:rPr lang="en-US" dirty="0" err="1"/>
-              <a:t>Beliaev</a:t>
-            </a:r>
-            <a:r>
-              <a:rPr lang="en-US" dirty="0"/>
-              <a:t> </a:t>
-            </a:r>
-            <a:r>
-              <a:rPr lang="en-GB" i="1" dirty="0">
-                <a:latin typeface="Calibri" pitchFamily="34" charset="0"/>
-                <a:cs typeface="Calibri" pitchFamily="34" charset="0"/>
+              <a:t>Open an issue on </a:t>
+            </a:r>
+            <a:r>
+              <a:rPr lang="en-US" dirty="0">
                 <a:hlinkClick r:id="rId2"/>
               </a:rPr>
+              <a:t>GitHub</a:t>
+            </a:r>
+            <a:endParaRPr lang="en-US" dirty="0"/>
+          </a:p>
+          <a:p>
+            <a:pPr>
+              <a:buSzPct val="100000"/>
+            </a:pPr>
+            <a:r>
+              <a:rPr lang="en-US" dirty="0"/>
+              <a:t>Or contact:</a:t>
+            </a:r>
+          </a:p>
+          <a:p>
+            <a:pPr marL="0" indent="0" algn="ctr">
+              <a:buNone/>
+            </a:pPr>
+            <a:r>
+              <a:rPr lang="fr-FR" i="1" dirty="0"/>
               <a:t>maksim.beliaev@ansys.com</a:t>
             </a:r>
-            <a:endParaRPr lang="en-GB" i="1" dirty="0">
-              <a:latin typeface="Calibri" pitchFamily="34" charset="0"/>
-              <a:cs typeface="Calibri" pitchFamily="34" charset="0"/>
-            </a:endParaRPr>
-          </a:p>
-          <a:p>
-            <a:r>
-              <a:rPr lang="en-US" dirty="0"/>
-              <a:t>Mark </a:t>
-            </a:r>
-            <a:r>
-              <a:rPr lang="en-US" dirty="0" err="1"/>
-              <a:t>Christini</a:t>
-            </a:r>
-            <a:r>
-              <a:rPr lang="en-US" dirty="0"/>
-              <a:t> </a:t>
-            </a:r>
-            <a:r>
-              <a:rPr lang="en-US" i="1" dirty="0">
-                <a:hlinkClick r:id="rId3"/>
-              </a:rPr>
+          </a:p>
+          <a:p>
+            <a:pPr marL="0" indent="0" algn="ctr">
+              <a:buNone/>
+            </a:pPr>
+            <a:r>
+              <a:rPr lang="fr-FR" i="1" dirty="0"/>
               <a:t>mark.christini@ansys.com</a:t>
             </a:r>
-            <a:endParaRPr lang="en-US" i="1" dirty="0"/>
           </a:p>
         </p:txBody>
       </p:sp>
-      <p:pic>
-        <p:nvPicPr>
-          <p:cNvPr id="4" name="Picture 3" descr="C:\Users\cebutor\Desktop\2015 Sales Conference Videos\ACT on Surfer.png"/>
-          <p:cNvPicPr>
-            <a:picLocks noChangeAspect="1" noChangeArrowheads="1"/>
-          </p:cNvPicPr>
-          <p:nvPr/>
-        </p:nvPicPr>
-        <p:blipFill>
-          <a:blip r:embed="rId4" cstate="print">
+      <p:sp>
+        <p:nvSpPr>
+          <p:cNvPr id="4" name="Rectangle 3">
             <a:extLst>
-              <a:ext uri="{BEBA8EAE-BF5A-486C-A8C5-ECC9F3942E4B}">
-                <a14:imgProps xmlns:a14="http://schemas.microsoft.com/office/drawing/2010/main">
-                  <a14:imgLayer r:embed="rId5">
-                    <a14:imgEffect>
-                      <a14:backgroundRemoval t="10000" b="90000" l="10000" r="90000">
-                        <a14:foregroundMark x1="80368" y1="23699" x2="80368" y2="23699"/>
-                        <a14:foregroundMark x1="79550" y1="48844" x2="80368" y2="18497"/>
-                        <a14:foregroundMark x1="52352" y1="38439" x2="76892" y2="17052"/>
-                        <a14:foregroundMark x1="77096" y1="17052" x2="79755" y2="18497"/>
-                        <a14:foregroundMark x1="47444" y1="27168" x2="53988" y2="27168"/>
-                        <a14:foregroundMark x1="44990" y1="26301" x2="55419" y2="26012"/>
-                        <a14:foregroundMark x1="55419" y1="26012" x2="56646" y2="27168"/>
-                        <a14:foregroundMark x1="12679" y1="57514" x2="14315" y2="56936"/>
-                        <a14:foregroundMark x1="14724" y1="57514" x2="15746" y2="58382"/>
-                        <a14:foregroundMark x1="15746" y1="58382" x2="17382" y2="54624"/>
-                        <a14:foregroundMark x1="17382" y1="55491" x2="20654" y2="54046"/>
-                        <a14:foregroundMark x1="20654" y1="54046" x2="22495" y2="59249"/>
-                        <a14:foregroundMark x1="22495" y1="59249" x2="25153" y2="52601"/>
-                        <a14:foregroundMark x1="25358" y1="52601" x2="26585" y2="52601"/>
-                        <a14:foregroundMark x1="26585" y1="52601" x2="28425" y2="41908"/>
-                        <a14:foregroundMark x1="28630" y1="41908" x2="32106" y2="34682"/>
-                        <a14:foregroundMark x1="32106" y1="34682" x2="33538" y2="32370"/>
-                        <a14:foregroundMark x1="33538" y1="32370" x2="29652" y2="31214"/>
-                        <a14:foregroundMark x1="29652" y1="30925" x2="27198" y2="26012"/>
-                        <a14:foregroundMark x1="26994" y1="26012" x2="27812" y2="19653"/>
-                        <a14:foregroundMark x1="27812" y1="19653" x2="31697" y2="16474"/>
-                        <a14:foregroundMark x1="31493" y1="16474" x2="34765" y2="16474"/>
-                        <a14:foregroundMark x1="34765" y1="16474" x2="37219" y2="19364"/>
-                        <a14:foregroundMark x1="37219" y1="19364" x2="39059" y2="22543"/>
-                        <a14:foregroundMark x1="39059" y1="22832" x2="38446" y2="27457"/>
-                        <a14:foregroundMark x1="39468" y1="27168" x2="44990" y2="25434"/>
-                        <a14:foregroundMark x1="39673" y1="26590" x2="41718" y2="24855"/>
-                        <a14:foregroundMark x1="42740" y1="25434" x2="43763" y2="25434"/>
-                        <a14:foregroundMark x1="44785" y1="25145" x2="55624" y2="25434"/>
-                        <a14:foregroundMark x1="56033" y1="25723" x2="57055" y2="26590"/>
-                        <a14:foregroundMark x1="78732" y1="49133" x2="75869" y2="48266"/>
-                        <a14:foregroundMark x1="76278" y1="48555" x2="72188" y2="55491"/>
-                        <a14:foregroundMark x1="71575" y1="56936" x2="66258" y2="63584"/>
-                        <a14:foregroundMark x1="66462" y1="63873" x2="58691" y2="72254"/>
-                        <a14:foregroundMark x1="57873" y1="72543" x2="49080" y2="77457"/>
-                        <a14:foregroundMark x1="48671" y1="78035" x2="40900" y2="82948"/>
-                        <a14:foregroundMark x1="40900" y1="82948" x2="35378" y2="82081"/>
-                        <a14:foregroundMark x1="35378" y1="82081" x2="31084" y2="78902"/>
-                        <a14:foregroundMark x1="31084" y1="78902" x2="27198" y2="70809"/>
-                        <a14:foregroundMark x1="27403" y1="70520" x2="26380" y2="63873"/>
-                        <a14:foregroundMark x1="25971" y1="63873" x2="24744" y2="63295"/>
-                        <a14:foregroundMark x1="24744" y1="63295" x2="20041" y2="65029"/>
-                        <a14:foregroundMark x1="20041" y1="65029" x2="17587" y2="60405"/>
-                        <a14:foregroundMark x1="14110" y1="60694" x2="12065" y2="58092"/>
-                        <a14:foregroundMark x1="66871" y1="49711" x2="65644" y2="48844"/>
-                        <a14:foregroundMark x1="69530" y1="45954" x2="67280" y2="44798"/>
-                        <a14:foregroundMark x1="73006" y1="39017" x2="69939" y2="36994"/>
-                        <a14:backgroundMark x1="34356" y1="84104" x2="25971" y2="77457"/>
-                        <a14:backgroundMark x1="26585" y1="71676" x2="25358" y2="64162"/>
-                        <a14:backgroundMark x1="31288" y1="80058" x2="28630" y2="73988"/>
-                        <a14:backgroundMark x1="28221" y1="75434" x2="26789" y2="67052"/>
-                        <a14:backgroundMark x1="28630" y1="74566" x2="27812" y2="71676"/>
-                        <a14:backgroundMark x1="29448" y1="75434" x2="31493" y2="79191"/>
-                        <a14:backgroundMark x1="31493" y1="79480" x2="34969" y2="82081"/>
-                        <a14:backgroundMark x1="34765" y1="82370" x2="39059" y2="83526"/>
-                        <a14:backgroundMark x1="39264" y1="83815" x2="42331" y2="83237"/>
-                        <a14:backgroundMark x1="26994" y1="70809" x2="26994" y2="70809"/>
-                        <a14:backgroundMark x1="25767" y1="64451" x2="26380" y2="65318"/>
-                        <a14:backgroundMark x1="26380" y1="65318" x2="26585" y2="66474"/>
-                      </a14:backgroundRemoval>
-                    </a14:imgEffect>
-                  </a14:imgLayer>
-                </a14:imgProps>
-              </a:ext>
-              <a:ext uri="{28A0092B-C50C-407E-A947-70E740481C1C}">
-                <a14:useLocalDpi xmlns:a14="http://schemas.microsoft.com/office/drawing/2010/main" val="0"/>
+              <a:ext uri="{FF2B5EF4-FFF2-40B4-BE49-F238E27FC236}">
+                <a16:creationId xmlns:a16="http://schemas.microsoft.com/office/drawing/2014/main" id="{D61E1983-BCEF-4F2F-8B78-6F79DB8C569A}"/>
               </a:ext>
             </a:extLst>
-          </a:blip>
-          <a:srcRect/>
-          <a:stretch>
-            <a:fillRect/>
-          </a:stretch>
-        </p:blipFill>
-        <p:spPr bwMode="auto">
-          <a:xfrm>
-            <a:off x="3200400" y="3276600"/>
-            <a:ext cx="3308412" cy="2340096"/>
-          </a:xfrm>
-          <a:prstGeom prst="rect">
-            <a:avLst/>
-          </a:prstGeom>
-          <a:noFill/>
-          <a:extLst>
-            <a:ext uri="{909E8E84-426E-40DD-AFC4-6F175D3DCCD1}">
-              <a14:hiddenFill xmlns:a14="http://schemas.microsoft.com/office/drawing/2010/main">
-                <a:solidFill>
-                  <a:srgbClr val="FFFFFF"/>
-                </a:solidFill>
-              </a14:hiddenFill>
-            </a:ext>
-          </a:extLst>
-        </p:spPr>
-      </p:pic>
-      <p:pic>
-        <p:nvPicPr>
-          <p:cNvPr id="5" name="Picture 4"/>
-          <p:cNvPicPr>
-            <a:picLocks noChangeAspect="1"/>
-          </p:cNvPicPr>
-          <p:nvPr/>
-        </p:nvPicPr>
-        <p:blipFill>
-          <a:blip r:embed="rId6"/>
-          <a:stretch>
-            <a:fillRect/>
-          </a:stretch>
-        </p:blipFill>
-        <p:spPr>
-          <a:xfrm>
-            <a:off x="6508812" y="170793"/>
-            <a:ext cx="2443440" cy="2170291"/>
-          </a:xfrm>
-          <a:prstGeom prst="rect">
-            <a:avLst/>
-          </a:prstGeom>
-        </p:spPr>
-      </p:pic>
-      <p:sp>
-        <p:nvSpPr>
-          <p:cNvPr id="6" name="Rectangle 5"/>
+          </p:cNvPr>
           <p:cNvSpPr/>
           <p:nvPr/>
         </p:nvSpPr>
         <p:spPr>
           <a:xfrm>
-            <a:off x="892206" y="5616696"/>
+            <a:off x="652749" y="5257800"/>
             <a:ext cx="7924800" cy="553998"/>
           </a:xfrm>
           <a:prstGeom prst="rect">
@@ -10212,12 +9730,13 @@
             </a:endParaRPr>
           </a:p>
           <a:p>
+            <a:pPr algn="ctr"/>
             <a:r>
               <a:rPr lang="en-US" sz="1200" i="1" dirty="0">
                 <a:latin typeface="Tahoma" panose="020B0604030504040204" pitchFamily="34" charset="0"/>
                 <a:ea typeface="Calibri" panose="020F0502020204030204" pitchFamily="34" charset="0"/>
               </a:rPr>
-              <a:t>© 2018 ANSYS, Inc. All rights reserved. Unauthorized use, distribution or duplication is prohibited.</a:t>
+              <a:t>© 2020 ANSYS, Inc. All rights reserved. Unauthorized use, distribution or duplication is prohibited.</a:t>
             </a:r>
             <a:endParaRPr lang="en-US" sz="1200" dirty="0"/>
           </a:p>
@@ -10226,7 +9745,7 @@
     </p:spTree>
     <p:extLst>
       <p:ext uri="{BB962C8B-B14F-4D97-AF65-F5344CB8AC3E}">
-        <p14:creationId xmlns:p14="http://schemas.microsoft.com/office/powerpoint/2010/main" val="1552314841"/>
+        <p14:creationId xmlns:p14="http://schemas.microsoft.com/office/powerpoint/2010/main" val="3425094484"/>
       </p:ext>
     </p:extLst>
   </p:cSld>
@@ -10272,7 +9791,7 @@
           <a:lstStyle/>
           <a:p>
             <a:r>
-              <a:rPr lang="en-US" dirty="0"/>
+              <a:rPr lang="en-US" sz="2800" dirty="0"/>
               <a:t>Electronic Transformer Overview</a:t>
             </a:r>
           </a:p>
@@ -10290,12 +9809,14 @@
         </p:nvSpPr>
         <p:spPr>
           <a:xfrm>
-            <a:off x="381000" y="954450"/>
+            <a:off x="304800" y="838200"/>
             <a:ext cx="8077200" cy="5522549"/>
           </a:xfrm>
         </p:spPr>
         <p:txBody>
-          <a:bodyPr/>
+          <a:bodyPr>
+            <a:normAutofit/>
+          </a:bodyPr>
           <a:lstStyle/>
           <a:p>
             <a:pPr marL="342900" indent="-342900">
@@ -10305,7 +9826,7 @@
               <a:buChar char="•"/>
             </a:pPr>
             <a:r>
-              <a:rPr lang="en-US" sz="1800" b="0" dirty="0"/>
+              <a:rPr lang="en-US" sz="2000" b="0" dirty="0"/>
               <a:t>What does the “Electronic Transformer ACT” do?</a:t>
             </a:r>
           </a:p>
@@ -10316,57 +9837,57 @@
               <a:buChar char="à"/>
             </a:pPr>
             <a:r>
-              <a:rPr lang="en-US" sz="1600" b="0" dirty="0"/>
-              <a:t>It automatically sets up a ready-to-solve Maxwell 3D Eddy Current design for planar magnetic components.  Permeability is </a:t>
-            </a:r>
-            <a:r>
-              <a:rPr lang="en-US" sz="1600" b="0" u="sng" dirty="0"/>
+              <a:rPr lang="en-US" sz="2000" b="0" dirty="0"/>
+              <a:t>It automatically sets up a ready-to-solve Maxwell 3D Eddy Current design for magnetic components.  Permeability is </a:t>
+            </a:r>
+            <a:r>
+              <a:rPr lang="en-US" sz="2000" b="0" u="sng" dirty="0"/>
               <a:t>linear</a:t>
             </a:r>
             <a:r>
-              <a:rPr lang="en-US" sz="1600" b="0" dirty="0"/>
+              <a:rPr lang="en-US" sz="2000" b="0" dirty="0"/>
               <a:t> and </a:t>
             </a:r>
             <a:r>
-              <a:rPr lang="en-US" sz="1600" b="0" u="sng" dirty="0"/>
+              <a:rPr lang="en-US" sz="2000" b="0" u="sng" dirty="0"/>
               <a:t>frequency dependent</a:t>
             </a:r>
             <a:r>
-              <a:rPr lang="en-US" sz="1600" b="0" dirty="0"/>
+              <a:rPr lang="en-US" sz="2000" b="0" dirty="0"/>
               <a:t>.  Steinmetz core loss coefficients are </a:t>
             </a:r>
             <a:r>
-              <a:rPr lang="en-US" sz="1600" b="0" u="sng" dirty="0"/>
+              <a:rPr lang="en-US" sz="2000" b="0" u="sng" dirty="0"/>
               <a:t>frequency dependent</a:t>
             </a:r>
             <a:r>
-              <a:rPr lang="en-US" sz="1600" b="0" dirty="0"/>
-              <a:t>. A frequency dependent state-space model can be created for </a:t>
-            </a:r>
-            <a:r>
-              <a:rPr lang="en-US" sz="1600" b="0" dirty="0" err="1"/>
+              <a:rPr lang="en-US" sz="2000" b="0" dirty="0"/>
+              <a:t>.  A frequency dependent state-space model can be created for </a:t>
+            </a:r>
+            <a:r>
+              <a:rPr lang="en-US" sz="2000" b="0" dirty="0" err="1"/>
               <a:t>Simplorer</a:t>
             </a:r>
             <a:r>
-              <a:rPr lang="en-US" sz="1600" b="0" dirty="0"/>
+              <a:rPr lang="en-US" sz="2000" b="0" dirty="0"/>
               <a:t> (and </a:t>
             </a:r>
             <a:r>
-              <a:rPr lang="en-US" sz="1600" b="0" dirty="0" err="1"/>
+              <a:rPr lang="en-US" sz="2000" b="0" dirty="0" err="1"/>
               <a:t>Pspice</a:t>
             </a:r>
             <a:r>
-              <a:rPr lang="en-US" sz="1600" b="0" dirty="0"/>
-              <a:t>) using Network Data Explorer. </a:t>
-            </a:r>
-          </a:p>
-          <a:p>
-            <a:pPr marL="342900" lvl="1" indent="-342900">
+              <a:rPr lang="en-US" sz="2000" b="0" dirty="0"/>
+              <a:t> using Network Data Explorer). </a:t>
+            </a:r>
+          </a:p>
+          <a:p>
+            <a:pPr>
               <a:buSzPct val="100000"/>
             </a:pPr>
             <a:r>
-              <a:rPr lang="en-US" b="0" dirty="0"/>
-              <a:t>What devices can it model?</a:t>
+              <a:rPr lang="en-US" sz="2000" b="0" dirty="0"/>
+              <a:t>What devices can be modeled?</a:t>
             </a:r>
           </a:p>
           <a:p>
@@ -10376,8 +9897,8 @@
               <a:buChar char="à"/>
             </a:pPr>
             <a:r>
-              <a:rPr lang="en-US" sz="1600" b="0" dirty="0"/>
-              <a:t>It is intended for electronic ferrite core transformers and inductors in the 100kHz range (but NOT for oil-filled transformers in the 50-60Hz range).  </a:t>
+              <a:rPr lang="en-US" sz="2000" b="0" dirty="0"/>
+              <a:t>It is intended for electronic ferrite core transformers and inductors</a:t>
             </a:r>
           </a:p>
           <a:p>
@@ -10388,24 +9909,25 @@
               <a:buChar char="•"/>
             </a:pPr>
             <a:r>
-              <a:rPr lang="en-US" sz="1800" b="0" dirty="0"/>
+              <a:rPr lang="en-US" sz="2000" b="0" dirty="0"/>
               <a:t>How easy is it to use?</a:t>
             </a:r>
           </a:p>
           <a:p>
-            <a:pPr marL="420688" lvl="3" indent="0">
+            <a:pPr marL="763588" lvl="3" indent="-342900">
               <a:buSzPct val="100000"/>
-              <a:buNone/>
+              <a:buFont typeface="Wingdings" panose="05000000000000000000" pitchFamily="2" charset="2"/>
+              <a:buChar char="à"/>
             </a:pPr>
             <a:r>
-              <a:rPr lang="en-US" sz="1600" b="0" dirty="0">
+              <a:rPr lang="en-US" sz="2000" b="0" dirty="0">
                 <a:sym typeface="Wingdings" panose="05000000000000000000" pitchFamily="2" charset="2"/>
               </a:rPr>
-              <a:t> ACT </a:t>
-            </a:r>
-            <a:r>
-              <a:rPr lang="en-US" sz="1600" b="0" dirty="0"/>
-              <a:t>consists of three input steps which can be setup in 10-15 minutes</a:t>
+              <a:t>ACT </a:t>
+            </a:r>
+            <a:r>
+              <a:rPr lang="en-US" sz="2000" b="0" dirty="0"/>
+              <a:t>consists of three input steps which can be setup in 5-10 minutes</a:t>
             </a:r>
           </a:p>
           <a:p>
@@ -10416,7 +9938,7 @@
               <a:buChar char="•"/>
             </a:pPr>
             <a:r>
-              <a:rPr lang="en-US" sz="1800" b="0" dirty="0"/>
+              <a:rPr lang="en-US" sz="2000" b="0" dirty="0"/>
               <a:t>Are any manufacturer libraries included?</a:t>
             </a:r>
           </a:p>
@@ -10427,78 +9949,16 @@
               <a:buChar char="à"/>
             </a:pPr>
             <a:r>
-              <a:rPr lang="en-US" sz="1600" b="0" dirty="0"/>
+              <a:rPr lang="en-US" sz="2000" b="0" dirty="0"/>
               <a:t>Philips and </a:t>
             </a:r>
             <a:r>
-              <a:rPr lang="en-US" sz="1600" b="0" dirty="0" err="1"/>
+              <a:rPr lang="en-US" sz="2000" b="0" dirty="0" err="1"/>
               <a:t>Ferroxcube</a:t>
             </a:r>
             <a:r>
-              <a:rPr lang="en-US" sz="1600" b="0" dirty="0"/>
-              <a:t> with 15 core shapes are included in the initial release. </a:t>
-            </a:r>
-          </a:p>
-          <a:p>
-            <a:pPr lvl="1">
-              <a:buSzPct val="100000"/>
-              <a:buFont typeface="Arial" panose="020B0604020202020204" pitchFamily="34" charset="0"/>
-              <a:buChar char="•"/>
-            </a:pPr>
-            <a:r>
-              <a:rPr lang="en-US" b="0" dirty="0"/>
-              <a:t>How is the “Electronic Transformer ACT” different from </a:t>
-            </a:r>
-            <a:r>
-              <a:rPr lang="en-US" b="0" dirty="0" err="1"/>
-              <a:t>PExprt</a:t>
-            </a:r>
-            <a:r>
-              <a:rPr lang="en-US" b="0" dirty="0"/>
-              <a:t>?</a:t>
-            </a:r>
-          </a:p>
-          <a:p>
-            <a:pPr marL="706438" lvl="3" indent="-285750">
-              <a:buSzPct val="100000"/>
-              <a:buFont typeface="Wingdings"/>
-              <a:buChar char="à"/>
-            </a:pPr>
-            <a:r>
-              <a:rPr lang="en-US" sz="1600" b="0" dirty="0"/>
-              <a:t>The “Electronic Transformer ACT” is a script using only Maxwell 3D (</a:t>
-            </a:r>
-            <a:r>
-              <a:rPr lang="en-US" sz="1600" b="0" dirty="0" err="1"/>
-              <a:t>PExprt</a:t>
-            </a:r>
-            <a:r>
-              <a:rPr lang="en-US" sz="1600" b="0" dirty="0"/>
-              <a:t> uses both 2D and 3D).  It provides only an FEA based solution (</a:t>
-            </a:r>
-            <a:r>
-              <a:rPr lang="en-US" sz="1600" b="0" dirty="0" err="1"/>
-              <a:t>PExprt</a:t>
-            </a:r>
-            <a:r>
-              <a:rPr lang="en-US" sz="1600" b="0" dirty="0"/>
-              <a:t> creates both analytical and FEA based) using pre-defined design inputs (</a:t>
-            </a:r>
-            <a:r>
-              <a:rPr lang="en-US" sz="1600" b="0" dirty="0" err="1"/>
-              <a:t>PExprt</a:t>
-            </a:r>
-            <a:r>
-              <a:rPr lang="en-US" sz="1600" b="0" dirty="0"/>
-              <a:t> totally creates designs).  </a:t>
-            </a:r>
-            <a:r>
-              <a:rPr lang="en-US" sz="1600" b="0" dirty="0" err="1"/>
-              <a:t>Litz</a:t>
-            </a:r>
-            <a:r>
-              <a:rPr lang="en-US" sz="1600" b="0" dirty="0"/>
-              <a:t> and twisted wire cannot be considered in the ETK. Capacitance is not considered in the ETK unless a separate electrostatic design is created manually. </a:t>
+              <a:rPr lang="en-US" sz="2000" b="0" dirty="0"/>
+              <a:t> libraires with 15 core shapes are included in this release </a:t>
             </a:r>
           </a:p>
         </p:txBody>
@@ -10849,86 +10309,6 @@
                       </p:childTnLst>
                     </p:cTn>
                   </p:par>
-                  <p:par>
-                    <p:cTn id="27" fill="hold">
-                      <p:stCondLst>
-                        <p:cond delay="indefinite"/>
-                      </p:stCondLst>
-                      <p:childTnLst>
-                        <p:par>
-                          <p:cTn id="28" fill="hold">
-                            <p:stCondLst>
-                              <p:cond delay="0"/>
-                            </p:stCondLst>
-                            <p:childTnLst>
-                              <p:par>
-                                <p:cTn id="29" presetID="1" presetClass="entr" presetSubtype="0" fill="hold" grpId="0" nodeType="clickEffect">
-                                  <p:stCondLst>
-                                    <p:cond delay="0"/>
-                                  </p:stCondLst>
-                                  <p:childTnLst>
-                                    <p:set>
-                                      <p:cBhvr>
-                                        <p:cTn id="30" dur="1" fill="hold">
-                                          <p:stCondLst>
-                                            <p:cond delay="0"/>
-                                          </p:stCondLst>
-                                        </p:cTn>
-                                        <p:tgtEl>
-                                          <p:spTgt spid="6">
-                                            <p:txEl>
-                                              <p:pRg st="8" end="8"/>
-                                            </p:txEl>
-                                          </p:spTgt>
-                                        </p:tgtEl>
-                                        <p:attrNameLst>
-                                          <p:attrName>style.visibility</p:attrName>
-                                        </p:attrNameLst>
-                                      </p:cBhvr>
-                                      <p:to>
-                                        <p:strVal val="visible"/>
-                                      </p:to>
-                                    </p:set>
-                                  </p:childTnLst>
-                                </p:cTn>
-                              </p:par>
-                              <p:par>
-                                <p:cTn id="31" presetID="1" presetClass="entr" presetSubtype="0" fill="hold" grpId="0" nodeType="withEffect">
-                                  <p:stCondLst>
-                                    <p:cond delay="0"/>
-                                  </p:stCondLst>
-                                  <p:childTnLst>
-                                    <p:set>
-                                      <p:cBhvr>
-                                        <p:cTn id="32" dur="1" fill="hold">
-                                          <p:stCondLst>
-                                            <p:cond delay="0"/>
-                                          </p:stCondLst>
-                                        </p:cTn>
-                                        <p:tgtEl>
-                                          <p:spTgt spid="6">
-                                            <p:txEl>
-                                              <p:pRg st="9" end="9"/>
-                                            </p:txEl>
-                                          </p:spTgt>
-                                        </p:tgtEl>
-                                        <p:attrNameLst>
-                                          <p:attrName>style.visibility</p:attrName>
-                                        </p:attrNameLst>
-                                      </p:cBhvr>
-                                      <p:to>
-                                        <p:strVal val="visible"/>
-                                      </p:to>
-                                    </p:set>
-                                  </p:childTnLst>
-                                </p:cTn>
-                              </p:par>
-                            </p:childTnLst>
-                          </p:cTn>
-                        </p:par>
-                      </p:childTnLst>
-                    </p:cTn>
-                  </p:par>
                 </p:childTnLst>
               </p:cTn>
               <p:prevCondLst>
@@ -10984,14 +10364,27 @@
             <p:ph type="title"/>
           </p:nvPr>
         </p:nvSpPr>
-        <p:spPr/>
+        <p:spPr>
+          <a:xfrm>
+            <a:off x="457201" y="148583"/>
+            <a:ext cx="8229599" cy="448508"/>
+          </a:xfrm>
+        </p:spPr>
         <p:txBody>
           <a:bodyPr/>
           <a:lstStyle/>
           <a:p>
             <a:r>
-              <a:rPr lang="en-US" dirty="0"/>
-              <a:t>Electronic Transformer: What’s new?</a:t>
+              <a:rPr lang="en-US" sz="2800" dirty="0"/>
+              <a:t>Electronic Transformer </a:t>
+            </a:r>
+            <a:r>
+              <a:rPr lang="en-US" sz="2800" b="0" dirty="0"/>
+              <a:t>Release 2021R1</a:t>
+            </a:r>
+            <a:r>
+              <a:rPr lang="en-US" sz="2800" dirty="0"/>
+              <a:t>: What’s new?</a:t>
             </a:r>
           </a:p>
         </p:txBody>
@@ -11008,24 +10401,15 @@
         </p:nvSpPr>
         <p:spPr>
           <a:xfrm>
-            <a:off x="381000" y="954450"/>
-            <a:ext cx="8077200" cy="5522549"/>
+            <a:off x="342900" y="838200"/>
+            <a:ext cx="8343900" cy="5522549"/>
           </a:xfrm>
         </p:spPr>
         <p:txBody>
-          <a:bodyPr/>
+          <a:bodyPr>
+            <a:normAutofit fontScale="92500" lnSpcReduction="20000"/>
+          </a:bodyPr>
           <a:lstStyle/>
-          <a:p>
-            <a:pPr marL="0" indent="0">
-              <a:buClrTx/>
-              <a:buSzPct val="100000"/>
-              <a:buNone/>
-            </a:pPr>
-            <a:r>
-              <a:rPr lang="en-US" sz="1600" b="0" dirty="0"/>
-              <a:t>Release 2021R1</a:t>
-            </a:r>
-          </a:p>
           <a:p>
             <a:pPr marL="342900" indent="-342900">
               <a:buClrTx/>
@@ -11034,16 +10418,16 @@
               <a:buAutoNum type="arabicPeriod"/>
             </a:pPr>
             <a:r>
-              <a:rPr lang="en-US" sz="1600" b="0" dirty="0"/>
-              <a:t>Enabling thermal properties for Windings for further two-way coupling with thermal tools like </a:t>
-            </a:r>
-            <a:r>
-              <a:rPr lang="en-US" sz="1600" b="0" dirty="0" err="1"/>
-              <a:t>Icepak</a:t>
-            </a:r>
-            <a:r>
-              <a:rPr lang="en-US" sz="1600" b="0" dirty="0"/>
-              <a:t> and Fluent</a:t>
+              <a:rPr lang="en-US" sz="2200" b="0" dirty="0"/>
+              <a:t>Number of transformer windings (sides) is unlimited.  Now you can create as many sides as you have layers such as: Primary, Secondary, Tertiary, </a:t>
+            </a:r>
+            <a:r>
+              <a:rPr lang="en-US" sz="2200" b="0" dirty="0" err="1"/>
+              <a:t>etc</a:t>
+            </a:r>
+            <a:r>
+              <a:rPr lang="en-US" sz="2200" b="0" dirty="0"/>
+              <a:t>  </a:t>
             </a:r>
           </a:p>
           <a:p>
@@ -11054,17 +10438,48 @@
               <a:buAutoNum type="arabicPeriod"/>
             </a:pPr>
             <a:r>
-              <a:rPr lang="en-US" sz="1600" b="0" dirty="0"/>
+              <a:rPr lang="en-US" sz="2200" dirty="0"/>
+              <a:t>Winding sides can be connected in arbitrary series or parallel combinations</a:t>
+            </a:r>
+          </a:p>
+          <a:p>
+            <a:pPr marL="342900" indent="-342900">
+              <a:buSzPct val="100000"/>
+              <a:buFont typeface="+mj-lt"/>
+              <a:buAutoNum type="arabicPeriod"/>
+            </a:pPr>
+            <a:r>
+              <a:rPr lang="en-US" sz="2200" dirty="0"/>
+              <a:t>Thermal properties for windings are included for further two-way coupling with thermal tools like </a:t>
+            </a:r>
+            <a:r>
+              <a:rPr lang="en-US" sz="2200" dirty="0" err="1"/>
+              <a:t>Icepak</a:t>
+            </a:r>
+            <a:r>
+              <a:rPr lang="en-US" sz="2200" dirty="0"/>
+              <a:t> and Fluent</a:t>
+            </a:r>
+          </a:p>
+          <a:p>
+            <a:pPr marL="342900" indent="-342900">
+              <a:buSzPct val="100000"/>
+              <a:buFont typeface="+mj-lt"/>
+              <a:buAutoNum type="arabicPeriod"/>
+            </a:pPr>
+            <a:r>
+              <a:rPr lang="en-US" sz="2200" dirty="0"/>
               <a:t>Auto skin layers: if thickness of the conductor is less than 3 values of skin depth then ACT will automatically generate additional layers for </a:t>
             </a:r>
             <a:r>
-              <a:rPr lang="en-US" sz="1600" b="0" dirty="0" err="1"/>
+              <a:rPr lang="en-US" sz="2200" dirty="0" err="1"/>
               <a:t>mesher</a:t>
             </a:r>
             <a:r>
-              <a:rPr lang="en-US" sz="1600" b="0" dirty="0"/>
+              <a:rPr lang="en-US" sz="2200" dirty="0"/>
               <a:t> to capture eddy effects</a:t>
             </a:r>
+            <a:endParaRPr lang="en-US" sz="2200" b="0" dirty="0"/>
           </a:p>
           <a:p>
             <a:pPr marL="342900" indent="-342900">
@@ -11074,16 +10489,8 @@
               <a:buAutoNum type="arabicPeriod"/>
             </a:pPr>
             <a:r>
-              <a:rPr lang="en-US" sz="1600" b="0" dirty="0"/>
-              <a:t>Number of transformer windings (sides) is unlimited (now you can create as many sides as you have layers such as: Primary, Secondary, Tertiary, </a:t>
-            </a:r>
-            <a:r>
-              <a:rPr lang="en-US" sz="1600" b="0" dirty="0" err="1"/>
-              <a:t>etc</a:t>
-            </a:r>
-            <a:r>
-              <a:rPr lang="en-US" sz="1600" b="0" dirty="0"/>
-              <a:t>)</a:t>
+              <a:rPr lang="en-US" sz="2200" b="0" dirty="0"/>
+              <a:t>Calculates leakage inductance between all windings (sides) and automatically creates a report</a:t>
             </a:r>
           </a:p>
           <a:p>
@@ -11094,8 +10501,8 @@
               <a:buAutoNum type="arabicPeriod"/>
             </a:pPr>
             <a:r>
-              <a:rPr lang="en-US" sz="1600" b="0" dirty="0"/>
-              <a:t>Create reports for leakage inductance. Auto report is setup to calculate Leakage between all windings (sides)</a:t>
+              <a:rPr lang="en-US" sz="2200" b="0" dirty="0"/>
+              <a:t>Excitation strategy is expanded. Now you can have a voltage (or current) winding instead of only current sources</a:t>
             </a:r>
           </a:p>
           <a:p>
@@ -11106,8 +10513,8 @@
               <a:buAutoNum type="arabicPeriod"/>
             </a:pPr>
             <a:r>
-              <a:rPr lang="en-US" sz="1600" b="0" dirty="0"/>
-              <a:t>Excitation strategy is expanded. Now you can have a Voltage (or Current) winding instead of current sources</a:t>
+              <a:rPr lang="en-US" sz="2200" b="0" dirty="0"/>
+              <a:t>Load resistance for secondary windings can be input for loaded conditions</a:t>
             </a:r>
           </a:p>
           <a:p>
@@ -11118,8 +10525,16 @@
               <a:buAutoNum type="arabicPeriod"/>
             </a:pPr>
             <a:r>
-              <a:rPr lang="en-US" sz="1600" b="0" dirty="0"/>
-              <a:t>Create field overlays: Mag(J), Ohmic-Loss for windings and Mag(B), Core-Loss for the core</a:t>
+              <a:rPr lang="en-US" sz="2200" b="0" dirty="0"/>
+              <a:t>Creates field overlays: Mag(J), Ohmic-Loss for windings and Mag(B), </a:t>
+            </a:r>
+            <a:r>
+              <a:rPr lang="en-US" sz="2200" b="0" dirty="0" err="1"/>
+              <a:t>Coreloss</a:t>
+            </a:r>
+            <a:r>
+              <a:rPr lang="en-US" sz="2200" b="0" dirty="0"/>
+              <a:t> density  for the core</a:t>
             </a:r>
           </a:p>
           <a:p>
@@ -11130,51 +10545,41 @@
               <a:buAutoNum type="arabicPeriod"/>
             </a:pPr>
             <a:r>
-              <a:rPr lang="en-US" sz="1600" b="1" dirty="0"/>
-              <a:t>By default </a:t>
-            </a:r>
-            <a:r>
-              <a:rPr lang="en-US" sz="1600" b="0" dirty="0"/>
-              <a:t>generates half of the model to reduce simulation time</a:t>
-            </a:r>
-          </a:p>
-        </p:txBody>
-      </p:sp>
-      <p:sp>
-        <p:nvSpPr>
-          <p:cNvPr id="4" name="Rectangle 3">
-            <a:extLst>
-              <a:ext uri="{FF2B5EF4-FFF2-40B4-BE49-F238E27FC236}">
-                <a16:creationId xmlns:a16="http://schemas.microsoft.com/office/drawing/2014/main" id="{7C85EF9A-609F-4884-94FA-6370AF650B36}"/>
-              </a:ext>
-            </a:extLst>
-          </p:cNvPr>
-          <p:cNvSpPr/>
-          <p:nvPr/>
-        </p:nvSpPr>
-        <p:spPr>
-          <a:xfrm>
-            <a:off x="679938" y="5105400"/>
-            <a:ext cx="7239000" cy="338554"/>
-          </a:xfrm>
-          <a:prstGeom prst="rect">
-            <a:avLst/>
-          </a:prstGeom>
-        </p:spPr>
-        <p:txBody>
-          <a:bodyPr wrap="square">
-            <a:spAutoFit/>
-          </a:bodyPr>
-          <a:lstStyle/>
-          <a:p>
-            <a:r>
-              <a:rPr lang="en-US" sz="1600" i="1" kern="0" dirty="0">
-                <a:solidFill>
-                  <a:srgbClr val="FF0000"/>
-                </a:solidFill>
-              </a:rPr>
+              <a:rPr lang="en-US" sz="2200" dirty="0"/>
+              <a:t>By default, </a:t>
+            </a:r>
+            <a:r>
+              <a:rPr lang="en-US" sz="2200" b="0" dirty="0"/>
+              <a:t>simulates a half-model for faster simulation time</a:t>
+            </a:r>
+          </a:p>
+          <a:p>
+            <a:pPr marL="342900" indent="-342900">
+              <a:buClrTx/>
+              <a:buSzPct val="100000"/>
+              <a:buFont typeface="+mj-lt"/>
+              <a:buAutoNum type="arabicPeriod"/>
+            </a:pPr>
+            <a:endParaRPr lang="en-US" sz="2200" dirty="0"/>
+          </a:p>
+          <a:p>
+            <a:pPr marL="0" indent="0">
+              <a:buSzPct val="100000"/>
+              <a:buNone/>
+            </a:pPr>
+            <a:r>
+              <a:rPr lang="en-US" sz="2200" i="1" kern="0" dirty="0"/>
               <a:t>Note: Due to added functionality .tab files from the older versions are not supported</a:t>
             </a:r>
+          </a:p>
+          <a:p>
+            <a:pPr marL="342900" indent="-342900">
+              <a:buClrTx/>
+              <a:buSzPct val="100000"/>
+              <a:buFont typeface="+mj-lt"/>
+              <a:buAutoNum type="arabicPeriod"/>
+            </a:pPr>
+            <a:endParaRPr lang="en-US" sz="1600" b="0" dirty="0"/>
           </a:p>
         </p:txBody>
       </p:sp>
@@ -11596,6 +11001,104 @@
                       </p:childTnLst>
                     </p:cTn>
                   </p:par>
+                  <p:par>
+                    <p:cTn id="35" fill="hold">
+                      <p:stCondLst>
+                        <p:cond delay="indefinite"/>
+                      </p:stCondLst>
+                      <p:childTnLst>
+                        <p:par>
+                          <p:cTn id="36" fill="hold">
+                            <p:stCondLst>
+                              <p:cond delay="0"/>
+                            </p:stCondLst>
+                            <p:childTnLst>
+                              <p:par>
+                                <p:cTn id="37" presetID="1" presetClass="entr" presetSubtype="0" fill="hold" grpId="0" nodeType="clickEffect">
+                                  <p:stCondLst>
+                                    <p:cond delay="0"/>
+                                  </p:stCondLst>
+                                  <p:childTnLst>
+                                    <p:set>
+                                      <p:cBhvr>
+                                        <p:cTn id="38" dur="1" fill="hold">
+                                          <p:stCondLst>
+                                            <p:cond delay="0"/>
+                                          </p:stCondLst>
+                                        </p:cTn>
+                                        <p:tgtEl>
+                                          <p:spTgt spid="6">
+                                            <p:txEl>
+                                              <p:pRg st="8" end="8"/>
+                                            </p:txEl>
+                                          </p:spTgt>
+                                        </p:tgtEl>
+                                        <p:attrNameLst>
+                                          <p:attrName>style.visibility</p:attrName>
+                                        </p:attrNameLst>
+                                      </p:cBhvr>
+                                      <p:to>
+                                        <p:strVal val="visible"/>
+                                      </p:to>
+                                    </p:set>
+                                  </p:childTnLst>
+                                </p:cTn>
+                              </p:par>
+                            </p:childTnLst>
+                          </p:cTn>
+                        </p:par>
+                      </p:childTnLst>
+                    </p:cTn>
+                  </p:par>
+                  <p:par>
+                    <p:cTn id="39" fill="hold">
+                      <p:stCondLst>
+                        <p:cond delay="indefinite"/>
+                      </p:stCondLst>
+                      <p:childTnLst>
+                        <p:par>
+                          <p:cTn id="40" fill="hold">
+                            <p:stCondLst>
+                              <p:cond delay="0"/>
+                            </p:stCondLst>
+                            <p:childTnLst>
+                              <p:par>
+                                <p:cTn id="41" presetID="1" presetClass="entr" presetSubtype="0" fill="hold" grpId="0" nodeType="clickEffect">
+                                  <p:stCondLst>
+                                    <p:cond delay="0"/>
+                                  </p:stCondLst>
+                                  <p:childTnLst>
+                                    <p:set>
+                                      <p:cBhvr>
+                                        <p:cTn id="42" dur="1" fill="hold">
+                                          <p:stCondLst>
+                                            <p:cond delay="0"/>
+                                          </p:stCondLst>
+                                        </p:cTn>
+                                        <p:tgtEl>
+                                          <p:spTgt spid="6">
+                                            <p:txEl>
+                                              <p:pRg st="10" end="10"/>
+                                            </p:txEl>
+                                          </p:spTgt>
+                                        </p:tgtEl>
+                                        <p:attrNameLst>
+                                          <p:attrName>style.visibility</p:attrName>
+                                        </p:attrNameLst>
+                                      </p:cBhvr>
+                                      <p:to>
+                                        <p:strVal val="visible"/>
+                                      </p:to>
+                                    </p:set>
+                                  </p:childTnLst>
+                                </p:cTn>
+                              </p:par>
+                            </p:childTnLst>
+                          </p:cTn>
+                        </p:par>
+                      </p:childTnLst>
+                    </p:cTn>
+                  </p:par>
                 </p:childTnLst>
               </p:cTn>
               <p:prevCondLst>
@@ -11653,7 +11156,7 @@
         </p:nvSpPr>
         <p:spPr>
           <a:xfrm>
-            <a:off x="381000" y="231953"/>
+            <a:off x="457200" y="152400"/>
             <a:ext cx="7126287" cy="412394"/>
           </a:xfrm>
         </p:spPr>
@@ -11663,14 +11166,26 @@
           <a:p>
             <a:r>
               <a:rPr lang="en-US" dirty="0"/>
-              <a:t>ACT App Store</a:t>
-            </a:r>
+              <a:t>Install the Extension</a:t>
+            </a:r>
+            <a:br>
+              <a:rPr lang="en-US" dirty="0">
+                <a:solidFill>
+                  <a:srgbClr val="FF0000"/>
+                </a:solidFill>
+              </a:rPr>
+            </a:br>
+            <a:endParaRPr lang="en-US" sz="2000" dirty="0">
+              <a:solidFill>
+                <a:srgbClr val="FF0000"/>
+              </a:solidFill>
+            </a:endParaRPr>
           </a:p>
         </p:txBody>
       </p:sp>
       <p:sp>
         <p:nvSpPr>
-          <p:cNvPr id="2" name="Text Placeholder 1"/>
+          <p:cNvPr id="4" name="Text Placeholder 3"/>
           <p:cNvSpPr>
             <a:spLocks noGrp="1"/>
           </p:cNvSpPr>
@@ -11680,109 +11195,93 @@
         </p:nvSpPr>
         <p:spPr>
           <a:xfrm>
-            <a:off x="533400" y="1600200"/>
-            <a:ext cx="8001000" cy="3886200"/>
+            <a:off x="312174" y="990600"/>
+            <a:ext cx="4031226" cy="5486400"/>
           </a:xfrm>
         </p:spPr>
         <p:txBody>
-          <a:bodyPr>
-            <a:normAutofit/>
-          </a:bodyPr>
+          <a:bodyPr/>
           <a:lstStyle/>
           <a:p>
-            <a:pPr>
-              <a:buSzPct val="100000"/>
+            <a:r>
+              <a:rPr lang="en-US" sz="2000" dirty="0"/>
+              <a:t>Open Electronics Desktop and activate the ACT through</a:t>
+            </a:r>
+          </a:p>
+          <a:p>
+            <a:pPr marL="228600" lvl="1" indent="0">
+              <a:buNone/>
             </a:pPr>
             <a:r>
-              <a:rPr lang="fr-FR" i="1" dirty="0">
+              <a:rPr lang="en-US" sz="2000" dirty="0"/>
+              <a:t>View -&gt; ACT Extensions</a:t>
+            </a:r>
+          </a:p>
+          <a:p>
+            <a:r>
+              <a:rPr lang="en-US" sz="2000" dirty="0"/>
+              <a:t>You can download latest release of Electronic Transformer ACT from </a:t>
+            </a:r>
+            <a:r>
+              <a:rPr lang="en-US" sz="2000" dirty="0">
                 <a:hlinkClick r:id="rId2"/>
               </a:rPr>
-              <a:t>https://catalog.ansys.com/</a:t>
-            </a:r>
-            <a:endParaRPr lang="fr-FR" i="1" dirty="0"/>
-          </a:p>
-          <a:p>
-            <a:pPr>
-              <a:buSzPct val="100000"/>
-            </a:pPr>
-            <a:r>
-              <a:rPr lang="en-US" dirty="0"/>
-              <a:t>Great place to get started</a:t>
-            </a:r>
-            <a:endParaRPr lang="fr-FR" sz="2400" b="0" dirty="0"/>
-          </a:p>
-          <a:p>
-            <a:pPr lvl="1"/>
-            <a:r>
-              <a:rPr lang="en-US" sz="2000" b="0" dirty="0"/>
-              <a:t>A library of helpful applications available to any ANSYS customer</a:t>
-            </a:r>
-            <a:endParaRPr lang="fr-FR" sz="2000" b="0" dirty="0"/>
-          </a:p>
-          <a:p>
-            <a:pPr lvl="1"/>
-            <a:r>
-              <a:rPr lang="fr-FR" sz="2000" b="0" dirty="0"/>
-              <a:t>New </a:t>
-            </a:r>
-            <a:r>
-              <a:rPr lang="fr-FR" sz="2000" b="0" dirty="0" err="1"/>
-              <a:t>apps</a:t>
-            </a:r>
-            <a:r>
-              <a:rPr lang="fr-FR" sz="2000" b="0" dirty="0"/>
-              <a:t> </a:t>
-            </a:r>
-            <a:r>
-              <a:rPr lang="en-US" sz="2000" b="0" dirty="0"/>
-              <a:t>added regularly</a:t>
-            </a:r>
-            <a:endParaRPr lang="en-US" sz="1000" b="0" dirty="0"/>
-          </a:p>
-          <a:p>
-            <a:pPr lvl="1"/>
-            <a:r>
-              <a:rPr lang="en-US" sz="2000" b="0" dirty="0"/>
-              <a:t>Applications made available in either binary format (.</a:t>
-            </a:r>
-            <a:r>
-              <a:rPr lang="en-US" sz="2000" b="0" dirty="0" err="1"/>
-              <a:t>wbex</a:t>
-            </a:r>
-            <a:r>
-              <a:rPr lang="en-US" sz="2000" b="0" dirty="0"/>
-              <a:t> file) or binary plus scripted format (Python and XML files)</a:t>
-            </a:r>
-          </a:p>
-          <a:p>
-            <a:pPr lvl="1"/>
-            <a:r>
-              <a:rPr lang="en-US" sz="2000" b="0" dirty="0"/>
-              <a:t>Scripted extensions are great examples</a:t>
-            </a:r>
-          </a:p>
-          <a:p>
-            <a:pPr lvl="1"/>
-            <a:r>
-              <a:rPr lang="en-US" sz="2000" b="0" dirty="0"/>
-              <a:t>Documentation and training materials available on the ANSYS Customer Portal: </a:t>
-            </a:r>
-            <a:r>
-              <a:rPr lang="en-US" sz="2000" b="0" dirty="0">
+              <a:t>GitHub</a:t>
+            </a:r>
+            <a:r>
+              <a:rPr lang="en-US" sz="2000" dirty="0"/>
+              <a:t> or from </a:t>
+            </a:r>
+            <a:r>
+              <a:rPr lang="en-US" sz="2000" dirty="0">
                 <a:hlinkClick r:id="rId3"/>
               </a:rPr>
-              <a:t>https://support.ansys.com/AnsysCustomerPortal/en_us/Downloads/ACT+Resources</a:t>
-            </a:r>
-            <a:r>
-              <a:rPr lang="en-US" sz="2000" b="0" dirty="0"/>
-              <a:t> </a:t>
-            </a:r>
+              <a:t>Ansys App Store</a:t>
+            </a:r>
+            <a:endParaRPr lang="en-US" sz="2000" dirty="0"/>
+          </a:p>
+          <a:p>
+            <a:r>
+              <a:rPr lang="en-US" sz="2000" dirty="0"/>
+              <a:t>Once you have downloaded the app go to Manage Extensions and</a:t>
+            </a:r>
+            <a:br>
+              <a:rPr lang="en-US" sz="2000" dirty="0"/>
+            </a:br>
+            <a:r>
+              <a:rPr lang="en-US" sz="2000" dirty="0"/>
+              <a:t>click on the “+” sign to install extensions, select the </a:t>
+            </a:r>
+            <a:r>
+              <a:rPr lang="en-US" sz="2000" i="1" dirty="0" err="1">
+                <a:solidFill>
+                  <a:schemeClr val="accent3"/>
+                </a:solidFill>
+              </a:rPr>
+              <a:t>wbex</a:t>
+            </a:r>
+            <a:r>
+              <a:rPr lang="en-US" sz="2000" dirty="0"/>
+              <a:t> file downloaded from the ANSYS ACT Application Store.</a:t>
+            </a:r>
+          </a:p>
+          <a:p>
+            <a:endParaRPr lang="en-US" sz="2000" dirty="0"/>
+          </a:p>
+          <a:p>
+            <a:endParaRPr lang="en-US" dirty="0"/>
           </a:p>
         </p:txBody>
       </p:sp>
       <p:pic>
         <p:nvPicPr>
-          <p:cNvPr id="5" name="Picture 4"/>
+          <p:cNvPr id="7" name="Picture 6">
+            <a:extLst>
+              <a:ext uri="{FF2B5EF4-FFF2-40B4-BE49-F238E27FC236}">
+                <a16:creationId xmlns:a16="http://schemas.microsoft.com/office/drawing/2014/main" id="{919D0F07-5CA2-44FB-AF91-2776DE3DB0D3}"/>
+              </a:ext>
+            </a:extLst>
+          </p:cNvPr>
           <p:cNvPicPr>
             <a:picLocks noChangeAspect="1"/>
           </p:cNvPicPr>
@@ -11790,23 +11289,63 @@
         </p:nvPicPr>
         <p:blipFill rotWithShape="1">
           <a:blip r:embed="rId4"/>
-          <a:srcRect l="23750" t="21226" r="2916" b="64107"/>
+          <a:srcRect l="298" t="1224" r="39851" b="6120"/>
           <a:stretch/>
         </p:blipFill>
         <p:spPr>
           <a:xfrm>
-            <a:off x="2819400" y="438150"/>
-            <a:ext cx="6248400" cy="781050"/>
+            <a:off x="4593609" y="358597"/>
+            <a:ext cx="4141468" cy="4007206"/>
           </a:xfrm>
           <a:prstGeom prst="rect">
             <a:avLst/>
           </a:prstGeom>
+          <a:ln>
+            <a:solidFill>
+              <a:schemeClr val="tx1"/>
+            </a:solidFill>
+          </a:ln>
+        </p:spPr>
+      </p:pic>
+      <p:pic>
+        <p:nvPicPr>
+          <p:cNvPr id="11" name="Picture 10">
+            <a:extLst>
+              <a:ext uri="{FF2B5EF4-FFF2-40B4-BE49-F238E27FC236}">
+                <a16:creationId xmlns:a16="http://schemas.microsoft.com/office/drawing/2014/main" id="{5DFA9111-58E8-4F65-83A2-2B17A1B7D0EF}"/>
+              </a:ext>
+            </a:extLst>
+          </p:cNvPr>
+          <p:cNvPicPr>
+            <a:picLocks noChangeAspect="1"/>
+          </p:cNvPicPr>
+          <p:nvPr/>
+        </p:nvPicPr>
+        <p:blipFill>
+          <a:blip r:embed="rId5"/>
+          <a:stretch>
+            <a:fillRect/>
+          </a:stretch>
+        </p:blipFill>
+        <p:spPr>
+          <a:xfrm>
+            <a:off x="4772169" y="4572000"/>
+            <a:ext cx="3705850" cy="1428466"/>
+          </a:xfrm>
+          <a:prstGeom prst="rect">
+            <a:avLst/>
+          </a:prstGeom>
+          <a:ln>
+            <a:solidFill>
+              <a:schemeClr val="tx1"/>
+            </a:solidFill>
+          </a:ln>
         </p:spPr>
       </p:pic>
     </p:spTree>
     <p:extLst>
       <p:ext uri="{BB962C8B-B14F-4D97-AF65-F5344CB8AC3E}">
-        <p14:creationId xmlns:p14="http://schemas.microsoft.com/office/powerpoint/2010/main" val="2741834140"/>
+        <p14:creationId xmlns:p14="http://schemas.microsoft.com/office/powerpoint/2010/main" val="4063389407"/>
       </p:ext>
     </p:extLst>
   </p:cSld>
@@ -11848,7 +11387,7 @@
         </p:nvSpPr>
         <p:spPr>
           <a:xfrm>
-            <a:off x="381000" y="155753"/>
+            <a:off x="457200" y="151180"/>
             <a:ext cx="7126287" cy="412394"/>
           </a:xfrm>
         </p:spPr>
@@ -11858,14 +11397,19 @@
           <a:p>
             <a:r>
               <a:rPr lang="en-US" dirty="0"/>
-              <a:t>Information</a:t>
-            </a:r>
+              <a:t>Install the Extension</a:t>
+            </a:r>
+            <a:endParaRPr lang="en-US" sz="2000" dirty="0">
+              <a:solidFill>
+                <a:srgbClr val="FF0000"/>
+              </a:solidFill>
+            </a:endParaRPr>
           </a:p>
         </p:txBody>
       </p:sp>
       <p:sp>
         <p:nvSpPr>
-          <p:cNvPr id="2" name="Text Placeholder 1"/>
+          <p:cNvPr id="4" name="Text Placeholder 3"/>
           <p:cNvSpPr>
             <a:spLocks noGrp="1"/>
           </p:cNvSpPr>
@@ -11875,90 +11419,140 @@
         </p:nvSpPr>
         <p:spPr>
           <a:xfrm>
-            <a:off x="609600" y="1447800"/>
-            <a:ext cx="8001000" cy="4648200"/>
+            <a:off x="312174" y="990600"/>
+            <a:ext cx="3650226" cy="5029200"/>
           </a:xfrm>
         </p:spPr>
         <p:txBody>
-          <a:bodyPr/>
+          <a:bodyPr>
+            <a:normAutofit/>
+          </a:bodyPr>
           <a:lstStyle/>
           <a:p>
-            <a:pPr>
-              <a:buSzPct val="100000"/>
-            </a:pPr>
-            <a:r>
-              <a:rPr lang="en-US" dirty="0"/>
-              <a:t>Please pay attention to paragraph 9 of the CLICKWRAP SOFTWARE LICENSE AGREEMENT FOR ACS EXTENSIONS regarding TECHNICAL ENHANCEMENTS AND CUSTOMER SUPPORT (TECS): “TECS is not included with the Program(s)”</a:t>
-            </a:r>
-          </a:p>
-          <a:p>
-            <a:pPr marL="0" indent="0">
-              <a:buNone/>
-            </a:pPr>
-            <a:endParaRPr lang="en-US" b="0" dirty="0"/>
-          </a:p>
-          <a:p>
-            <a:pPr marL="0" indent="0">
-              <a:buNone/>
-            </a:pPr>
-            <a:endParaRPr lang="en-US" b="0" dirty="0"/>
-          </a:p>
-          <a:p>
-            <a:pPr>
-              <a:buSzPct val="100000"/>
-            </a:pPr>
-            <a:r>
-              <a:rPr lang="en-US" dirty="0"/>
-              <a:t>Report any issue or provide feedback related to this app please contact:</a:t>
-            </a:r>
-          </a:p>
-          <a:p>
-            <a:pPr marL="0" indent="0" algn="ctr">
-              <a:buNone/>
-            </a:pPr>
-            <a:r>
-              <a:rPr lang="fr-FR" i="1" dirty="0"/>
-              <a:t>maksim.beliaev@ansys.com</a:t>
-            </a:r>
-          </a:p>
-          <a:p>
-            <a:pPr marL="0" indent="0" algn="ctr">
-              <a:buNone/>
-            </a:pPr>
-            <a:r>
-              <a:rPr lang="fr-FR" i="1" dirty="0"/>
-              <a:t>mark.christini@ansys.com</a:t>
+            <a:r>
+              <a:rPr lang="en-US" sz="2000" dirty="0"/>
+              <a:t>After installing, you will see the Electronic Transformer ACT extension shown </a:t>
+            </a:r>
+          </a:p>
+          <a:p>
+            <a:r>
+              <a:rPr lang="en-US" sz="2000" dirty="0"/>
+              <a:t>Import extension appears in the Extension Manager with a white background, which means it has been installed but not yet loaded. To load the extension, you can just simply click on it. If the extension is loaded successfully, the icon’s background should be green.</a:t>
+            </a:r>
+          </a:p>
+          <a:p>
+            <a:r>
+              <a:rPr lang="en-US" sz="2000" dirty="0"/>
+              <a:t>Now you can leave the Extension Manager panel and run the ACT from the Launch Wizard panel</a:t>
             </a:r>
           </a:p>
         </p:txBody>
       </p:sp>
-      <p:pic>
-        <p:nvPicPr>
-          <p:cNvPr id="5" name="Picture 4"/>
-          <p:cNvPicPr>
-            <a:picLocks noChangeAspect="1"/>
-          </p:cNvPicPr>
+      <p:grpSp>
+        <p:nvGrpSpPr>
+          <p:cNvPr id="2" name="Group 1">
+            <a:extLst>
+              <a:ext uri="{FF2B5EF4-FFF2-40B4-BE49-F238E27FC236}">
+                <a16:creationId xmlns:a16="http://schemas.microsoft.com/office/drawing/2014/main" id="{5991399B-5545-439E-96FA-2E1DA7A4D8D5}"/>
+              </a:ext>
+            </a:extLst>
+          </p:cNvPr>
+          <p:cNvGrpSpPr/>
           <p:nvPr/>
-        </p:nvPicPr>
-        <p:blipFill rotWithShape="1">
-          <a:blip r:embed="rId2"/>
-          <a:srcRect l="23750" t="21226" r="2916" b="64107"/>
-          <a:stretch/>
-        </p:blipFill>
-        <p:spPr>
+        </p:nvGrpSpPr>
+        <p:grpSpPr>
           <a:xfrm>
-            <a:off x="2743200" y="361950"/>
-            <a:ext cx="6248400" cy="781050"/>
+            <a:off x="4572000" y="563574"/>
+            <a:ext cx="3964675" cy="5273213"/>
+            <a:chOff x="4572000" y="563574"/>
+            <a:chExt cx="3964675" cy="5273213"/>
           </a:xfrm>
-          <a:prstGeom prst="rect">
-            <a:avLst/>
-          </a:prstGeom>
-        </p:spPr>
-      </p:pic>
+        </p:grpSpPr>
+        <p:pic>
+          <p:nvPicPr>
+            <p:cNvPr id="5" name="Picture 4">
+              <a:extLst>
+                <a:ext uri="{FF2B5EF4-FFF2-40B4-BE49-F238E27FC236}">
+                  <a16:creationId xmlns:a16="http://schemas.microsoft.com/office/drawing/2014/main" id="{C7DE42D1-35DD-4999-A43F-E2717434EA3C}"/>
+                </a:ext>
+              </a:extLst>
+            </p:cNvPr>
+            <p:cNvPicPr>
+              <a:picLocks noChangeAspect="1"/>
+            </p:cNvPicPr>
+            <p:nvPr/>
+          </p:nvPicPr>
+          <p:blipFill>
+            <a:blip r:embed="rId2"/>
+            <a:stretch>
+              <a:fillRect/>
+            </a:stretch>
+          </p:blipFill>
+          <p:spPr>
+            <a:xfrm>
+              <a:off x="4572000" y="563574"/>
+              <a:ext cx="3964675" cy="5273213"/>
+            </a:xfrm>
+            <a:prstGeom prst="rect">
+              <a:avLst/>
+            </a:prstGeom>
+            <a:ln>
+              <a:solidFill>
+                <a:schemeClr val="tx1"/>
+              </a:solidFill>
+            </a:ln>
+          </p:spPr>
+        </p:pic>
+        <p:sp>
+          <p:nvSpPr>
+            <p:cNvPr id="6" name="Rectangle 5">
+              <a:extLst>
+                <a:ext uri="{FF2B5EF4-FFF2-40B4-BE49-F238E27FC236}">
+                  <a16:creationId xmlns:a16="http://schemas.microsoft.com/office/drawing/2014/main" id="{C23490B1-7C32-492D-B3C8-6C52106D0B5C}"/>
+                </a:ext>
+              </a:extLst>
+            </p:cNvPr>
+            <p:cNvSpPr/>
+            <p:nvPr/>
+          </p:nvSpPr>
+          <p:spPr bwMode="auto">
+            <a:xfrm>
+              <a:off x="5137244" y="2082421"/>
+              <a:ext cx="1386385" cy="838200"/>
+            </a:xfrm>
+            <a:prstGeom prst="rect">
+              <a:avLst/>
+            </a:prstGeom>
+            <a:noFill/>
+            <a:ln w="28575" cap="sq" algn="ctr">
+              <a:solidFill>
+                <a:schemeClr val="tx1"/>
+              </a:solidFill>
+              <a:miter lim="800000"/>
+              <a:headEnd/>
+              <a:tailEnd/>
+            </a:ln>
+            <a:effectLst/>
+          </p:spPr>
+          <p:txBody>
+            <a:bodyPr wrap="none" rtlCol="0" anchor="ctr"/>
+            <a:lstStyle/>
+            <a:p>
+              <a:pPr algn="ctr"/>
+              <a:endParaRPr lang="en-GB" b="1" dirty="0">
+                <a:solidFill>
+                  <a:schemeClr val="bg1"/>
+                </a:solidFill>
+                <a:latin typeface="Arial Narrow" pitchFamily="34" charset="0"/>
+              </a:endParaRPr>
+            </a:p>
+          </p:txBody>
+        </p:sp>
+      </p:grpSp>
     </p:spTree>
     <p:extLst>
       <p:ext uri="{BB962C8B-B14F-4D97-AF65-F5344CB8AC3E}">
-        <p14:creationId xmlns:p14="http://schemas.microsoft.com/office/powerpoint/2010/main" val="3670039818"/>
+        <p14:creationId xmlns:p14="http://schemas.microsoft.com/office/powerpoint/2010/main" val="3080666544"/>
       </p:ext>
     </p:extLst>
   </p:cSld>
@@ -11990,408 +11584,6 @@
       </p:grpSpPr>
       <p:sp>
         <p:nvSpPr>
-          <p:cNvPr id="3" name="Title 2"/>
-          <p:cNvSpPr>
-            <a:spLocks noGrp="1"/>
-          </p:cNvSpPr>
-          <p:nvPr>
-            <p:ph type="title"/>
-          </p:nvPr>
-        </p:nvSpPr>
-        <p:spPr>
-          <a:xfrm>
-            <a:off x="457200" y="152400"/>
-            <a:ext cx="7126287" cy="412394"/>
-          </a:xfrm>
-        </p:spPr>
-        <p:txBody>
-          <a:bodyPr/>
-          <a:lstStyle/>
-          <a:p>
-            <a:r>
-              <a:rPr lang="en-US" dirty="0"/>
-              <a:t>Install the Extension</a:t>
-            </a:r>
-            <a:br>
-              <a:rPr lang="en-US" dirty="0">
-                <a:solidFill>
-                  <a:srgbClr val="FF0000"/>
-                </a:solidFill>
-              </a:rPr>
-            </a:br>
-            <a:endParaRPr lang="en-US" sz="2000" dirty="0">
-              <a:solidFill>
-                <a:srgbClr val="FF0000"/>
-              </a:solidFill>
-            </a:endParaRPr>
-          </a:p>
-        </p:txBody>
-      </p:sp>
-      <p:sp>
-        <p:nvSpPr>
-          <p:cNvPr id="4" name="Text Placeholder 3"/>
-          <p:cNvSpPr>
-            <a:spLocks noGrp="1"/>
-          </p:cNvSpPr>
-          <p:nvPr>
-            <p:ph type="body" sz="quarter" idx="11"/>
-          </p:nvPr>
-        </p:nvSpPr>
-        <p:spPr>
-          <a:xfrm>
-            <a:off x="312174" y="990600"/>
-            <a:ext cx="3497826" cy="5486400"/>
-          </a:xfrm>
-        </p:spPr>
-        <p:txBody>
-          <a:bodyPr/>
-          <a:lstStyle/>
-          <a:p>
-            <a:r>
-              <a:rPr lang="en-US" dirty="0"/>
-              <a:t>To install extension:</a:t>
-            </a:r>
-          </a:p>
-          <a:p>
-            <a:pPr marL="0" indent="0">
-              <a:buNone/>
-            </a:pPr>
-            <a:r>
-              <a:rPr lang="en-US" dirty="0"/>
-              <a:t>Open Electronics Desktop and activate the ACT through</a:t>
-            </a:r>
-          </a:p>
-          <a:p>
-            <a:pPr marL="0" indent="0">
-              <a:buNone/>
-            </a:pPr>
-            <a:r>
-              <a:rPr lang="en-US" dirty="0"/>
-              <a:t>View -&gt; ACT Extensions </a:t>
-            </a:r>
-            <a:r>
-              <a:rPr lang="en-US" dirty="0">
-                <a:solidFill>
-                  <a:schemeClr val="bg2"/>
-                </a:solidFill>
-              </a:rPr>
-              <a:t>View → ACT Extensions</a:t>
-            </a:r>
-            <a:r>
-              <a:rPr lang="en-US" dirty="0"/>
-              <a:t> </a:t>
-            </a:r>
-          </a:p>
-          <a:p>
-            <a:pPr marL="0" indent="0">
-              <a:buNone/>
-            </a:pPr>
-            <a:r>
-              <a:rPr lang="en-US" dirty="0"/>
-              <a:t>Then you be able to access the ACT Start Page as shown in the right figure.</a:t>
-            </a:r>
-          </a:p>
-          <a:p>
-            <a:endParaRPr lang="en-US" dirty="0"/>
-          </a:p>
-        </p:txBody>
-      </p:sp>
-      <p:pic>
-        <p:nvPicPr>
-          <p:cNvPr id="5" name="Picture 4">
-            <a:extLst>
-              <a:ext uri="{FF2B5EF4-FFF2-40B4-BE49-F238E27FC236}">
-                <a16:creationId xmlns:a16="http://schemas.microsoft.com/office/drawing/2014/main" id="{42FE1343-DEEB-4BB0-B054-48E4575C8BB7}"/>
-              </a:ext>
-            </a:extLst>
-          </p:cNvPr>
-          <p:cNvPicPr>
-            <a:picLocks noChangeAspect="1"/>
-          </p:cNvPicPr>
-          <p:nvPr/>
-        </p:nvPicPr>
-        <p:blipFill>
-          <a:blip r:embed="rId2"/>
-          <a:stretch>
-            <a:fillRect/>
-          </a:stretch>
-        </p:blipFill>
-        <p:spPr>
-          <a:xfrm>
-            <a:off x="3838446" y="990600"/>
-            <a:ext cx="5190561" cy="3197104"/>
-          </a:xfrm>
-          <a:prstGeom prst="rect">
-            <a:avLst/>
-          </a:prstGeom>
-          <a:ln>
-            <a:solidFill>
-              <a:schemeClr val="tx1"/>
-            </a:solidFill>
-          </a:ln>
-        </p:spPr>
-      </p:pic>
-      <p:sp>
-        <p:nvSpPr>
-          <p:cNvPr id="6" name="TextBox 5">
-            <a:extLst>
-              <a:ext uri="{FF2B5EF4-FFF2-40B4-BE49-F238E27FC236}">
-                <a16:creationId xmlns:a16="http://schemas.microsoft.com/office/drawing/2014/main" id="{2E346331-7CA0-4AEA-B0F2-A38A225716CE}"/>
-              </a:ext>
-            </a:extLst>
-          </p:cNvPr>
-          <p:cNvSpPr txBox="1"/>
-          <p:nvPr/>
-        </p:nvSpPr>
-        <p:spPr>
-          <a:xfrm>
-            <a:off x="381000" y="4419600"/>
-            <a:ext cx="4572000" cy="1323439"/>
-          </a:xfrm>
-          <a:prstGeom prst="rect">
-            <a:avLst/>
-          </a:prstGeom>
-          <a:noFill/>
-        </p:spPr>
-        <p:txBody>
-          <a:bodyPr wrap="square">
-            <a:spAutoFit/>
-          </a:bodyPr>
-          <a:lstStyle/>
-          <a:p>
-            <a:r>
-              <a:rPr lang="en-US" sz="2000" dirty="0"/>
-              <a:t>Click on Manage Extensions, click on the “+” sign to install extensions, select the </a:t>
-            </a:r>
-            <a:r>
-              <a:rPr lang="en-US" sz="2000" i="1" dirty="0" err="1">
-                <a:solidFill>
-                  <a:schemeClr val="accent3"/>
-                </a:solidFill>
-              </a:rPr>
-              <a:t>wbex</a:t>
-            </a:r>
-            <a:r>
-              <a:rPr lang="en-US" sz="2000" dirty="0"/>
-              <a:t> file downloaded from the ANSYS ACT Application Store.</a:t>
-            </a:r>
-          </a:p>
-        </p:txBody>
-      </p:sp>
-    </p:spTree>
-    <p:extLst>
-      <p:ext uri="{BB962C8B-B14F-4D97-AF65-F5344CB8AC3E}">
-        <p14:creationId xmlns:p14="http://schemas.microsoft.com/office/powerpoint/2010/main" val="4063389407"/>
-      </p:ext>
-    </p:extLst>
-  </p:cSld>
-  <p:clrMapOvr>
-    <a:masterClrMapping/>
-  </p:clrMapOvr>
-  <p:transition>
-    <p:wipe dir="r"/>
-  </p:transition>
-</p:sld>
-</file>
-
-<file path=ppt/slides/slide8.xml><?xml version="1.0" encoding="utf-8"?>
-<p:sld xmlns:a="http://schemas.openxmlformats.org/drawingml/2006/main" xmlns:r="http://schemas.openxmlformats.org/officeDocument/2006/relationships" xmlns:p="http://schemas.openxmlformats.org/presentationml/2006/main">
-  <p:cSld>
-    <p:spTree>
-      <p:nvGrpSpPr>
-        <p:cNvPr id="1" name=""/>
-        <p:cNvGrpSpPr/>
-        <p:nvPr/>
-      </p:nvGrpSpPr>
-      <p:grpSpPr>
-        <a:xfrm>
-          <a:off x="0" y="0"/>
-          <a:ext cx="0" cy="0"/>
-          <a:chOff x="0" y="0"/>
-          <a:chExt cx="0" cy="0"/>
-        </a:xfrm>
-      </p:grpSpPr>
-      <p:sp>
-        <p:nvSpPr>
-          <p:cNvPr id="3" name="Title 2"/>
-          <p:cNvSpPr>
-            <a:spLocks noGrp="1"/>
-          </p:cNvSpPr>
-          <p:nvPr>
-            <p:ph type="title"/>
-          </p:nvPr>
-        </p:nvSpPr>
-        <p:spPr>
-          <a:xfrm>
-            <a:off x="457200" y="151180"/>
-            <a:ext cx="7126287" cy="412394"/>
-          </a:xfrm>
-        </p:spPr>
-        <p:txBody>
-          <a:bodyPr/>
-          <a:lstStyle/>
-          <a:p>
-            <a:r>
-              <a:rPr lang="en-US" dirty="0"/>
-              <a:t>Install the Extension</a:t>
-            </a:r>
-            <a:endParaRPr lang="en-US" sz="2000" dirty="0">
-              <a:solidFill>
-                <a:srgbClr val="FF0000"/>
-              </a:solidFill>
-            </a:endParaRPr>
-          </a:p>
-        </p:txBody>
-      </p:sp>
-      <p:sp>
-        <p:nvSpPr>
-          <p:cNvPr id="4" name="Text Placeholder 3"/>
-          <p:cNvSpPr>
-            <a:spLocks noGrp="1"/>
-          </p:cNvSpPr>
-          <p:nvPr>
-            <p:ph type="body" sz="quarter" idx="11"/>
-          </p:nvPr>
-        </p:nvSpPr>
-        <p:spPr>
-          <a:xfrm>
-            <a:off x="312174" y="990600"/>
-            <a:ext cx="4183626" cy="5029200"/>
-          </a:xfrm>
-        </p:spPr>
-        <p:txBody>
-          <a:bodyPr/>
-          <a:lstStyle/>
-          <a:p>
-            <a:r>
-              <a:rPr lang="en-US" dirty="0"/>
-              <a:t>After installing the extension, you will see the extension.</a:t>
-            </a:r>
-          </a:p>
-          <a:p>
-            <a:r>
-              <a:rPr lang="en-US" dirty="0"/>
-              <a:t>Import extension appears in the Extension Manager with a white background, which means it has been installed but not yet loaded. To load the extension, you can just simply click on it. If the extension is loaded successfully, the icon’s background should be green.</a:t>
-            </a:r>
-          </a:p>
-          <a:p>
-            <a:r>
-              <a:rPr lang="en-US" dirty="0"/>
-              <a:t>Now you can run ACT from Launch Wizard panel</a:t>
-            </a:r>
-          </a:p>
-        </p:txBody>
-      </p:sp>
-      <p:pic>
-        <p:nvPicPr>
-          <p:cNvPr id="5" name="Picture 4">
-            <a:extLst>
-              <a:ext uri="{FF2B5EF4-FFF2-40B4-BE49-F238E27FC236}">
-                <a16:creationId xmlns:a16="http://schemas.microsoft.com/office/drawing/2014/main" id="{C7DE42D1-35DD-4999-A43F-E2717434EA3C}"/>
-              </a:ext>
-            </a:extLst>
-          </p:cNvPr>
-          <p:cNvPicPr>
-            <a:picLocks noChangeAspect="1"/>
-          </p:cNvPicPr>
-          <p:nvPr/>
-        </p:nvPicPr>
-        <p:blipFill>
-          <a:blip r:embed="rId2"/>
-          <a:stretch>
-            <a:fillRect/>
-          </a:stretch>
-        </p:blipFill>
-        <p:spPr>
-          <a:xfrm>
-            <a:off x="4953000" y="639951"/>
-            <a:ext cx="3492500" cy="4645197"/>
-          </a:xfrm>
-          <a:prstGeom prst="rect">
-            <a:avLst/>
-          </a:prstGeom>
-        </p:spPr>
-      </p:pic>
-      <p:sp>
-        <p:nvSpPr>
-          <p:cNvPr id="6" name="Rectangle 5">
-            <a:extLst>
-              <a:ext uri="{FF2B5EF4-FFF2-40B4-BE49-F238E27FC236}">
-                <a16:creationId xmlns:a16="http://schemas.microsoft.com/office/drawing/2014/main" id="{C23490B1-7C32-492D-B3C8-6C52106D0B5C}"/>
-              </a:ext>
-            </a:extLst>
-          </p:cNvPr>
-          <p:cNvSpPr/>
-          <p:nvPr/>
-        </p:nvSpPr>
-        <p:spPr bwMode="auto">
-          <a:xfrm>
-            <a:off x="5410200" y="1905000"/>
-            <a:ext cx="1295400" cy="838200"/>
-          </a:xfrm>
-          <a:prstGeom prst="rect">
-            <a:avLst/>
-          </a:prstGeom>
-          <a:noFill/>
-          <a:ln w="28575" cap="sq" algn="ctr">
-            <a:solidFill>
-              <a:srgbClr val="FF0000"/>
-            </a:solidFill>
-            <a:miter lim="800000"/>
-            <a:headEnd/>
-            <a:tailEnd/>
-          </a:ln>
-          <a:effectLst/>
-        </p:spPr>
-        <p:txBody>
-          <a:bodyPr wrap="none" rtlCol="0" anchor="ctr"/>
-          <a:lstStyle/>
-          <a:p>
-            <a:pPr algn="ctr"/>
-            <a:endParaRPr lang="en-GB" b="1" dirty="0">
-              <a:solidFill>
-                <a:schemeClr val="bg1"/>
-              </a:solidFill>
-              <a:latin typeface="Arial Narrow" pitchFamily="34" charset="0"/>
-            </a:endParaRPr>
-          </a:p>
-        </p:txBody>
-      </p:sp>
-    </p:spTree>
-    <p:extLst>
-      <p:ext uri="{BB962C8B-B14F-4D97-AF65-F5344CB8AC3E}">
-        <p14:creationId xmlns:p14="http://schemas.microsoft.com/office/powerpoint/2010/main" val="3080666544"/>
-      </p:ext>
-    </p:extLst>
-  </p:cSld>
-  <p:clrMapOvr>
-    <a:masterClrMapping/>
-  </p:clrMapOvr>
-  <p:transition>
-    <p:wipe dir="r"/>
-  </p:transition>
-</p:sld>
-</file>
-
-<file path=ppt/slides/slide9.xml><?xml version="1.0" encoding="utf-8"?>
-<p:sld xmlns:a="http://schemas.openxmlformats.org/drawingml/2006/main" xmlns:r="http://schemas.openxmlformats.org/officeDocument/2006/relationships" xmlns:p="http://schemas.openxmlformats.org/presentationml/2006/main">
-  <p:cSld>
-    <p:spTree>
-      <p:nvGrpSpPr>
-        <p:cNvPr id="1" name=""/>
-        <p:cNvGrpSpPr/>
-        <p:nvPr/>
-      </p:nvGrpSpPr>
-      <p:grpSpPr>
-        <a:xfrm>
-          <a:off x="0" y="0"/>
-          <a:ext cx="0" cy="0"/>
-          <a:chOff x="0" y="0"/>
-          <a:chExt cx="0" cy="0"/>
-        </a:xfrm>
-      </p:grpSpPr>
-      <p:sp>
-        <p:nvSpPr>
           <p:cNvPr id="2" name="Title 1"/>
           <p:cNvSpPr>
             <a:spLocks noGrp="1"/>
@@ -12406,7 +11598,7 @@
           <a:lstStyle/>
           <a:p>
             <a:r>
-              <a:rPr lang="en-US" dirty="0"/>
+              <a:rPr lang="en-US" sz="2800" dirty="0"/>
               <a:t>Input panel 1 of 3: Core Definition</a:t>
             </a:r>
           </a:p>
@@ -12424,8 +11616,8 @@
         </p:nvSpPr>
         <p:spPr>
           <a:xfrm>
-            <a:off x="533400" y="1066800"/>
-            <a:ext cx="8077200" cy="3124200"/>
+            <a:off x="420806" y="677635"/>
+            <a:ext cx="8570794" cy="3124200"/>
           </a:xfrm>
         </p:spPr>
         <p:txBody>
@@ -12437,8 +11629,8 @@
               <a:buChar char="•"/>
             </a:pPr>
             <a:r>
-              <a:rPr lang="en-US" sz="1800" dirty="0"/>
-              <a:t>Two options to set-up a transformer model:</a:t>
+              <a:rPr lang="en-US" sz="2000" dirty="0"/>
+              <a:t>There are two options to set-up a transformer model:</a:t>
             </a:r>
           </a:p>
           <a:p>
@@ -12447,8 +11639,8 @@
               <a:buAutoNum type="arabicPeriod"/>
             </a:pPr>
             <a:r>
-              <a:rPr lang="en-US" dirty="0"/>
-              <a:t>Read input data from a previously recorded .tab text file </a:t>
+              <a:rPr lang="en-US" sz="2000" dirty="0"/>
+              <a:t>Create a totally new design </a:t>
             </a:r>
           </a:p>
           <a:p>
@@ -12457,8 +11649,8 @@
               <a:buAutoNum type="arabicPeriod"/>
             </a:pPr>
             <a:r>
-              <a:rPr lang="en-US" dirty="0"/>
-              <a:t>Create a totally new design </a:t>
+              <a:rPr lang="en-US" sz="2000" dirty="0"/>
+              <a:t>Read input data from a previously recorded .json text file </a:t>
             </a:r>
           </a:p>
           <a:p>
@@ -12467,8 +11659,8 @@
               <a:buChar char="•"/>
             </a:pPr>
             <a:r>
-              <a:rPr lang="en-US" sz="1800" dirty="0"/>
-              <a:t>Select Supplier, Core Type, Core Model </a:t>
+              <a:rPr lang="en-US" sz="2000" dirty="0"/>
+              <a:t>For new design, set Segmentation angle and Supplier, Core Type, Core Model </a:t>
             </a:r>
           </a:p>
           <a:p>
@@ -12477,24 +11669,27 @@
               <a:buChar char="•"/>
             </a:pPr>
             <a:r>
-              <a:rPr lang="en-US" sz="1800" dirty="0"/>
-              <a:t>15 available core shapes from Philips/</a:t>
-            </a:r>
-            <a:r>
-              <a:rPr lang="en-US" sz="1800" dirty="0" err="1"/>
+              <a:rPr lang="en-US" sz="2000" dirty="0"/>
+              <a:t>Accept the default dimensions or manually modify</a:t>
+            </a:r>
+          </a:p>
+          <a:p>
+            <a:pPr marL="342900" indent="-342900"/>
+            <a:r>
+              <a:rPr lang="en-US" sz="2000" dirty="0"/>
+              <a:t>The are (15) available core shapes from Philips/</a:t>
+            </a:r>
+            <a:r>
+              <a:rPr lang="en-US" sz="2000" dirty="0" err="1"/>
               <a:t>Ferroxcube</a:t>
             </a:r>
-            <a:endParaRPr lang="en-US" sz="1800" dirty="0"/>
-          </a:p>
-          <a:p>
-            <a:pPr marL="342900" indent="-342900">
-              <a:buFont typeface="Arial" panose="020B0604020202020204" pitchFamily="34" charset="0"/>
-              <a:buChar char="•"/>
+            <a:endParaRPr lang="en-US" sz="2000" dirty="0"/>
+          </a:p>
+          <a:p>
+            <a:pPr marL="0" indent="0">
+              <a:buNone/>
             </a:pPr>
-            <a:r>
-              <a:rPr lang="en-US" sz="1800" dirty="0"/>
-              <a:t>Choose default dimensions or manually modify</a:t>
-            </a:r>
+            <a:endParaRPr lang="en-US" sz="2000" dirty="0"/>
           </a:p>
           <a:p>
             <a:endParaRPr lang="en-US" dirty="0"/>
@@ -12893,7 +12088,729 @@
           <p:cNvPr id="12" name="Picture 11">
             <a:extLst>
               <a:ext uri="{FF2B5EF4-FFF2-40B4-BE49-F238E27FC236}">
-                <a16:creationId xmlns:a16="http://schemas.microsoft.com/office/drawing/2014/main" id="{E7AC1A81-7ED8-4B62-98E8-3A4354E82FF6}"/>
+                <a16:creationId xmlns:a16="http://schemas.microsoft.com/office/drawing/2014/main" id="{F2D6CB27-713E-4752-8BB6-4462289251DC}"/>
+              </a:ext>
+            </a:extLst>
+          </p:cNvPr>
+          <p:cNvPicPr>
+            <a:picLocks noChangeAspect="1"/>
+          </p:cNvPicPr>
+          <p:nvPr/>
+        </p:nvPicPr>
+        <p:blipFill rotWithShape="1">
+          <a:blip r:embed="rId8"/>
+          <a:srcRect l="53627" t="18674" r="-111" b="3766"/>
+          <a:stretch/>
+        </p:blipFill>
+        <p:spPr>
+          <a:xfrm>
+            <a:off x="1349462" y="2966577"/>
+            <a:ext cx="3040811" cy="3048000"/>
+          </a:xfrm>
+          <a:prstGeom prst="rect">
+            <a:avLst/>
+          </a:prstGeom>
+          <a:ln>
+            <a:solidFill>
+              <a:schemeClr val="tx1"/>
+            </a:solidFill>
+          </a:ln>
+        </p:spPr>
+      </p:pic>
+    </p:spTree>
+    <p:extLst>
+      <p:ext uri="{BB962C8B-B14F-4D97-AF65-F5344CB8AC3E}">
+        <p14:creationId xmlns:p14="http://schemas.microsoft.com/office/powerpoint/2010/main" val="879115029"/>
+      </p:ext>
+    </p:extLst>
+  </p:cSld>
+  <p:clrMapOvr>
+    <a:masterClrMapping/>
+  </p:clrMapOvr>
+  <mc:AlternateContent xmlns:mc="http://schemas.openxmlformats.org/markup-compatibility/2006" xmlns:p14="http://schemas.microsoft.com/office/powerpoint/2010/main">
+    <mc:Choice Requires="p14">
+      <p:transition p14:dur="0"/>
+    </mc:Choice>
+    <mc:Fallback xmlns="">
+      <p:transition/>
+    </mc:Fallback>
+  </mc:AlternateContent>
+</p:sld>
+</file>
+
+<file path=ppt/slides/slide8.xml><?xml version="1.0" encoding="utf-8"?>
+<p:sld xmlns:a="http://schemas.openxmlformats.org/drawingml/2006/main" xmlns:r="http://schemas.openxmlformats.org/officeDocument/2006/relationships" xmlns:p="http://schemas.openxmlformats.org/presentationml/2006/main">
+  <p:cSld>
+    <p:spTree>
+      <p:nvGrpSpPr>
+        <p:cNvPr id="1" name=""/>
+        <p:cNvGrpSpPr/>
+        <p:nvPr/>
+      </p:nvGrpSpPr>
+      <p:grpSpPr>
+        <a:xfrm>
+          <a:off x="0" y="0"/>
+          <a:ext cx="0" cy="0"/>
+          <a:chOff x="0" y="0"/>
+          <a:chExt cx="0" cy="0"/>
+        </a:xfrm>
+      </p:grpSpPr>
+      <p:sp>
+        <p:nvSpPr>
+          <p:cNvPr id="6" name="Content Placeholder 5"/>
+          <p:cNvSpPr txBox="1">
+            <a:spLocks/>
+          </p:cNvSpPr>
+          <p:nvPr/>
+        </p:nvSpPr>
+        <p:spPr>
+          <a:xfrm>
+            <a:off x="167782" y="734910"/>
+            <a:ext cx="5185243" cy="5437290"/>
+          </a:xfrm>
+          <a:prstGeom prst="rect">
+            <a:avLst/>
+          </a:prstGeom>
+        </p:spPr>
+        <p:txBody>
+          <a:bodyPr/>
+          <a:lstStyle>
+            <a:lvl1pPr marL="457200" indent="-457200" algn="l" rtl="0" eaLnBrk="1" fontAlgn="base" hangingPunct="1">
+              <a:lnSpc>
+                <a:spcPct val="95000"/>
+              </a:lnSpc>
+              <a:spcBef>
+                <a:spcPts val="1200"/>
+              </a:spcBef>
+              <a:spcAft>
+                <a:spcPct val="0"/>
+              </a:spcAft>
+              <a:buClr>
+                <a:schemeClr val="tx1"/>
+              </a:buClr>
+              <a:defRPr sz="2000" b="1">
+                <a:solidFill>
+                  <a:schemeClr val="tx1"/>
+                </a:solidFill>
+                <a:latin typeface="Calibri" pitchFamily="34" charset="0"/>
+                <a:ea typeface="+mn-ea"/>
+                <a:cs typeface="Calibri" pitchFamily="34" charset="0"/>
+              </a:defRPr>
+            </a:lvl1pPr>
+            <a:lvl2pPr marL="228600" indent="-228600" algn="l" rtl="0" eaLnBrk="1" fontAlgn="base" hangingPunct="1">
+              <a:lnSpc>
+                <a:spcPct val="95000"/>
+              </a:lnSpc>
+              <a:spcBef>
+                <a:spcPct val="25000"/>
+              </a:spcBef>
+              <a:spcAft>
+                <a:spcPct val="0"/>
+              </a:spcAft>
+              <a:buClrTx/>
+              <a:buSzPct val="120000"/>
+              <a:buFont typeface="Arial" charset="0"/>
+              <a:buChar char="•"/>
+              <a:defRPr b="1">
+                <a:solidFill>
+                  <a:schemeClr val="tx1"/>
+                </a:solidFill>
+                <a:latin typeface="Calibri" pitchFamily="34" charset="0"/>
+                <a:cs typeface="Calibri" pitchFamily="34" charset="0"/>
+              </a:defRPr>
+            </a:lvl2pPr>
+            <a:lvl3pPr marL="457200" indent="-228600" algn="l" rtl="0" eaLnBrk="1" fontAlgn="base" hangingPunct="1">
+              <a:lnSpc>
+                <a:spcPct val="95000"/>
+              </a:lnSpc>
+              <a:spcBef>
+                <a:spcPct val="25000"/>
+              </a:spcBef>
+              <a:spcAft>
+                <a:spcPct val="0"/>
+              </a:spcAft>
+              <a:buClrTx/>
+              <a:buFont typeface="Calibri" pitchFamily="34" charset="0"/>
+              <a:buChar char="–"/>
+              <a:defRPr b="1">
+                <a:solidFill>
+                  <a:schemeClr val="tx1"/>
+                </a:solidFill>
+                <a:latin typeface="Calibri" pitchFamily="34" charset="0"/>
+                <a:cs typeface="Calibri" pitchFamily="34" charset="0"/>
+              </a:defRPr>
+            </a:lvl3pPr>
+            <a:lvl4pPr marL="687388" indent="-225425" algn="l" rtl="0" eaLnBrk="1" fontAlgn="base" hangingPunct="1">
+              <a:lnSpc>
+                <a:spcPct val="95000"/>
+              </a:lnSpc>
+              <a:spcBef>
+                <a:spcPct val="25000"/>
+              </a:spcBef>
+              <a:spcAft>
+                <a:spcPct val="0"/>
+              </a:spcAft>
+              <a:buClrTx/>
+              <a:buFont typeface="Arial" pitchFamily="34" charset="0"/>
+              <a:buChar char="•"/>
+              <a:defRPr b="1">
+                <a:solidFill>
+                  <a:schemeClr val="tx1"/>
+                </a:solidFill>
+                <a:latin typeface="Calibri" pitchFamily="34" charset="0"/>
+                <a:cs typeface="Calibri" pitchFamily="34" charset="0"/>
+              </a:defRPr>
+            </a:lvl4pPr>
+            <a:lvl5pPr marL="914400" indent="-227013" algn="l" rtl="0" eaLnBrk="1" fontAlgn="base" hangingPunct="1">
+              <a:lnSpc>
+                <a:spcPct val="95000"/>
+              </a:lnSpc>
+              <a:spcBef>
+                <a:spcPct val="25000"/>
+              </a:spcBef>
+              <a:spcAft>
+                <a:spcPct val="0"/>
+              </a:spcAft>
+              <a:buClr>
+                <a:schemeClr val="accent1"/>
+              </a:buClr>
+              <a:buFont typeface="Calibri" pitchFamily="34" charset="0"/>
+              <a:buChar char="–"/>
+              <a:defRPr sz="1600" b="1">
+                <a:solidFill>
+                  <a:schemeClr val="tx1"/>
+                </a:solidFill>
+                <a:latin typeface="Calibri" pitchFamily="34" charset="0"/>
+                <a:cs typeface="Calibri" pitchFamily="34" charset="0"/>
+              </a:defRPr>
+            </a:lvl5pPr>
+            <a:lvl6pPr marL="2228850" indent="-228600" algn="l" rtl="0" eaLnBrk="1" fontAlgn="base" hangingPunct="1">
+              <a:lnSpc>
+                <a:spcPct val="95000"/>
+              </a:lnSpc>
+              <a:spcBef>
+                <a:spcPct val="25000"/>
+              </a:spcBef>
+              <a:spcAft>
+                <a:spcPct val="0"/>
+              </a:spcAft>
+              <a:buClr>
+                <a:schemeClr val="accent1"/>
+              </a:buClr>
+              <a:buChar char="•"/>
+              <a:defRPr sz="1600">
+                <a:solidFill>
+                  <a:schemeClr val="tx1"/>
+                </a:solidFill>
+                <a:latin typeface="+mn-lt"/>
+              </a:defRPr>
+            </a:lvl6pPr>
+            <a:lvl7pPr marL="2686050" indent="-228600" algn="l" rtl="0" eaLnBrk="1" fontAlgn="base" hangingPunct="1">
+              <a:lnSpc>
+                <a:spcPct val="95000"/>
+              </a:lnSpc>
+              <a:spcBef>
+                <a:spcPct val="25000"/>
+              </a:spcBef>
+              <a:spcAft>
+                <a:spcPct val="0"/>
+              </a:spcAft>
+              <a:buClr>
+                <a:schemeClr val="accent1"/>
+              </a:buClr>
+              <a:buChar char="•"/>
+              <a:defRPr sz="1600">
+                <a:solidFill>
+                  <a:schemeClr val="tx1"/>
+                </a:solidFill>
+                <a:latin typeface="+mn-lt"/>
+              </a:defRPr>
+            </a:lvl7pPr>
+            <a:lvl8pPr marL="3143250" indent="-228600" algn="l" rtl="0" eaLnBrk="1" fontAlgn="base" hangingPunct="1">
+              <a:lnSpc>
+                <a:spcPct val="95000"/>
+              </a:lnSpc>
+              <a:spcBef>
+                <a:spcPct val="25000"/>
+              </a:spcBef>
+              <a:spcAft>
+                <a:spcPct val="0"/>
+              </a:spcAft>
+              <a:buClr>
+                <a:schemeClr val="accent1"/>
+              </a:buClr>
+              <a:buChar char="•"/>
+              <a:defRPr sz="1600">
+                <a:solidFill>
+                  <a:schemeClr val="tx1"/>
+                </a:solidFill>
+                <a:latin typeface="+mn-lt"/>
+              </a:defRPr>
+            </a:lvl8pPr>
+            <a:lvl9pPr marL="3600450" indent="-228600" algn="l" rtl="0" eaLnBrk="1" fontAlgn="base" hangingPunct="1">
+              <a:lnSpc>
+                <a:spcPct val="95000"/>
+              </a:lnSpc>
+              <a:spcBef>
+                <a:spcPct val="25000"/>
+              </a:spcBef>
+              <a:spcAft>
+                <a:spcPct val="0"/>
+              </a:spcAft>
+              <a:buClr>
+                <a:schemeClr val="accent1"/>
+              </a:buClr>
+              <a:buChar char="•"/>
+              <a:defRPr sz="1600">
+                <a:solidFill>
+                  <a:schemeClr val="tx1"/>
+                </a:solidFill>
+                <a:latin typeface="+mn-lt"/>
+              </a:defRPr>
+            </a:lvl9pPr>
+          </a:lstStyle>
+          <a:p>
+            <a:pPr marL="342900" indent="-342900">
+              <a:buFont typeface="Arial" panose="020B0604020202020204" pitchFamily="34" charset="0"/>
+              <a:buChar char="•"/>
+            </a:pPr>
+            <a:r>
+              <a:rPr lang="en-US" b="0" kern="0" dirty="0"/>
+              <a:t>An input text file (.json) is automatically recorded and saved in the Maxwell default project folder each time when analysis is set up</a:t>
+            </a:r>
+          </a:p>
+          <a:p>
+            <a:pPr marL="342900" indent="-342900">
+              <a:buFont typeface="Arial" panose="020B0604020202020204" pitchFamily="34" charset="0"/>
+              <a:buChar char="•"/>
+            </a:pPr>
+            <a:r>
+              <a:rPr lang="en-US" b="0" kern="0" dirty="0"/>
+              <a:t>For a previously recorded design, the input file can be re-run by selecting “Read Settings File” on the core definition input step </a:t>
+            </a:r>
+            <a:r>
+              <a:rPr lang="en-US" b="0" i="1" kern="0" dirty="0"/>
+              <a:t>(note that the Core Model box will remain unchanged)</a:t>
+            </a:r>
+          </a:p>
+          <a:p>
+            <a:pPr marL="342900" indent="-342900">
+              <a:buFont typeface="Arial" panose="020B0604020202020204" pitchFamily="34" charset="0"/>
+              <a:buChar char="•"/>
+            </a:pPr>
+            <a:r>
+              <a:rPr lang="en-US" b="0" kern="0" dirty="0"/>
+              <a:t>This input file can also be manually modified in text editor to make changes in parameters before re-running</a:t>
+            </a:r>
+          </a:p>
+          <a:p>
+            <a:pPr marL="342900" indent="-342900">
+              <a:buFont typeface="Arial" panose="020B0604020202020204" pitchFamily="34" charset="0"/>
+              <a:buChar char="•"/>
+            </a:pPr>
+            <a:r>
+              <a:rPr lang="en-US" b="0" kern="0" dirty="0"/>
+              <a:t>Click “Open Examples” to run demo input files</a:t>
+            </a:r>
+          </a:p>
+          <a:p>
+            <a:pPr marL="0" indent="0"/>
+            <a:r>
+              <a:rPr lang="en-US" sz="2000" b="0" i="1" kern="0" dirty="0"/>
+              <a:t>Note: Due to added functionality .tab files from the older versions are not supported</a:t>
+            </a:r>
+          </a:p>
+          <a:p>
+            <a:pPr marL="342900" indent="-342900">
+              <a:buFont typeface="Arial" panose="020B0604020202020204" pitchFamily="34" charset="0"/>
+              <a:buChar char="•"/>
+            </a:pPr>
+            <a:endParaRPr lang="en-US" b="0" kern="0" dirty="0"/>
+          </a:p>
+          <a:p>
+            <a:pPr marL="342900" indent="-342900">
+              <a:buFont typeface="Arial" panose="020B0604020202020204" pitchFamily="34" charset="0"/>
+              <a:buChar char="•"/>
+            </a:pPr>
+            <a:endParaRPr lang="en-US" b="0" kern="0" dirty="0"/>
+          </a:p>
+          <a:p>
+            <a:pPr marL="342900" indent="-342900">
+              <a:buFont typeface="Arial" panose="020B0604020202020204" pitchFamily="34" charset="0"/>
+              <a:buChar char="•"/>
+            </a:pPr>
+            <a:endParaRPr lang="en-US" b="0" kern="0" dirty="0"/>
+          </a:p>
+        </p:txBody>
+      </p:sp>
+      <p:sp>
+        <p:nvSpPr>
+          <p:cNvPr id="3" name="Title 2"/>
+          <p:cNvSpPr>
+            <a:spLocks noGrp="1"/>
+          </p:cNvSpPr>
+          <p:nvPr>
+            <p:ph type="title"/>
+          </p:nvPr>
+        </p:nvSpPr>
+        <p:spPr/>
+        <p:txBody>
+          <a:bodyPr/>
+          <a:lstStyle/>
+          <a:p>
+            <a:r>
+              <a:rPr lang="en-US" sz="2800" dirty="0"/>
+              <a:t>Recorded input file – used to recreate model in future</a:t>
+            </a:r>
+          </a:p>
+        </p:txBody>
+      </p:sp>
+      <p:pic>
+        <p:nvPicPr>
+          <p:cNvPr id="5" name="Picture 4">
+            <a:extLst>
+              <a:ext uri="{FF2B5EF4-FFF2-40B4-BE49-F238E27FC236}">
+                <a16:creationId xmlns:a16="http://schemas.microsoft.com/office/drawing/2014/main" id="{642E5FC1-BFA1-45B0-BB83-A5D75F84222A}"/>
+              </a:ext>
+            </a:extLst>
+          </p:cNvPr>
+          <p:cNvPicPr>
+            <a:picLocks noChangeAspect="1"/>
+          </p:cNvPicPr>
+          <p:nvPr/>
+        </p:nvPicPr>
+        <p:blipFill>
+          <a:blip r:embed="rId2"/>
+          <a:stretch>
+            <a:fillRect/>
+          </a:stretch>
+        </p:blipFill>
+        <p:spPr>
+          <a:xfrm>
+            <a:off x="5680493" y="3847279"/>
+            <a:ext cx="3276600" cy="2146363"/>
+          </a:xfrm>
+          <a:prstGeom prst="rect">
+            <a:avLst/>
+          </a:prstGeom>
+          <a:ln>
+            <a:solidFill>
+              <a:schemeClr val="tx1"/>
+            </a:solidFill>
+          </a:ln>
+        </p:spPr>
+      </p:pic>
+      <p:pic>
+        <p:nvPicPr>
+          <p:cNvPr id="7" name="Picture 6">
+            <a:extLst>
+              <a:ext uri="{FF2B5EF4-FFF2-40B4-BE49-F238E27FC236}">
+                <a16:creationId xmlns:a16="http://schemas.microsoft.com/office/drawing/2014/main" id="{38B75C26-9650-4ECB-8478-0B0E0FB725D4}"/>
+              </a:ext>
+            </a:extLst>
+          </p:cNvPr>
+          <p:cNvPicPr>
+            <a:picLocks noChangeAspect="1"/>
+          </p:cNvPicPr>
+          <p:nvPr/>
+        </p:nvPicPr>
+        <p:blipFill rotWithShape="1">
+          <a:blip r:embed="rId3"/>
+          <a:srcRect l="53627" t="18674" r="-111" b="3766"/>
+          <a:stretch/>
+        </p:blipFill>
+        <p:spPr>
+          <a:xfrm>
+            <a:off x="5798388" y="685800"/>
+            <a:ext cx="3040811" cy="3048000"/>
+          </a:xfrm>
+          <a:prstGeom prst="rect">
+            <a:avLst/>
+          </a:prstGeom>
+          <a:ln>
+            <a:solidFill>
+              <a:schemeClr val="tx1"/>
+            </a:solidFill>
+          </a:ln>
+        </p:spPr>
+      </p:pic>
+      <p:sp>
+        <p:nvSpPr>
+          <p:cNvPr id="8" name="Rectangle 7">
+            <a:extLst>
+              <a:ext uri="{FF2B5EF4-FFF2-40B4-BE49-F238E27FC236}">
+                <a16:creationId xmlns:a16="http://schemas.microsoft.com/office/drawing/2014/main" id="{B5707BD3-E470-4B10-914D-FCC9C26E6659}"/>
+              </a:ext>
+            </a:extLst>
+          </p:cNvPr>
+          <p:cNvSpPr/>
+          <p:nvPr/>
+        </p:nvSpPr>
+        <p:spPr>
+          <a:xfrm>
+            <a:off x="5798388" y="2971799"/>
+            <a:ext cx="816168" cy="210787"/>
+          </a:xfrm>
+          <a:prstGeom prst="rect">
+            <a:avLst/>
+          </a:prstGeom>
+          <a:noFill/>
+          <a:ln w="25400">
+            <a:solidFill>
+              <a:schemeClr val="accent1"/>
+            </a:solidFill>
+          </a:ln>
+        </p:spPr>
+        <p:style>
+          <a:lnRef idx="2">
+            <a:schemeClr val="accent1">
+              <a:shade val="50000"/>
+            </a:schemeClr>
+          </a:lnRef>
+          <a:fillRef idx="1">
+            <a:schemeClr val="accent1"/>
+          </a:fillRef>
+          <a:effectRef idx="0">
+            <a:schemeClr val="accent1"/>
+          </a:effectRef>
+          <a:fontRef idx="minor">
+            <a:schemeClr val="lt1"/>
+          </a:fontRef>
+        </p:style>
+        <p:txBody>
+          <a:bodyPr rtlCol="0" anchor="ctr"/>
+          <a:lstStyle/>
+          <a:p>
+            <a:pPr algn="ctr"/>
+            <a:endParaRPr lang="en-US"/>
+          </a:p>
+        </p:txBody>
+      </p:sp>
+      <p:sp>
+        <p:nvSpPr>
+          <p:cNvPr id="10" name="Rectangle 9">
+            <a:extLst>
+              <a:ext uri="{FF2B5EF4-FFF2-40B4-BE49-F238E27FC236}">
+                <a16:creationId xmlns:a16="http://schemas.microsoft.com/office/drawing/2014/main" id="{AA79F1EF-E722-4801-B16F-FD2A55A7544F}"/>
+              </a:ext>
+            </a:extLst>
+          </p:cNvPr>
+          <p:cNvSpPr/>
+          <p:nvPr/>
+        </p:nvSpPr>
+        <p:spPr>
+          <a:xfrm>
+            <a:off x="5798388" y="3182586"/>
+            <a:ext cx="816168" cy="210787"/>
+          </a:xfrm>
+          <a:prstGeom prst="rect">
+            <a:avLst/>
+          </a:prstGeom>
+          <a:noFill/>
+          <a:ln w="25400">
+            <a:solidFill>
+              <a:schemeClr val="accent1"/>
+            </a:solidFill>
+          </a:ln>
+        </p:spPr>
+        <p:style>
+          <a:lnRef idx="2">
+            <a:schemeClr val="accent1">
+              <a:shade val="50000"/>
+            </a:schemeClr>
+          </a:lnRef>
+          <a:fillRef idx="1">
+            <a:schemeClr val="accent1"/>
+          </a:fillRef>
+          <a:effectRef idx="0">
+            <a:schemeClr val="accent1"/>
+          </a:effectRef>
+          <a:fontRef idx="minor">
+            <a:schemeClr val="lt1"/>
+          </a:fontRef>
+        </p:style>
+        <p:txBody>
+          <a:bodyPr rtlCol="0" anchor="ctr"/>
+          <a:lstStyle/>
+          <a:p>
+            <a:pPr algn="ctr"/>
+            <a:endParaRPr lang="en-US"/>
+          </a:p>
+        </p:txBody>
+      </p:sp>
+    </p:spTree>
+    <p:extLst>
+      <p:ext uri="{BB962C8B-B14F-4D97-AF65-F5344CB8AC3E}">
+        <p14:creationId xmlns:p14="http://schemas.microsoft.com/office/powerpoint/2010/main" val="555688235"/>
+      </p:ext>
+    </p:extLst>
+  </p:cSld>
+  <p:clrMapOvr>
+    <a:masterClrMapping/>
+  </p:clrMapOvr>
+  <mc:AlternateContent xmlns:mc="http://schemas.openxmlformats.org/markup-compatibility/2006" xmlns:p14="http://schemas.microsoft.com/office/powerpoint/2010/main">
+    <mc:Choice Requires="p14">
+      <p:transition p14:dur="0"/>
+    </mc:Choice>
+    <mc:Fallback xmlns="">
+      <p:transition/>
+    </mc:Fallback>
+  </mc:AlternateContent>
+</p:sld>
+</file>
+
+<file path=ppt/slides/slide9.xml><?xml version="1.0" encoding="utf-8"?>
+<p:sld xmlns:a="http://schemas.openxmlformats.org/drawingml/2006/main" xmlns:r="http://schemas.openxmlformats.org/officeDocument/2006/relationships" xmlns:p="http://schemas.openxmlformats.org/presentationml/2006/main">
+  <p:cSld>
+    <p:spTree>
+      <p:nvGrpSpPr>
+        <p:cNvPr id="1" name=""/>
+        <p:cNvGrpSpPr/>
+        <p:nvPr/>
+      </p:nvGrpSpPr>
+      <p:grpSpPr>
+        <a:xfrm>
+          <a:off x="0" y="0"/>
+          <a:ext cx="0" cy="0"/>
+          <a:chOff x="0" y="0"/>
+          <a:chExt cx="0" cy="0"/>
+        </a:xfrm>
+      </p:grpSpPr>
+      <p:sp>
+        <p:nvSpPr>
+          <p:cNvPr id="2" name="Title 1"/>
+          <p:cNvSpPr>
+            <a:spLocks noGrp="1"/>
+          </p:cNvSpPr>
+          <p:nvPr>
+            <p:ph type="title"/>
+          </p:nvPr>
+        </p:nvSpPr>
+        <p:spPr/>
+        <p:txBody>
+          <a:bodyPr/>
+          <a:lstStyle/>
+          <a:p>
+            <a:r>
+              <a:rPr lang="en-US" sz="2800" dirty="0"/>
+              <a:t>Input panel 2 of 3: Winding Definition</a:t>
+            </a:r>
+          </a:p>
+        </p:txBody>
+      </p:sp>
+      <p:sp>
+        <p:nvSpPr>
+          <p:cNvPr id="6" name="Content Placeholder 5"/>
+          <p:cNvSpPr>
+            <a:spLocks noGrp="1"/>
+          </p:cNvSpPr>
+          <p:nvPr>
+            <p:ph idx="1"/>
+          </p:nvPr>
+        </p:nvSpPr>
+        <p:spPr>
+          <a:xfrm>
+            <a:off x="381000" y="865188"/>
+            <a:ext cx="4114800" cy="5029200"/>
+          </a:xfrm>
+        </p:spPr>
+        <p:txBody>
+          <a:bodyPr>
+            <a:normAutofit fontScale="85000" lnSpcReduction="20000"/>
+          </a:bodyPr>
+          <a:lstStyle/>
+          <a:p>
+            <a:pPr marL="342900" indent="-342900"/>
+            <a:r>
+              <a:rPr lang="en-US" sz="2200" dirty="0"/>
+              <a:t>Transformer type: Wound/Planar </a:t>
+            </a:r>
+          </a:p>
+          <a:p>
+            <a:pPr marL="342900" indent="-342900">
+              <a:buFont typeface="Arial" panose="020B0604020202020204" pitchFamily="34" charset="0"/>
+              <a:buChar char="•"/>
+            </a:pPr>
+            <a:r>
+              <a:rPr lang="en-US" sz="2200" dirty="0"/>
+              <a:t>Number of Layers, Layer Spacing, Bobbin/Board Thickness, Top/Bottom Margin size, Side Margin size </a:t>
+            </a:r>
+          </a:p>
+          <a:p>
+            <a:pPr marL="342900" indent="-342900">
+              <a:buFont typeface="Arial" panose="020B0604020202020204" pitchFamily="34" charset="0"/>
+              <a:buChar char="•"/>
+            </a:pPr>
+            <a:r>
+              <a:rPr lang="en-US" sz="2200" dirty="0"/>
+              <a:t>Layer Type: Top Down or Concentric</a:t>
+            </a:r>
+          </a:p>
+          <a:p>
+            <a:pPr marL="342900" indent="-342900">
+              <a:buFont typeface="Arial" panose="020B0604020202020204" pitchFamily="34" charset="0"/>
+              <a:buChar char="•"/>
+            </a:pPr>
+            <a:r>
+              <a:rPr lang="en-US" sz="2200" dirty="0"/>
+              <a:t>Include bobbin (or not)</a:t>
+            </a:r>
+          </a:p>
+          <a:p>
+            <a:pPr marL="342900" indent="-342900">
+              <a:buFont typeface="Arial" panose="020B0604020202020204" pitchFamily="34" charset="0"/>
+              <a:buChar char="•"/>
+            </a:pPr>
+            <a:r>
+              <a:rPr lang="en-US" sz="2200" dirty="0"/>
+              <a:t>Conductor Type: Rectangular or Circular (only for wound)</a:t>
+            </a:r>
+          </a:p>
+          <a:p>
+            <a:pPr marL="342900" indent="-342900">
+              <a:buFont typeface="Arial" panose="020B0604020202020204" pitchFamily="34" charset="0"/>
+              <a:buChar char="•"/>
+            </a:pPr>
+            <a:r>
+              <a:rPr lang="en-US" sz="2200" dirty="0"/>
+              <a:t>Layer properties:</a:t>
+            </a:r>
+          </a:p>
+          <a:p>
+            <a:pPr marL="635794" lvl="2" indent="-342900">
+              <a:buFont typeface="Calibri" panose="020F0502020204030204" pitchFamily="34" charset="0"/>
+              <a:buChar char="-"/>
+            </a:pPr>
+            <a:r>
+              <a:rPr lang="en-US" sz="2200" dirty="0"/>
+              <a:t>For rectangular: Conductor Width, Conductor Height, Number of Turns, Insulation thickness</a:t>
+            </a:r>
+          </a:p>
+          <a:p>
+            <a:pPr marL="635794" lvl="2" indent="-342900">
+              <a:buFont typeface="Calibri" panose="020F0502020204030204" pitchFamily="34" charset="0"/>
+              <a:buChar char="-"/>
+            </a:pPr>
+            <a:r>
+              <a:rPr lang="en-US" sz="2200" dirty="0"/>
+              <a:t>For circular: Conductor Diameter, Number of segments, Number of Turns, Insulation Thickness</a:t>
+            </a:r>
+          </a:p>
+          <a:p>
+            <a:r>
+              <a:rPr lang="en-US" sz="2200" dirty="0"/>
+              <a:t>Skip check windings (validates that windings will fit into the core)</a:t>
+            </a:r>
+            <a:endParaRPr lang="en-US" sz="2000" dirty="0"/>
+          </a:p>
+        </p:txBody>
+      </p:sp>
+      <p:pic>
+        <p:nvPicPr>
+          <p:cNvPr id="10" name="Picture 9">
+            <a:extLst>
+              <a:ext uri="{FF2B5EF4-FFF2-40B4-BE49-F238E27FC236}">
+                <a16:creationId xmlns:a16="http://schemas.microsoft.com/office/drawing/2014/main" id="{57A2E9BA-8465-4884-ABDF-0C7D4DE67C79}"/>
               </a:ext>
             </a:extLst>
           </p:cNvPr>
@@ -12901,14 +12818,20 @@
           <p:nvPr/>
         </p:nvPicPr>
         <p:blipFill rotWithShape="1">
-          <a:blip r:embed="rId8"/>
-          <a:srcRect l="1199"/>
+          <a:blip r:embed="rId2">
+            <a:extLst>
+              <a:ext uri="{28A0092B-C50C-407E-A947-70E740481C1C}">
+                <a14:useLocalDpi xmlns:a14="http://schemas.microsoft.com/office/drawing/2010/main" val="0"/>
+              </a:ext>
+            </a:extLst>
+          </a:blip>
+          <a:srcRect/>
           <a:stretch/>
         </p:blipFill>
         <p:spPr bwMode="auto">
           <a:xfrm>
-            <a:off x="1182647" y="3362564"/>
-            <a:ext cx="2409825" cy="2411095"/>
+            <a:off x="4648200" y="994419"/>
+            <a:ext cx="4191000" cy="4164012"/>
           </a:xfrm>
           <a:prstGeom prst="rect">
             <a:avLst/>
@@ -12928,7 +12851,7 @@
     </p:spTree>
     <p:extLst>
       <p:ext uri="{BB962C8B-B14F-4D97-AF65-F5344CB8AC3E}">
-        <p14:creationId xmlns:p14="http://schemas.microsoft.com/office/powerpoint/2010/main" val="879115029"/>
+        <p14:creationId xmlns:p14="http://schemas.microsoft.com/office/powerpoint/2010/main" val="1211994344"/>
       </p:ext>
     </p:extLst>
   </p:cSld>
